--- a/curriculum/Unit2/Unit 2 Slides.pptx
+++ b/curriculum/Unit2/Unit 2 Slides.pptx
@@ -2,27 +2,27 @@
 <file path=ppt/presentation.xml><?xml version="1.0" encoding="utf-8"?>
 <p:presentation xmlns:a="http://schemas.openxmlformats.org/drawingml/2006/main" xmlns:r="http://schemas.openxmlformats.org/officeDocument/2006/relationships" xmlns:p="http://schemas.openxmlformats.org/presentationml/2006/main" saveSubsetFonts="1" autoCompressPictures="0">
   <p:sldMasterIdLst>
-    <p:sldMasterId id="2147483648" r:id="rId1"/>
+    <p:sldMasterId id="2147483648" r:id="rId4"/>
   </p:sldMasterIdLst>
   <p:notesMasterIdLst>
-    <p:notesMasterId r:id="rId14"/>
+    <p:notesMasterId r:id="rId17"/>
   </p:notesMasterIdLst>
   <p:handoutMasterIdLst>
-    <p:handoutMasterId r:id="rId15"/>
+    <p:handoutMasterId r:id="rId18"/>
   </p:handoutMasterIdLst>
   <p:sldIdLst>
-    <p:sldId id="271" r:id="rId2"/>
-    <p:sldId id="282" r:id="rId3"/>
-    <p:sldId id="278" r:id="rId4"/>
-    <p:sldId id="279" r:id="rId5"/>
-    <p:sldId id="276" r:id="rId6"/>
-    <p:sldId id="277" r:id="rId7"/>
-    <p:sldId id="274" r:id="rId8"/>
-    <p:sldId id="275" r:id="rId9"/>
-    <p:sldId id="272" r:id="rId10"/>
-    <p:sldId id="280" r:id="rId11"/>
-    <p:sldId id="273" r:id="rId12"/>
-    <p:sldId id="281" r:id="rId13"/>
+    <p:sldId id="271" r:id="rId5"/>
+    <p:sldId id="282" r:id="rId6"/>
+    <p:sldId id="278" r:id="rId7"/>
+    <p:sldId id="279" r:id="rId8"/>
+    <p:sldId id="276" r:id="rId9"/>
+    <p:sldId id="277" r:id="rId10"/>
+    <p:sldId id="274" r:id="rId11"/>
+    <p:sldId id="275" r:id="rId12"/>
+    <p:sldId id="272" r:id="rId13"/>
+    <p:sldId id="280" r:id="rId14"/>
+    <p:sldId id="273" r:id="rId15"/>
+    <p:sldId id="281" r:id="rId16"/>
   </p:sldIdLst>
   <p:sldSz cx="9144000" cy="6858000" type="screen4x3"/>
   <p:notesSz cx="6858000" cy="9144000"/>
@@ -121,6 +121,22 @@
       </a:defRPr>
     </a:lvl9pPr>
   </p:defaultTextStyle>
+  <p:extLst>
+    <p:ext uri="{EFAFB233-063F-42B5-8137-9DF3F51BA10A}">
+      <p15:sldGuideLst xmlns:p15="http://schemas.microsoft.com/office/powerpoint/2012/main">
+        <p15:guide id="1" orient="horz" pos="2160">
+          <p15:clr>
+            <a:srgbClr val="A4A3A4"/>
+          </p15:clr>
+        </p15:guide>
+        <p15:guide id="2" pos="2880">
+          <p15:clr>
+            <a:srgbClr val="A4A3A4"/>
+          </p15:clr>
+        </p15:guide>
+      </p15:sldGuideLst>
+    </p:ext>
+  </p:extLst>
 </p:presentation>
 </file>
 
@@ -206,7 +222,7 @@
           <a:p>
             <a:fld id="{6D0754E3-E03E-ED44-9A59-706283C2F2CC}" type="datetimeFigureOut">
               <a:rPr lang="en-US" smtClean="0"/>
-              <a:t>7/1/15</a:t>
+              <a:t>2/18/2020</a:t>
             </a:fld>
             <a:endParaRPr lang="en-US"/>
           </a:p>
@@ -372,7 +388,7 @@
           <a:p>
             <a:fld id="{44996FB4-6AD2-FE4B-B45E-D44A9C110DAF}" type="datetimeFigureOut">
               <a:rPr lang="en-US" smtClean="0"/>
-              <a:t>7/1/15</a:t>
+              <a:t>2/18/2020</a:t>
             </a:fld>
             <a:endParaRPr lang="en-US"/>
           </a:p>
@@ -436,38 +452,37 @@
           <a:p>
             <a:pPr lvl="0"/>
             <a:r>
-              <a:rPr lang="en-US" smtClean="0"/>
+              <a:rPr lang="en-US"/>
               <a:t>Click to edit Master text styles</a:t>
             </a:r>
           </a:p>
           <a:p>
             <a:pPr lvl="1"/>
             <a:r>
-              <a:rPr lang="en-US" smtClean="0"/>
+              <a:rPr lang="en-US"/>
               <a:t>Second level</a:t>
             </a:r>
           </a:p>
           <a:p>
             <a:pPr lvl="2"/>
             <a:r>
-              <a:rPr lang="en-US" smtClean="0"/>
+              <a:rPr lang="en-US"/>
               <a:t>Third level</a:t>
             </a:r>
           </a:p>
           <a:p>
             <a:pPr lvl="3"/>
             <a:r>
-              <a:rPr lang="en-US" smtClean="0"/>
+              <a:rPr lang="en-US"/>
               <a:t>Fourth level</a:t>
             </a:r>
           </a:p>
           <a:p>
             <a:pPr lvl="4"/>
             <a:r>
-              <a:rPr lang="en-US" smtClean="0"/>
+              <a:rPr lang="en-US"/>
               <a:t>Fifth level</a:t>
             </a:r>
-            <a:endParaRPr lang="en-US"/>
           </a:p>
         </p:txBody>
       </p:sp>
@@ -679,10 +694,9 @@
           <a:lstStyle/>
           <a:p>
             <a:r>
-              <a:rPr lang="en-US" smtClean="0"/>
+              <a:rPr lang="en-US"/>
               <a:t>Click to edit Master title style</a:t>
             </a:r>
-            <a:endParaRPr lang="en-US"/>
           </a:p>
         </p:txBody>
       </p:sp>
@@ -798,10 +812,9 @@
           </a:lstStyle>
           <a:p>
             <a:r>
-              <a:rPr lang="en-US" smtClean="0"/>
+              <a:rPr lang="en-US"/>
               <a:t>Click to edit Master subtitle style</a:t>
             </a:r>
-            <a:endParaRPr lang="en-US"/>
           </a:p>
         </p:txBody>
       </p:sp>
@@ -822,7 +835,7 @@
           <a:p>
             <a:fld id="{34990CC2-A8CC-B149-BA8F-DDB0E524EE45}" type="datetime1">
               <a:rPr lang="en-US" smtClean="0"/>
-              <a:t>7/1/15</a:t>
+              <a:t>2/18/2020</a:t>
             </a:fld>
             <a:endParaRPr lang="en-US"/>
           </a:p>
@@ -844,10 +857,9 @@
           <a:lstStyle/>
           <a:p>
             <a:r>
-              <a:rPr lang="en-US" smtClean="0"/>
+              <a:rPr lang="en-US"/>
               <a:t>Developed by TEALS in 2015  www.tealsk12.org</a:t>
             </a:r>
-            <a:endParaRPr lang="en-US"/>
           </a:p>
         </p:txBody>
       </p:sp>
@@ -920,10 +932,9 @@
           <a:lstStyle/>
           <a:p>
             <a:r>
-              <a:rPr lang="en-US" smtClean="0"/>
+              <a:rPr lang="en-US"/>
               <a:t>Click to edit Master title style</a:t>
             </a:r>
-            <a:endParaRPr lang="en-US"/>
           </a:p>
         </p:txBody>
       </p:sp>
@@ -944,38 +955,37 @@
           <a:p>
             <a:pPr lvl="0"/>
             <a:r>
-              <a:rPr lang="en-US" smtClean="0"/>
+              <a:rPr lang="en-US"/>
               <a:t>Click to edit Master text styles</a:t>
             </a:r>
           </a:p>
           <a:p>
             <a:pPr lvl="1"/>
             <a:r>
-              <a:rPr lang="en-US" smtClean="0"/>
+              <a:rPr lang="en-US"/>
               <a:t>Second level</a:t>
             </a:r>
           </a:p>
           <a:p>
             <a:pPr lvl="2"/>
             <a:r>
-              <a:rPr lang="en-US" smtClean="0"/>
+              <a:rPr lang="en-US"/>
               <a:t>Third level</a:t>
             </a:r>
           </a:p>
           <a:p>
             <a:pPr lvl="3"/>
             <a:r>
-              <a:rPr lang="en-US" smtClean="0"/>
+              <a:rPr lang="en-US"/>
               <a:t>Fourth level</a:t>
             </a:r>
           </a:p>
           <a:p>
             <a:pPr lvl="4"/>
             <a:r>
-              <a:rPr lang="en-US" smtClean="0"/>
+              <a:rPr lang="en-US"/>
               <a:t>Fifth level</a:t>
             </a:r>
-            <a:endParaRPr lang="en-US"/>
           </a:p>
         </p:txBody>
       </p:sp>
@@ -996,7 +1006,7 @@
           <a:p>
             <a:fld id="{96267D05-F6C2-F64A-9C7F-A94B43164B5C}" type="datetime1">
               <a:rPr lang="en-US" smtClean="0"/>
-              <a:t>7/1/15</a:t>
+              <a:t>2/18/2020</a:t>
             </a:fld>
             <a:endParaRPr lang="en-US"/>
           </a:p>
@@ -1018,10 +1028,9 @@
           <a:lstStyle/>
           <a:p>
             <a:r>
-              <a:rPr lang="en-US" smtClean="0"/>
+              <a:rPr lang="en-US"/>
               <a:t>Developed by TEALS in 2015  www.tealsk12.org</a:t>
             </a:r>
-            <a:endParaRPr lang="en-US"/>
           </a:p>
         </p:txBody>
       </p:sp>
@@ -1099,10 +1108,9 @@
           <a:lstStyle/>
           <a:p>
             <a:r>
-              <a:rPr lang="en-US" smtClean="0"/>
+              <a:rPr lang="en-US"/>
               <a:t>Click to edit Master title style</a:t>
             </a:r>
-            <a:endParaRPr lang="en-US"/>
           </a:p>
         </p:txBody>
       </p:sp>
@@ -1128,38 +1136,37 @@
           <a:p>
             <a:pPr lvl="0"/>
             <a:r>
-              <a:rPr lang="en-US" smtClean="0"/>
+              <a:rPr lang="en-US"/>
               <a:t>Click to edit Master text styles</a:t>
             </a:r>
           </a:p>
           <a:p>
             <a:pPr lvl="1"/>
             <a:r>
-              <a:rPr lang="en-US" smtClean="0"/>
+              <a:rPr lang="en-US"/>
               <a:t>Second level</a:t>
             </a:r>
           </a:p>
           <a:p>
             <a:pPr lvl="2"/>
             <a:r>
-              <a:rPr lang="en-US" smtClean="0"/>
+              <a:rPr lang="en-US"/>
               <a:t>Third level</a:t>
             </a:r>
           </a:p>
           <a:p>
             <a:pPr lvl="3"/>
             <a:r>
-              <a:rPr lang="en-US" smtClean="0"/>
+              <a:rPr lang="en-US"/>
               <a:t>Fourth level</a:t>
             </a:r>
           </a:p>
           <a:p>
             <a:pPr lvl="4"/>
             <a:r>
-              <a:rPr lang="en-US" smtClean="0"/>
+              <a:rPr lang="en-US"/>
               <a:t>Fifth level</a:t>
             </a:r>
-            <a:endParaRPr lang="en-US"/>
           </a:p>
         </p:txBody>
       </p:sp>
@@ -1180,7 +1187,7 @@
           <a:p>
             <a:fld id="{087C1978-9D0A-A345-9E84-F995A3601C8E}" type="datetime1">
               <a:rPr lang="en-US" smtClean="0"/>
-              <a:t>7/1/15</a:t>
+              <a:t>2/18/2020</a:t>
             </a:fld>
             <a:endParaRPr lang="en-US"/>
           </a:p>
@@ -1202,10 +1209,9 @@
           <a:lstStyle/>
           <a:p>
             <a:r>
-              <a:rPr lang="en-US" smtClean="0"/>
+              <a:rPr lang="en-US"/>
               <a:t>Developed by TEALS in 2015  www.tealsk12.org</a:t>
             </a:r>
-            <a:endParaRPr lang="en-US"/>
           </a:p>
         </p:txBody>
       </p:sp>
@@ -1278,10 +1284,9 @@
           <a:lstStyle/>
           <a:p>
             <a:r>
-              <a:rPr lang="en-US" smtClean="0"/>
+              <a:rPr lang="en-US"/>
               <a:t>Click to edit Master title style</a:t>
             </a:r>
-            <a:endParaRPr lang="en-US"/>
           </a:p>
         </p:txBody>
       </p:sp>
@@ -1302,38 +1307,37 @@
           <a:p>
             <a:pPr lvl="0"/>
             <a:r>
-              <a:rPr lang="en-US" smtClean="0"/>
+              <a:rPr lang="en-US"/>
               <a:t>Click to edit Master text styles</a:t>
             </a:r>
           </a:p>
           <a:p>
             <a:pPr lvl="1"/>
             <a:r>
-              <a:rPr lang="en-US" smtClean="0"/>
+              <a:rPr lang="en-US"/>
               <a:t>Second level</a:t>
             </a:r>
           </a:p>
           <a:p>
             <a:pPr lvl="2"/>
             <a:r>
-              <a:rPr lang="en-US" smtClean="0"/>
+              <a:rPr lang="en-US"/>
               <a:t>Third level</a:t>
             </a:r>
           </a:p>
           <a:p>
             <a:pPr lvl="3"/>
             <a:r>
-              <a:rPr lang="en-US" smtClean="0"/>
+              <a:rPr lang="en-US"/>
               <a:t>Fourth level</a:t>
             </a:r>
           </a:p>
           <a:p>
             <a:pPr lvl="4"/>
             <a:r>
-              <a:rPr lang="en-US" smtClean="0"/>
+              <a:rPr lang="en-US"/>
               <a:t>Fifth level</a:t>
             </a:r>
-            <a:endParaRPr lang="en-US"/>
           </a:p>
         </p:txBody>
       </p:sp>
@@ -1354,7 +1358,7 @@
           <a:p>
             <a:fld id="{620CD570-9DDA-524E-9F58-9DBC8D3A8C31}" type="datetime1">
               <a:rPr lang="en-US" smtClean="0"/>
-              <a:t>7/1/15</a:t>
+              <a:t>2/18/2020</a:t>
             </a:fld>
             <a:endParaRPr lang="en-US"/>
           </a:p>
@@ -1376,10 +1380,9 @@
           <a:lstStyle/>
           <a:p>
             <a:r>
-              <a:rPr lang="en-US" smtClean="0"/>
+              <a:rPr lang="en-US"/>
               <a:t>Developed by TEALS in 2015  www.tealsk12.org</a:t>
             </a:r>
-            <a:endParaRPr lang="en-US"/>
           </a:p>
         </p:txBody>
       </p:sp>
@@ -1461,10 +1464,9 @@
           </a:lstStyle>
           <a:p>
             <a:r>
-              <a:rPr lang="en-US" smtClean="0"/>
+              <a:rPr lang="en-US"/>
               <a:t>Click to edit Master title style</a:t>
             </a:r>
-            <a:endParaRPr lang="en-US"/>
           </a:p>
         </p:txBody>
       </p:sp>
@@ -1581,7 +1583,7 @@
           <a:p>
             <a:pPr lvl="0"/>
             <a:r>
-              <a:rPr lang="en-US" smtClean="0"/>
+              <a:rPr lang="en-US"/>
               <a:t>Click to edit Master text styles</a:t>
             </a:r>
           </a:p>
@@ -1604,7 +1606,7 @@
           <a:p>
             <a:fld id="{FEBAD56B-400E-5542-B4A1-CD46AB8B4D0E}" type="datetime1">
               <a:rPr lang="en-US" smtClean="0"/>
-              <a:t>7/1/15</a:t>
+              <a:t>2/18/2020</a:t>
             </a:fld>
             <a:endParaRPr lang="en-US"/>
           </a:p>
@@ -1626,10 +1628,9 @@
           <a:lstStyle/>
           <a:p>
             <a:r>
-              <a:rPr lang="en-US" smtClean="0"/>
+              <a:rPr lang="en-US"/>
               <a:t>Developed by TEALS in 2015  www.tealsk12.org</a:t>
             </a:r>
-            <a:endParaRPr lang="en-US"/>
           </a:p>
         </p:txBody>
       </p:sp>
@@ -1702,10 +1703,9 @@
           <a:lstStyle/>
           <a:p>
             <a:r>
-              <a:rPr lang="en-US" smtClean="0"/>
+              <a:rPr lang="en-US"/>
               <a:t>Click to edit Master title style</a:t>
             </a:r>
-            <a:endParaRPr lang="en-US"/>
           </a:p>
         </p:txBody>
       </p:sp>
@@ -1759,38 +1759,37 @@
           <a:p>
             <a:pPr lvl="0"/>
             <a:r>
-              <a:rPr lang="en-US" smtClean="0"/>
+              <a:rPr lang="en-US"/>
               <a:t>Click to edit Master text styles</a:t>
             </a:r>
           </a:p>
           <a:p>
             <a:pPr lvl="1"/>
             <a:r>
-              <a:rPr lang="en-US" smtClean="0"/>
+              <a:rPr lang="en-US"/>
               <a:t>Second level</a:t>
             </a:r>
           </a:p>
           <a:p>
             <a:pPr lvl="2"/>
             <a:r>
-              <a:rPr lang="en-US" smtClean="0"/>
+              <a:rPr lang="en-US"/>
               <a:t>Third level</a:t>
             </a:r>
           </a:p>
           <a:p>
             <a:pPr lvl="3"/>
             <a:r>
-              <a:rPr lang="en-US" smtClean="0"/>
+              <a:rPr lang="en-US"/>
               <a:t>Fourth level</a:t>
             </a:r>
           </a:p>
           <a:p>
             <a:pPr lvl="4"/>
             <a:r>
-              <a:rPr lang="en-US" smtClean="0"/>
+              <a:rPr lang="en-US"/>
               <a:t>Fifth level</a:t>
             </a:r>
-            <a:endParaRPr lang="en-US"/>
           </a:p>
         </p:txBody>
       </p:sp>
@@ -1844,38 +1843,37 @@
           <a:p>
             <a:pPr lvl="0"/>
             <a:r>
-              <a:rPr lang="en-US" smtClean="0"/>
+              <a:rPr lang="en-US"/>
               <a:t>Click to edit Master text styles</a:t>
             </a:r>
           </a:p>
           <a:p>
             <a:pPr lvl="1"/>
             <a:r>
-              <a:rPr lang="en-US" smtClean="0"/>
+              <a:rPr lang="en-US"/>
               <a:t>Second level</a:t>
             </a:r>
           </a:p>
           <a:p>
             <a:pPr lvl="2"/>
             <a:r>
-              <a:rPr lang="en-US" smtClean="0"/>
+              <a:rPr lang="en-US"/>
               <a:t>Third level</a:t>
             </a:r>
           </a:p>
           <a:p>
             <a:pPr lvl="3"/>
             <a:r>
-              <a:rPr lang="en-US" smtClean="0"/>
+              <a:rPr lang="en-US"/>
               <a:t>Fourth level</a:t>
             </a:r>
           </a:p>
           <a:p>
             <a:pPr lvl="4"/>
             <a:r>
-              <a:rPr lang="en-US" smtClean="0"/>
+              <a:rPr lang="en-US"/>
               <a:t>Fifth level</a:t>
             </a:r>
-            <a:endParaRPr lang="en-US"/>
           </a:p>
         </p:txBody>
       </p:sp>
@@ -1896,7 +1894,7 @@
           <a:p>
             <a:fld id="{43394E63-B418-1F4A-9C08-2548B9C5B3C1}" type="datetime1">
               <a:rPr lang="en-US" smtClean="0"/>
-              <a:t>7/1/15</a:t>
+              <a:t>2/18/2020</a:t>
             </a:fld>
             <a:endParaRPr lang="en-US"/>
           </a:p>
@@ -1918,10 +1916,9 @@
           <a:lstStyle/>
           <a:p>
             <a:r>
-              <a:rPr lang="en-US" smtClean="0"/>
+              <a:rPr lang="en-US"/>
               <a:t>Developed by TEALS in 2015  www.tealsk12.org</a:t>
             </a:r>
-            <a:endParaRPr lang="en-US"/>
           </a:p>
         </p:txBody>
       </p:sp>
@@ -1998,10 +1995,9 @@
           </a:lstStyle>
           <a:p>
             <a:r>
-              <a:rPr lang="en-US" smtClean="0"/>
+              <a:rPr lang="en-US"/>
               <a:t>Click to edit Master title style</a:t>
             </a:r>
-            <a:endParaRPr lang="en-US"/>
           </a:p>
         </p:txBody>
       </p:sp>
@@ -2064,7 +2060,7 @@
           <a:p>
             <a:pPr lvl="0"/>
             <a:r>
-              <a:rPr lang="en-US" smtClean="0"/>
+              <a:rPr lang="en-US"/>
               <a:t>Click to edit Master text styles</a:t>
             </a:r>
           </a:p>
@@ -2120,38 +2116,37 @@
           <a:p>
             <a:pPr lvl="0"/>
             <a:r>
-              <a:rPr lang="en-US" smtClean="0"/>
+              <a:rPr lang="en-US"/>
               <a:t>Click to edit Master text styles</a:t>
             </a:r>
           </a:p>
           <a:p>
             <a:pPr lvl="1"/>
             <a:r>
-              <a:rPr lang="en-US" smtClean="0"/>
+              <a:rPr lang="en-US"/>
               <a:t>Second level</a:t>
             </a:r>
           </a:p>
           <a:p>
             <a:pPr lvl="2"/>
             <a:r>
-              <a:rPr lang="en-US" smtClean="0"/>
+              <a:rPr lang="en-US"/>
               <a:t>Third level</a:t>
             </a:r>
           </a:p>
           <a:p>
             <a:pPr lvl="3"/>
             <a:r>
-              <a:rPr lang="en-US" smtClean="0"/>
+              <a:rPr lang="en-US"/>
               <a:t>Fourth level</a:t>
             </a:r>
           </a:p>
           <a:p>
             <a:pPr lvl="4"/>
             <a:r>
-              <a:rPr lang="en-US" smtClean="0"/>
+              <a:rPr lang="en-US"/>
               <a:t>Fifth level</a:t>
             </a:r>
-            <a:endParaRPr lang="en-US"/>
           </a:p>
         </p:txBody>
       </p:sp>
@@ -2214,7 +2209,7 @@
           <a:p>
             <a:pPr lvl="0"/>
             <a:r>
-              <a:rPr lang="en-US" smtClean="0"/>
+              <a:rPr lang="en-US"/>
               <a:t>Click to edit Master text styles</a:t>
             </a:r>
           </a:p>
@@ -2270,38 +2265,37 @@
           <a:p>
             <a:pPr lvl="0"/>
             <a:r>
-              <a:rPr lang="en-US" smtClean="0"/>
+              <a:rPr lang="en-US"/>
               <a:t>Click to edit Master text styles</a:t>
             </a:r>
           </a:p>
           <a:p>
             <a:pPr lvl="1"/>
             <a:r>
-              <a:rPr lang="en-US" smtClean="0"/>
+              <a:rPr lang="en-US"/>
               <a:t>Second level</a:t>
             </a:r>
           </a:p>
           <a:p>
             <a:pPr lvl="2"/>
             <a:r>
-              <a:rPr lang="en-US" smtClean="0"/>
+              <a:rPr lang="en-US"/>
               <a:t>Third level</a:t>
             </a:r>
           </a:p>
           <a:p>
             <a:pPr lvl="3"/>
             <a:r>
-              <a:rPr lang="en-US" smtClean="0"/>
+              <a:rPr lang="en-US"/>
               <a:t>Fourth level</a:t>
             </a:r>
           </a:p>
           <a:p>
             <a:pPr lvl="4"/>
             <a:r>
-              <a:rPr lang="en-US" smtClean="0"/>
+              <a:rPr lang="en-US"/>
               <a:t>Fifth level</a:t>
             </a:r>
-            <a:endParaRPr lang="en-US"/>
           </a:p>
         </p:txBody>
       </p:sp>
@@ -2322,7 +2316,7 @@
           <a:p>
             <a:fld id="{6F92EF41-DD41-C742-BC3B-970F41658B68}" type="datetime1">
               <a:rPr lang="en-US" smtClean="0"/>
-              <a:t>7/1/15</a:t>
+              <a:t>2/18/2020</a:t>
             </a:fld>
             <a:endParaRPr lang="en-US"/>
           </a:p>
@@ -2344,10 +2338,9 @@
           <a:lstStyle/>
           <a:p>
             <a:r>
-              <a:rPr lang="en-US" smtClean="0"/>
+              <a:rPr lang="en-US"/>
               <a:t>Developed by TEALS in 2015  www.tealsk12.org</a:t>
             </a:r>
-            <a:endParaRPr lang="en-US"/>
           </a:p>
         </p:txBody>
       </p:sp>
@@ -2420,10 +2413,9 @@
           <a:lstStyle/>
           <a:p>
             <a:r>
-              <a:rPr lang="en-US" smtClean="0"/>
+              <a:rPr lang="en-US"/>
               <a:t>Click to edit Master title style</a:t>
             </a:r>
-            <a:endParaRPr lang="en-US"/>
           </a:p>
         </p:txBody>
       </p:sp>
@@ -2444,7 +2436,7 @@
           <a:p>
             <a:fld id="{631009B9-6DC3-0349-8BB5-CE1E5B2C68D1}" type="datetime1">
               <a:rPr lang="en-US" smtClean="0"/>
-              <a:t>7/1/15</a:t>
+              <a:t>2/18/2020</a:t>
             </a:fld>
             <a:endParaRPr lang="en-US"/>
           </a:p>
@@ -2466,10 +2458,9 @@
           <a:lstStyle/>
           <a:p>
             <a:r>
-              <a:rPr lang="en-US" smtClean="0"/>
+              <a:rPr lang="en-US"/>
               <a:t>Developed by TEALS in 2015  www.tealsk12.org</a:t>
             </a:r>
-            <a:endParaRPr lang="en-US"/>
           </a:p>
         </p:txBody>
       </p:sp>
@@ -2543,7 +2534,7 @@
           <a:p>
             <a:fld id="{DBD68779-2025-B44F-AD23-DF62F9874F1B}" type="datetime1">
               <a:rPr lang="en-US" smtClean="0"/>
-              <a:t>7/1/15</a:t>
+              <a:t>2/18/2020</a:t>
             </a:fld>
             <a:endParaRPr lang="en-US"/>
           </a:p>
@@ -2565,10 +2556,9 @@
           <a:lstStyle/>
           <a:p>
             <a:r>
-              <a:rPr lang="en-US" smtClean="0"/>
+              <a:rPr lang="en-US"/>
               <a:t>Developed by TEALS in 2015  www.tealsk12.org</a:t>
             </a:r>
-            <a:endParaRPr lang="en-US"/>
           </a:p>
         </p:txBody>
       </p:sp>
@@ -2650,10 +2640,9 @@
           </a:lstStyle>
           <a:p>
             <a:r>
-              <a:rPr lang="en-US" smtClean="0"/>
+              <a:rPr lang="en-US"/>
               <a:t>Click to edit Master title style</a:t>
             </a:r>
-            <a:endParaRPr lang="en-US"/>
           </a:p>
         </p:txBody>
       </p:sp>
@@ -2707,38 +2696,37 @@
           <a:p>
             <a:pPr lvl="0"/>
             <a:r>
-              <a:rPr lang="en-US" smtClean="0"/>
+              <a:rPr lang="en-US"/>
               <a:t>Click to edit Master text styles</a:t>
             </a:r>
           </a:p>
           <a:p>
             <a:pPr lvl="1"/>
             <a:r>
-              <a:rPr lang="en-US" smtClean="0"/>
+              <a:rPr lang="en-US"/>
               <a:t>Second level</a:t>
             </a:r>
           </a:p>
           <a:p>
             <a:pPr lvl="2"/>
             <a:r>
-              <a:rPr lang="en-US" smtClean="0"/>
+              <a:rPr lang="en-US"/>
               <a:t>Third level</a:t>
             </a:r>
           </a:p>
           <a:p>
             <a:pPr lvl="3"/>
             <a:r>
-              <a:rPr lang="en-US" smtClean="0"/>
+              <a:rPr lang="en-US"/>
               <a:t>Fourth level</a:t>
             </a:r>
           </a:p>
           <a:p>
             <a:pPr lvl="4"/>
             <a:r>
-              <a:rPr lang="en-US" smtClean="0"/>
+              <a:rPr lang="en-US"/>
               <a:t>Fifth level</a:t>
             </a:r>
-            <a:endParaRPr lang="en-US"/>
           </a:p>
         </p:txBody>
       </p:sp>
@@ -2801,7 +2789,7 @@
           <a:p>
             <a:pPr lvl="0"/>
             <a:r>
-              <a:rPr lang="en-US" smtClean="0"/>
+              <a:rPr lang="en-US"/>
               <a:t>Click to edit Master text styles</a:t>
             </a:r>
           </a:p>
@@ -2824,7 +2812,7 @@
           <a:p>
             <a:fld id="{1C533E1B-B859-DB4E-86F0-BE8C9C0ABFF7}" type="datetime1">
               <a:rPr lang="en-US" smtClean="0"/>
-              <a:t>7/1/15</a:t>
+              <a:t>2/18/2020</a:t>
             </a:fld>
             <a:endParaRPr lang="en-US"/>
           </a:p>
@@ -2846,10 +2834,9 @@
           <a:lstStyle/>
           <a:p>
             <a:r>
-              <a:rPr lang="en-US" smtClean="0"/>
+              <a:rPr lang="en-US"/>
               <a:t>Developed by TEALS in 2015  www.tealsk12.org</a:t>
             </a:r>
-            <a:endParaRPr lang="en-US"/>
           </a:p>
         </p:txBody>
       </p:sp>
@@ -2931,10 +2918,9 @@
           </a:lstStyle>
           <a:p>
             <a:r>
-              <a:rPr lang="en-US" smtClean="0"/>
+              <a:rPr lang="en-US"/>
               <a:t>Click to edit Master title style</a:t>
             </a:r>
-            <a:endParaRPr lang="en-US"/>
           </a:p>
         </p:txBody>
       </p:sp>
@@ -3058,7 +3044,7 @@
           <a:p>
             <a:pPr lvl="0"/>
             <a:r>
-              <a:rPr lang="en-US" smtClean="0"/>
+              <a:rPr lang="en-US"/>
               <a:t>Click to edit Master text styles</a:t>
             </a:r>
           </a:p>
@@ -3081,7 +3067,7 @@
           <a:p>
             <a:fld id="{AC1EAEA1-8470-6B4A-8D60-97578450ABB9}" type="datetime1">
               <a:rPr lang="en-US" smtClean="0"/>
-              <a:t>7/1/15</a:t>
+              <a:t>2/18/2020</a:t>
             </a:fld>
             <a:endParaRPr lang="en-US"/>
           </a:p>
@@ -3103,10 +3089,9 @@
           <a:lstStyle/>
           <a:p>
             <a:r>
-              <a:rPr lang="en-US" smtClean="0"/>
+              <a:rPr lang="en-US"/>
               <a:t>Developed by TEALS in 2015  www.tealsk12.org</a:t>
             </a:r>
-            <a:endParaRPr lang="en-US"/>
           </a:p>
         </p:txBody>
       </p:sp>
@@ -3194,10 +3179,9 @@
           <a:lstStyle/>
           <a:p>
             <a:r>
-              <a:rPr lang="en-US" smtClean="0"/>
+              <a:rPr lang="en-US"/>
               <a:t>Click to edit Master title style</a:t>
             </a:r>
-            <a:endParaRPr lang="en-US"/>
           </a:p>
         </p:txBody>
       </p:sp>
@@ -3228,38 +3212,37 @@
           <a:p>
             <a:pPr lvl="0"/>
             <a:r>
-              <a:rPr lang="en-US" smtClean="0"/>
+              <a:rPr lang="en-US"/>
               <a:t>Click to edit Master text styles</a:t>
             </a:r>
           </a:p>
           <a:p>
             <a:pPr lvl="1"/>
             <a:r>
-              <a:rPr lang="en-US" smtClean="0"/>
+              <a:rPr lang="en-US"/>
               <a:t>Second level</a:t>
             </a:r>
           </a:p>
           <a:p>
             <a:pPr lvl="2"/>
             <a:r>
-              <a:rPr lang="en-US" smtClean="0"/>
+              <a:rPr lang="en-US"/>
               <a:t>Third level</a:t>
             </a:r>
           </a:p>
           <a:p>
             <a:pPr lvl="3"/>
             <a:r>
-              <a:rPr lang="en-US" smtClean="0"/>
+              <a:rPr lang="en-US"/>
               <a:t>Fourth level</a:t>
             </a:r>
           </a:p>
           <a:p>
             <a:pPr lvl="4"/>
             <a:r>
-              <a:rPr lang="en-US" smtClean="0"/>
+              <a:rPr lang="en-US"/>
               <a:t>Fifth level</a:t>
             </a:r>
-            <a:endParaRPr lang="en-US"/>
           </a:p>
         </p:txBody>
       </p:sp>
@@ -3298,7 +3281,7 @@
           <a:p>
             <a:fld id="{EB2A284D-251E-7046-B0B7-6A85726BD855}" type="datetime1">
               <a:rPr lang="en-US" smtClean="0"/>
-              <a:t>7/1/15</a:t>
+              <a:t>2/18/2020</a:t>
             </a:fld>
             <a:endParaRPr lang="en-US"/>
           </a:p>
@@ -3338,10 +3321,9 @@
           </a:lstStyle>
           <a:p>
             <a:r>
-              <a:rPr lang="en-US" smtClean="0"/>
+              <a:rPr lang="en-US"/>
               <a:t>Developed by TEALS in 2015  www.tealsk12.org</a:t>
             </a:r>
-            <a:endParaRPr lang="en-US"/>
           </a:p>
         </p:txBody>
       </p:sp>
@@ -3696,22 +3678,17 @@
           <a:lstStyle/>
           <a:p>
             <a:r>
-              <a:rPr lang="en-US" b="1" dirty="0" smtClean="0"/>
+              <a:rPr lang="en-US" b="1" dirty="0"/>
               <a:t>Lesson 2.0 </a:t>
             </a:r>
             <a:r>
-              <a:rPr lang="en-US" dirty="0" smtClean="0">
+              <a:rPr lang="en-US" dirty="0">
                 <a:solidFill>
                   <a:srgbClr val="17B1AA"/>
                 </a:solidFill>
               </a:rPr>
               <a:t>Test Review and Reteach</a:t>
             </a:r>
-            <a:endParaRPr lang="en-US" dirty="0">
-              <a:solidFill>
-                <a:srgbClr val="17B1AA"/>
-              </a:solidFill>
-            </a:endParaRPr>
           </a:p>
         </p:txBody>
       </p:sp>
@@ -3740,34 +3717,29 @@
               </a:rPr>
               <a:t>Objectives </a:t>
             </a:r>
-            <a:endParaRPr lang="en-US" dirty="0" smtClean="0">
+          </a:p>
+          <a:p>
+            <a:pPr lvl="1"/>
+            <a:r>
+              <a:rPr lang="en-US" b="1" dirty="0"/>
+              <a:t>Re-learn or strengthen</a:t>
+            </a:r>
+            <a:r>
+              <a:rPr lang="en-US" dirty="0"/>
+              <a:t> content knowledge and skills from Unit 1.</a:t>
+            </a:r>
+            <a:endParaRPr lang="en-US" b="1" dirty="0"/>
+          </a:p>
+          <a:p>
+            <a:endParaRPr lang="en-US" dirty="0">
               <a:solidFill>
                 <a:srgbClr val="17B1AA"/>
               </a:solidFill>
             </a:endParaRPr>
           </a:p>
           <a:p>
-            <a:pPr lvl="1"/>
-            <a:r>
-              <a:rPr lang="en-US" b="1" dirty="0" smtClean="0"/>
-              <a:t>Re-learn or strengthen</a:t>
-            </a:r>
-            <a:r>
-              <a:rPr lang="en-US" dirty="0" smtClean="0"/>
-              <a:t> content knowledge and skills from Unit 1.</a:t>
-            </a:r>
-            <a:endParaRPr lang="en-US" b="1" dirty="0"/>
-          </a:p>
-          <a:p>
-            <a:endParaRPr lang="en-US" dirty="0" smtClean="0">
-              <a:solidFill>
-                <a:srgbClr val="17B1AA"/>
-              </a:solidFill>
-            </a:endParaRPr>
-          </a:p>
-          <a:p>
-            <a:r>
-              <a:rPr lang="en-US" dirty="0" smtClean="0">
+            <a:r>
+              <a:rPr lang="en-US" dirty="0">
                 <a:solidFill>
                   <a:srgbClr val="17B1AA"/>
                 </a:solidFill>
@@ -3778,11 +3750,11 @@
           <a:p>
             <a:pPr lvl="1"/>
             <a:r>
-              <a:rPr lang="en-US" b="1" dirty="0" smtClean="0"/>
+              <a:rPr lang="en-US" b="1" dirty="0"/>
               <a:t>Re-submit</a:t>
             </a:r>
             <a:r>
-              <a:rPr lang="en-US" dirty="0" smtClean="0"/>
+              <a:rPr lang="en-US" dirty="0"/>
               <a:t> test answers with updated corrections</a:t>
             </a:r>
             <a:endParaRPr lang="en-US" b="1" dirty="0"/>
@@ -3802,35 +3774,30 @@
               </a:rPr>
               <a:t>Homework </a:t>
             </a:r>
-            <a:endParaRPr lang="en-US" dirty="0" smtClean="0">
-              <a:solidFill>
-                <a:srgbClr val="17B1AA"/>
-              </a:solidFill>
-            </a:endParaRPr>
           </a:p>
           <a:p>
             <a:pPr lvl="1"/>
             <a:r>
-              <a:rPr lang="en-US" b="1" dirty="0" smtClean="0"/>
+              <a:rPr lang="en-US" b="1" dirty="0"/>
               <a:t>Read</a:t>
             </a:r>
             <a:r>
-              <a:rPr lang="en-US" dirty="0" smtClean="0"/>
+              <a:rPr lang="en-US" dirty="0"/>
               <a:t> HW 2.1 except for “Mixing Types and Casting”</a:t>
             </a:r>
           </a:p>
           <a:p>
             <a:pPr lvl="1"/>
             <a:r>
-              <a:rPr lang="en-US" b="1" dirty="0" smtClean="0"/>
+              <a:rPr lang="en-US" b="1" dirty="0"/>
               <a:t>Correct</a:t>
             </a:r>
             <a:r>
-              <a:rPr lang="en-US" dirty="0" smtClean="0"/>
+              <a:rPr lang="en-US" dirty="0"/>
               <a:t> any incorrect test answers by re-answering on a separate sheet </a:t>
             </a:r>
             <a:r>
-              <a:rPr lang="en-US" smtClean="0"/>
+              <a:rPr lang="en-US"/>
               <a:t>of paper</a:t>
             </a:r>
             <a:endParaRPr lang="en-US" b="1" dirty="0"/>
@@ -3856,10 +3823,9 @@
           <a:lstStyle/>
           <a:p>
             <a:r>
-              <a:rPr lang="en-US" smtClean="0"/>
+              <a:rPr lang="en-US"/>
               <a:t>Developed by TEALS in 2015  www.tealsk12.org</a:t>
             </a:r>
-            <a:endParaRPr lang="en-US"/>
           </a:p>
         </p:txBody>
       </p:sp>
@@ -3911,22 +3877,17 @@
           <a:lstStyle/>
           <a:p>
             <a:r>
-              <a:rPr lang="en-US" b="1" dirty="0" smtClean="0"/>
+              <a:rPr lang="en-US" b="1" dirty="0"/>
               <a:t>Lesson 2.9 </a:t>
             </a:r>
             <a:r>
-              <a:rPr lang="en-US" dirty="0" smtClean="0">
+              <a:rPr lang="en-US" dirty="0">
                 <a:solidFill>
                   <a:srgbClr val="17B1AA"/>
                 </a:solidFill>
               </a:rPr>
               <a:t>Programming Project</a:t>
             </a:r>
-            <a:endParaRPr lang="en-US" dirty="0">
-              <a:solidFill>
-                <a:srgbClr val="17B1AA"/>
-              </a:solidFill>
-            </a:endParaRPr>
           </a:p>
         </p:txBody>
       </p:sp>
@@ -3955,23 +3916,17 @@
               </a:rPr>
               <a:t>Objectives </a:t>
             </a:r>
-            <a:endParaRPr lang="en-US" dirty="0" smtClean="0">
-              <a:solidFill>
-                <a:srgbClr val="17B1AA"/>
-              </a:solidFill>
-            </a:endParaRPr>
           </a:p>
           <a:p>
             <a:pPr lvl="1"/>
             <a:r>
-              <a:rPr lang="en-US" b="1" dirty="0" smtClean="0"/>
+              <a:rPr lang="en-US" b="1" dirty="0"/>
               <a:t>Plan and construct</a:t>
             </a:r>
             <a:r>
-              <a:rPr lang="en-US" dirty="0" smtClean="0"/>
+              <a:rPr lang="en-US" dirty="0"/>
               <a:t> a structured program containing nested loops.</a:t>
             </a:r>
-            <a:endParaRPr lang="en-US" dirty="0"/>
           </a:p>
           <a:p>
             <a:pPr marL="0" indent="0">
@@ -3988,20 +3943,15 @@
               </a:rPr>
               <a:t>Assessments </a:t>
             </a:r>
-            <a:endParaRPr lang="en-US" dirty="0" smtClean="0">
-              <a:solidFill>
-                <a:srgbClr val="17B1AA"/>
-              </a:solidFill>
-            </a:endParaRPr>
           </a:p>
           <a:p>
             <a:pPr lvl="1"/>
             <a:r>
-              <a:rPr lang="en-US" b="1" dirty="0" smtClean="0"/>
+              <a:rPr lang="en-US" b="1" dirty="0"/>
               <a:t>Submit</a:t>
             </a:r>
             <a:r>
-              <a:rPr lang="en-US" dirty="0" smtClean="0"/>
+              <a:rPr lang="en-US" dirty="0"/>
               <a:t> a complete, functional program by the end of class.</a:t>
             </a:r>
           </a:p>
@@ -4009,11 +3959,11 @@
             <a:pPr marL="0" indent="0">
               <a:buNone/>
             </a:pPr>
-            <a:endParaRPr lang="en-US" dirty="0" smtClean="0"/>
-          </a:p>
-          <a:p>
-            <a:r>
-              <a:rPr lang="en-US" dirty="0" smtClean="0">
+            <a:endParaRPr lang="en-US" dirty="0"/>
+          </a:p>
+          <a:p>
+            <a:r>
+              <a:rPr lang="en-US" dirty="0">
                 <a:solidFill>
                   <a:srgbClr val="17B1AA"/>
                 </a:solidFill>
@@ -4024,18 +3974,17 @@
           <a:p>
             <a:pPr lvl="1"/>
             <a:r>
-              <a:rPr lang="en-US" b="1" dirty="0" smtClean="0"/>
+              <a:rPr lang="en-US" b="1" dirty="0"/>
               <a:t>Complete</a:t>
             </a:r>
             <a:r>
-              <a:rPr lang="en-US" dirty="0" smtClean="0"/>
+              <a:rPr lang="en-US" dirty="0"/>
               <a:t> practice questions with class constants.</a:t>
             </a:r>
+          </a:p>
+          <a:p>
             <a:endParaRPr lang="en-US" dirty="0"/>
           </a:p>
-          <a:p>
-            <a:endParaRPr lang="en-US" dirty="0"/>
-          </a:p>
         </p:txBody>
       </p:sp>
       <p:sp>
@@ -4054,10 +4003,9 @@
           <a:lstStyle/>
           <a:p>
             <a:r>
-              <a:rPr lang="en-US" smtClean="0"/>
+              <a:rPr lang="en-US"/>
               <a:t>Developed by TEALS in 2015  www.tealsk12.org</a:t>
             </a:r>
-            <a:endParaRPr lang="en-US"/>
           </a:p>
         </p:txBody>
       </p:sp>
@@ -4109,22 +4057,17 @@
           <a:lstStyle/>
           <a:p>
             <a:r>
-              <a:rPr lang="en-US" b="1" dirty="0" smtClean="0"/>
+              <a:rPr lang="en-US" b="1" dirty="0"/>
               <a:t>Lesson 2.10 </a:t>
             </a:r>
             <a:r>
-              <a:rPr lang="en-US" dirty="0" smtClean="0">
+              <a:rPr lang="en-US" dirty="0">
                 <a:solidFill>
                   <a:srgbClr val="17B1AA"/>
                 </a:solidFill>
               </a:rPr>
               <a:t>Finding and Fixing Errors</a:t>
             </a:r>
-            <a:endParaRPr lang="en-US" dirty="0">
-              <a:solidFill>
-                <a:srgbClr val="17B1AA"/>
-              </a:solidFill>
-            </a:endParaRPr>
           </a:p>
         </p:txBody>
       </p:sp>
@@ -4153,31 +4096,26 @@
               </a:rPr>
               <a:t>Objectives </a:t>
             </a:r>
-            <a:endParaRPr lang="en-US" dirty="0" smtClean="0">
-              <a:solidFill>
-                <a:srgbClr val="17B1AA"/>
-              </a:solidFill>
-            </a:endParaRPr>
           </a:p>
           <a:p>
             <a:pPr lvl="1"/>
             <a:r>
-              <a:rPr lang="en-US" b="1" dirty="0" smtClean="0"/>
+              <a:rPr lang="en-US" b="1" dirty="0"/>
               <a:t>Find</a:t>
             </a:r>
             <a:r>
-              <a:rPr lang="en-US" dirty="0" smtClean="0"/>
+              <a:rPr lang="en-US" dirty="0"/>
               <a:t> errors in returned homework assignments.</a:t>
             </a:r>
           </a:p>
           <a:p>
             <a:pPr lvl="1"/>
             <a:r>
-              <a:rPr lang="en-US" b="1" dirty="0" smtClean="0"/>
+              <a:rPr lang="en-US" b="1" dirty="0"/>
               <a:t>Correct</a:t>
             </a:r>
             <a:r>
-              <a:rPr lang="en-US" dirty="0" smtClean="0"/>
+              <a:rPr lang="en-US" dirty="0"/>
               <a:t> code</a:t>
             </a:r>
             <a:endParaRPr lang="en-US" b="1" dirty="0"/>
@@ -4197,11 +4135,6 @@
               </a:rPr>
               <a:t>Assessments </a:t>
             </a:r>
-            <a:endParaRPr lang="en-US" dirty="0" smtClean="0">
-              <a:solidFill>
-                <a:srgbClr val="17B1AA"/>
-              </a:solidFill>
-            </a:endParaRPr>
           </a:p>
           <a:p>
             <a:pPr lvl="1"/>
@@ -4211,13 +4144,8 @@
             </a:r>
             <a:r>
               <a:rPr lang="en-US" dirty="0"/>
-              <a:t> all homework assignments with corrected </a:t>
-            </a:r>
-            <a:r>
-              <a:rPr lang="en-US" dirty="0" smtClean="0"/>
-              <a:t>answers.</a:t>
-            </a:r>
-            <a:endParaRPr lang="en-US" dirty="0"/>
+              <a:t> all homework assignments with corrected answers.</a:t>
+            </a:r>
           </a:p>
           <a:p>
             <a:pPr marL="0" indent="0">
@@ -4234,11 +4162,6 @@
               </a:rPr>
               <a:t>Homework </a:t>
             </a:r>
-            <a:endParaRPr lang="en-US" dirty="0" smtClean="0">
-              <a:solidFill>
-                <a:srgbClr val="17B1AA"/>
-              </a:solidFill>
-            </a:endParaRPr>
           </a:p>
           <a:p>
             <a:pPr lvl="1"/>
@@ -4305,10 +4228,9 @@
           <a:lstStyle/>
           <a:p>
             <a:r>
-              <a:rPr lang="en-US" smtClean="0"/>
+              <a:rPr lang="en-US"/>
               <a:t>Developed by TEALS in 2015  www.tealsk12.org</a:t>
             </a:r>
-            <a:endParaRPr lang="en-US"/>
           </a:p>
         </p:txBody>
       </p:sp>
@@ -4358,22 +4280,17 @@
           <a:lstStyle/>
           <a:p>
             <a:r>
-              <a:rPr lang="en-US" b="1" dirty="0" smtClean="0"/>
+              <a:rPr lang="en-US" b="1" dirty="0"/>
               <a:t>Lesson 2.11 </a:t>
             </a:r>
             <a:r>
-              <a:rPr lang="en-US" dirty="0" smtClean="0">
+              <a:rPr lang="en-US" dirty="0">
                 <a:solidFill>
                   <a:srgbClr val="17B1AA"/>
                 </a:solidFill>
               </a:rPr>
               <a:t>Review</a:t>
             </a:r>
-            <a:endParaRPr lang="en-US" dirty="0">
-              <a:solidFill>
-                <a:srgbClr val="17B1AA"/>
-              </a:solidFill>
-            </a:endParaRPr>
           </a:p>
         </p:txBody>
       </p:sp>
@@ -4402,41 +4319,16 @@
               </a:rPr>
               <a:t>Objectives </a:t>
             </a:r>
-            <a:endParaRPr lang="en-US" dirty="0" smtClean="0">
-              <a:solidFill>
-                <a:srgbClr val="17B1AA"/>
-              </a:solidFill>
-            </a:endParaRPr>
           </a:p>
           <a:p>
             <a:pPr lvl="1"/>
             <a:r>
-              <a:rPr lang="en-US" b="1" dirty="0" smtClean="0"/>
+              <a:rPr lang="en-US" b="1" dirty="0"/>
               <a:t>Identify</a:t>
             </a:r>
             <a:r>
-              <a:rPr lang="en-US" dirty="0" smtClean="0"/>
-              <a:t> </a:t>
-            </a:r>
-            <a:r>
               <a:rPr lang="en-US" dirty="0"/>
-              <a:t>weaknesses in </a:t>
-            </a:r>
-            <a:r>
-              <a:rPr lang="en-US" dirty="0" smtClean="0"/>
-              <a:t>Unit </a:t>
-            </a:r>
-            <a:r>
-              <a:rPr lang="en-US" dirty="0"/>
-              <a:t>2</a:t>
-            </a:r>
-            <a:r>
-              <a:rPr lang="en-US" dirty="0" smtClean="0"/>
-              <a:t> </a:t>
-            </a:r>
-            <a:r>
-              <a:rPr lang="en-US" dirty="0"/>
-              <a:t>knowledge.</a:t>
+              <a:t> weaknesses in Unit 2 knowledge.</a:t>
             </a:r>
           </a:p>
           <a:p>
@@ -4454,25 +4346,16 @@
               </a:rPr>
               <a:t>Assessments </a:t>
             </a:r>
-            <a:endParaRPr lang="en-US" dirty="0" smtClean="0">
-              <a:solidFill>
-                <a:srgbClr val="17B1AA"/>
-              </a:solidFill>
-            </a:endParaRPr>
           </a:p>
           <a:p>
             <a:pPr lvl="1"/>
             <a:r>
-              <a:rPr lang="en-US" b="1" dirty="0" smtClean="0"/>
+              <a:rPr lang="en-US" b="1" dirty="0"/>
               <a:t>Create</a:t>
             </a:r>
             <a:r>
-              <a:rPr lang="en-US" dirty="0" smtClean="0"/>
-              <a:t> </a:t>
-            </a:r>
-            <a:r>
               <a:rPr lang="en-US" dirty="0"/>
-              <a:t>a personalized list of review topics to guide tonight’s study session.</a:t>
+              <a:t> a personalized list of review topics to guide tonight’s study session.</a:t>
             </a:r>
           </a:p>
           <a:p>
@@ -4490,25 +4373,16 @@
               </a:rPr>
               <a:t>Homework </a:t>
             </a:r>
-            <a:endParaRPr lang="en-US" dirty="0" smtClean="0">
-              <a:solidFill>
-                <a:srgbClr val="17B1AA"/>
-              </a:solidFill>
-            </a:endParaRPr>
           </a:p>
           <a:p>
             <a:pPr lvl="1"/>
             <a:r>
-              <a:rPr lang="en-US" b="1" dirty="0" smtClean="0"/>
+              <a:rPr lang="en-US" b="1" dirty="0"/>
               <a:t>Study</a:t>
             </a:r>
             <a:r>
-              <a:rPr lang="en-US" dirty="0" smtClean="0"/>
-              <a:t> </a:t>
-            </a:r>
-            <a:r>
               <a:rPr lang="en-US" dirty="0"/>
-              <a:t>for tomorrow’s test!</a:t>
+              <a:t> for tomorrow’s test!</a:t>
             </a:r>
           </a:p>
           <a:p>
@@ -4532,10 +4406,9 @@
           <a:lstStyle/>
           <a:p>
             <a:r>
-              <a:rPr lang="en-US" smtClean="0"/>
+              <a:rPr lang="en-US"/>
               <a:t>Developed by TEALS in 2015  www.tealsk12.org</a:t>
             </a:r>
-            <a:endParaRPr lang="en-US"/>
           </a:p>
         </p:txBody>
       </p:sp>
@@ -4587,22 +4460,17 @@
           <a:lstStyle/>
           <a:p>
             <a:r>
-              <a:rPr lang="en-US" b="1" dirty="0" smtClean="0"/>
+              <a:rPr lang="en-US" b="1" dirty="0"/>
               <a:t>Lesson 2.1 </a:t>
             </a:r>
             <a:r>
-              <a:rPr lang="en-US" dirty="0" smtClean="0">
+              <a:rPr lang="en-US" dirty="0">
                 <a:solidFill>
                   <a:srgbClr val="17B1AA"/>
                 </a:solidFill>
               </a:rPr>
               <a:t>Basic Data Concepts</a:t>
             </a:r>
-            <a:endParaRPr lang="en-US" dirty="0">
-              <a:solidFill>
-                <a:srgbClr val="17B1AA"/>
-              </a:solidFill>
-            </a:endParaRPr>
           </a:p>
         </p:txBody>
       </p:sp>
@@ -4631,56 +4499,51 @@
               </a:rPr>
               <a:t>Objectives </a:t>
             </a:r>
-            <a:endParaRPr lang="en-US" dirty="0" smtClean="0">
+          </a:p>
+          <a:p>
+            <a:pPr lvl="1"/>
+            <a:r>
+              <a:rPr lang="en-US" b="1" dirty="0"/>
+              <a:t>Identify and categorize</a:t>
+            </a:r>
+            <a:r>
+              <a:rPr lang="en-US" dirty="0"/>
+              <a:t> data types</a:t>
+            </a:r>
+          </a:p>
+          <a:p>
+            <a:pPr lvl="1"/>
+            <a:r>
+              <a:rPr lang="en-US" b="1" dirty="0"/>
+              <a:t>Identify</a:t>
+            </a:r>
+            <a:r>
+              <a:rPr lang="en-US" dirty="0"/>
+              <a:t> operators and operands</a:t>
+            </a:r>
+          </a:p>
+          <a:p>
+            <a:pPr lvl="1"/>
+            <a:r>
+              <a:rPr lang="en-US" b="1" dirty="0"/>
+              <a:t>Correctly apply</a:t>
+            </a:r>
+            <a:r>
+              <a:rPr lang="en-US" dirty="0"/>
+              <a:t> rules of precedence</a:t>
+            </a:r>
+            <a:endParaRPr lang="en-US" b="1" dirty="0"/>
+          </a:p>
+          <a:p>
+            <a:endParaRPr lang="en-US" dirty="0">
               <a:solidFill>
                 <a:srgbClr val="17B1AA"/>
               </a:solidFill>
             </a:endParaRPr>
           </a:p>
           <a:p>
-            <a:pPr lvl="1"/>
-            <a:r>
-              <a:rPr lang="en-US" b="1" dirty="0" smtClean="0"/>
-              <a:t>Identify and categorize</a:t>
-            </a:r>
-            <a:r>
-              <a:rPr lang="en-US" dirty="0" smtClean="0"/>
-              <a:t> data types</a:t>
-            </a:r>
-          </a:p>
-          <a:p>
-            <a:pPr lvl="1"/>
-            <a:r>
-              <a:rPr lang="en-US" b="1" dirty="0" smtClean="0"/>
-              <a:t>Identify</a:t>
-            </a:r>
-            <a:r>
-              <a:rPr lang="en-US" dirty="0" smtClean="0"/>
-              <a:t> operators and operands</a:t>
-            </a:r>
-          </a:p>
-          <a:p>
-            <a:pPr lvl="1"/>
-            <a:r>
-              <a:rPr lang="en-US" b="1" dirty="0" smtClean="0"/>
-              <a:t>Correctly apply</a:t>
-            </a:r>
-            <a:r>
-              <a:rPr lang="en-US" dirty="0" smtClean="0"/>
-              <a:t> rules of precedence</a:t>
-            </a:r>
-            <a:endParaRPr lang="en-US" b="1" dirty="0"/>
-          </a:p>
-          <a:p>
-            <a:endParaRPr lang="en-US" dirty="0" smtClean="0">
-              <a:solidFill>
-                <a:srgbClr val="17B1AA"/>
-              </a:solidFill>
-            </a:endParaRPr>
-          </a:p>
-          <a:p>
-            <a:r>
-              <a:rPr lang="en-US" dirty="0" smtClean="0">
+            <a:r>
+              <a:rPr lang="en-US" dirty="0">
                 <a:solidFill>
                   <a:srgbClr val="17B1AA"/>
                 </a:solidFill>
@@ -4691,22 +4554,22 @@
           <a:p>
             <a:pPr lvl="1"/>
             <a:r>
-              <a:rPr lang="en-US" b="1" dirty="0" smtClean="0"/>
+              <a:rPr lang="en-US" b="1" dirty="0"/>
               <a:t>Write</a:t>
             </a:r>
             <a:r>
-              <a:rPr lang="en-US" dirty="0" smtClean="0"/>
+              <a:rPr lang="en-US" dirty="0"/>
               <a:t> code that yields a given answer, using rules of precedence</a:t>
             </a:r>
           </a:p>
           <a:p>
             <a:pPr lvl="1"/>
             <a:r>
-              <a:rPr lang="en-US" b="1" dirty="0" smtClean="0"/>
+              <a:rPr lang="en-US" b="1" dirty="0"/>
               <a:t>Create</a:t>
             </a:r>
             <a:r>
-              <a:rPr lang="en-US" dirty="0" smtClean="0"/>
+              <a:rPr lang="en-US" dirty="0"/>
               <a:t> expressions and predict output using operator/operand expressions</a:t>
             </a:r>
             <a:endParaRPr lang="en-US" b="1" dirty="0"/>
@@ -4726,31 +4589,26 @@
               </a:rPr>
               <a:t>Homework </a:t>
             </a:r>
-            <a:endParaRPr lang="en-US" dirty="0" smtClean="0">
-              <a:solidFill>
-                <a:srgbClr val="17B1AA"/>
-              </a:solidFill>
-            </a:endParaRPr>
           </a:p>
           <a:p>
             <a:pPr lvl="1"/>
             <a:r>
-              <a:rPr lang="en-US" b="1" dirty="0" smtClean="0"/>
+              <a:rPr lang="en-US" b="1" dirty="0"/>
               <a:t>Complete</a:t>
             </a:r>
             <a:r>
-              <a:rPr lang="en-US" dirty="0" smtClean="0"/>
+              <a:rPr lang="en-US" dirty="0"/>
               <a:t> self-check questions 1-4</a:t>
             </a:r>
           </a:p>
           <a:p>
             <a:pPr lvl="1"/>
             <a:r>
-              <a:rPr lang="en-US" b="1" dirty="0" smtClean="0"/>
+              <a:rPr lang="en-US" b="1" dirty="0"/>
               <a:t>Read</a:t>
             </a:r>
             <a:r>
-              <a:rPr lang="en-US" dirty="0" smtClean="0"/>
+              <a:rPr lang="en-US" dirty="0"/>
               <a:t> HW 2.2 up to “String Concatenation”</a:t>
             </a:r>
             <a:endParaRPr lang="en-US" b="1" dirty="0"/>
@@ -4776,10 +4634,9 @@
           <a:lstStyle/>
           <a:p>
             <a:r>
-              <a:rPr lang="en-US" smtClean="0"/>
+              <a:rPr lang="en-US"/>
               <a:t>Developed by TEALS in 2015  www.tealsk12.org</a:t>
             </a:r>
-            <a:endParaRPr lang="en-US"/>
           </a:p>
         </p:txBody>
       </p:sp>
@@ -4831,22 +4688,17 @@
           <a:lstStyle/>
           <a:p>
             <a:r>
-              <a:rPr lang="en-US" b="1" dirty="0" smtClean="0"/>
+              <a:rPr lang="en-US" b="1" dirty="0"/>
               <a:t>Lesson 2.2 </a:t>
             </a:r>
             <a:r>
-              <a:rPr lang="en-US" dirty="0" smtClean="0">
+              <a:rPr lang="en-US" dirty="0">
                 <a:solidFill>
                   <a:srgbClr val="17B1AA"/>
                 </a:solidFill>
               </a:rPr>
               <a:t>Declaring and Assigning Variables</a:t>
             </a:r>
-            <a:endParaRPr lang="en-US" dirty="0">
-              <a:solidFill>
-                <a:srgbClr val="17B1AA"/>
-              </a:solidFill>
-            </a:endParaRPr>
           </a:p>
         </p:txBody>
       </p:sp>
@@ -4875,23 +4727,17 @@
               </a:rPr>
               <a:t>Objectives </a:t>
             </a:r>
-            <a:endParaRPr lang="en-US" dirty="0" smtClean="0">
-              <a:solidFill>
-                <a:srgbClr val="17B1AA"/>
-              </a:solidFill>
-            </a:endParaRPr>
           </a:p>
           <a:p>
             <a:pPr lvl="1"/>
             <a:r>
-              <a:rPr lang="en-US" b="1" dirty="0" smtClean="0"/>
+              <a:rPr lang="en-US" b="1" dirty="0"/>
               <a:t>Identify, declare, and assign</a:t>
             </a:r>
             <a:r>
-              <a:rPr lang="en-US" dirty="0" smtClean="0"/>
+              <a:rPr lang="en-US" dirty="0"/>
               <a:t> variables.</a:t>
             </a:r>
-            <a:endParaRPr lang="en-US" dirty="0"/>
           </a:p>
           <a:p>
             <a:pPr marL="0" indent="0">
@@ -4908,11 +4754,6 @@
               </a:rPr>
               <a:t>Assessments </a:t>
             </a:r>
-            <a:endParaRPr lang="en-US" dirty="0" smtClean="0">
-              <a:solidFill>
-                <a:srgbClr val="17B1AA"/>
-              </a:solidFill>
-            </a:endParaRPr>
           </a:p>
           <a:p>
             <a:pPr lvl="1"/>
@@ -4922,11 +4763,7 @@
             </a:r>
             <a:r>
               <a:rPr lang="en-US" dirty="0"/>
-              <a:t> </a:t>
-            </a:r>
-            <a:r>
-              <a:rPr lang="en-US" dirty="0" smtClean="0"/>
-              <a:t>a program that converts temperature from Fahrenheit to Celsius.</a:t>
+              <a:t> a program that converts temperature from Fahrenheit to Celsius.</a:t>
             </a:r>
           </a:p>
           <a:p>
@@ -4942,11 +4779,6 @@
               </a:rPr>
               <a:t>Homework </a:t>
             </a:r>
-            <a:endParaRPr lang="en-US" dirty="0" smtClean="0">
-              <a:solidFill>
-                <a:srgbClr val="17B1AA"/>
-              </a:solidFill>
-            </a:endParaRPr>
           </a:p>
           <a:p>
             <a:pPr lvl="1"/>
@@ -4956,21 +4788,17 @@
             </a:r>
             <a:r>
               <a:rPr lang="en-US" dirty="0"/>
-              <a:t> </a:t>
-            </a:r>
-            <a:r>
-              <a:rPr lang="en-US" dirty="0" smtClean="0"/>
-              <a:t>the rest of HW 2.2</a:t>
+              <a:t> the rest of HW 2.2</a:t>
             </a:r>
           </a:p>
           <a:p>
             <a:pPr lvl="1"/>
             <a:r>
-              <a:rPr lang="en-US" b="1" dirty="0" smtClean="0"/>
+              <a:rPr lang="en-US" b="1" dirty="0"/>
               <a:t>Complete</a:t>
             </a:r>
             <a:r>
-              <a:rPr lang="en-US" dirty="0" smtClean="0"/>
+              <a:rPr lang="en-US" dirty="0"/>
               <a:t> self-check questions 5, 6, 9, 12-15</a:t>
             </a:r>
             <a:endParaRPr lang="en-US" b="1" dirty="0"/>
@@ -4996,10 +4824,9 @@
           <a:lstStyle/>
           <a:p>
             <a:r>
-              <a:rPr lang="en-US" smtClean="0"/>
+              <a:rPr lang="en-US"/>
               <a:t>Developed by TEALS in 2015  www.tealsk12.org</a:t>
             </a:r>
-            <a:endParaRPr lang="en-US"/>
           </a:p>
         </p:txBody>
       </p:sp>
@@ -5051,22 +4878,17 @@
           <a:lstStyle/>
           <a:p>
             <a:r>
-              <a:rPr lang="en-US" b="1" dirty="0" smtClean="0"/>
+              <a:rPr lang="en-US" b="1" dirty="0"/>
               <a:t>Lesson 2.3 </a:t>
             </a:r>
             <a:r>
-              <a:rPr lang="en-US" dirty="0" smtClean="0">
+              <a:rPr lang="en-US" dirty="0">
                 <a:solidFill>
                   <a:srgbClr val="17B1AA"/>
                 </a:solidFill>
               </a:rPr>
               <a:t>String Concatenation &amp; Increment Decrement Operators</a:t>
             </a:r>
-            <a:endParaRPr lang="en-US" dirty="0">
-              <a:solidFill>
-                <a:srgbClr val="17B1AA"/>
-              </a:solidFill>
-            </a:endParaRPr>
           </a:p>
         </p:txBody>
       </p:sp>
@@ -5095,45 +4917,40 @@
               </a:rPr>
               <a:t>Objectives </a:t>
             </a:r>
-            <a:endParaRPr lang="en-US" dirty="0" smtClean="0">
+          </a:p>
+          <a:p>
+            <a:pPr lvl="1"/>
+            <a:r>
+              <a:rPr lang="en-US" b="1" dirty="0"/>
+              <a:t>Apply</a:t>
+            </a:r>
+            <a:r>
+              <a:rPr lang="en-US" dirty="0"/>
+              <a:t> the rules of string concatenation.</a:t>
+            </a:r>
+          </a:p>
+          <a:p>
+            <a:pPr lvl="1"/>
+            <a:r>
+              <a:rPr lang="en-US" b="1" dirty="0"/>
+              <a:t>Correctly interpret</a:t>
+            </a:r>
+            <a:r>
+              <a:rPr lang="en-US" dirty="0"/>
+              <a:t> incrementing and decrementing statements.</a:t>
+            </a:r>
+            <a:endParaRPr lang="en-US" b="1" dirty="0"/>
+          </a:p>
+          <a:p>
+            <a:endParaRPr lang="en-US" dirty="0">
               <a:solidFill>
                 <a:srgbClr val="17B1AA"/>
               </a:solidFill>
             </a:endParaRPr>
           </a:p>
           <a:p>
-            <a:pPr lvl="1"/>
-            <a:r>
-              <a:rPr lang="en-US" b="1" dirty="0" smtClean="0"/>
-              <a:t>Apply</a:t>
-            </a:r>
-            <a:r>
-              <a:rPr lang="en-US" dirty="0" smtClean="0"/>
-              <a:t> the rules of string concatenation.</a:t>
-            </a:r>
-          </a:p>
-          <a:p>
-            <a:pPr lvl="1"/>
-            <a:r>
-              <a:rPr lang="en-US" b="1" dirty="0" smtClean="0"/>
-              <a:t>Correctly interpret</a:t>
-            </a:r>
-            <a:r>
-              <a:rPr lang="en-US" dirty="0" smtClean="0"/>
-              <a:t> incrementing and decrementing statements.</a:t>
-            </a:r>
-            <a:endParaRPr lang="en-US" b="1" dirty="0"/>
-          </a:p>
-          <a:p>
-            <a:endParaRPr lang="en-US" dirty="0" smtClean="0">
-              <a:solidFill>
-                <a:srgbClr val="17B1AA"/>
-              </a:solidFill>
-            </a:endParaRPr>
-          </a:p>
-          <a:p>
-            <a:r>
-              <a:rPr lang="en-US" dirty="0" smtClean="0">
+            <a:r>
+              <a:rPr lang="en-US" dirty="0">
                 <a:solidFill>
                   <a:srgbClr val="17B1AA"/>
                 </a:solidFill>
@@ -5144,15 +4961,15 @@
           <a:p>
             <a:pPr lvl="1"/>
             <a:r>
-              <a:rPr lang="en-US" b="1" dirty="0" smtClean="0"/>
+              <a:rPr lang="en-US" b="1" dirty="0"/>
               <a:t>Evaluate</a:t>
             </a:r>
             <a:r>
-              <a:rPr lang="en-US" dirty="0" smtClean="0"/>
+              <a:rPr lang="en-US" dirty="0"/>
               <a:t> statements and predict output during a game of </a:t>
             </a:r>
             <a:r>
-              <a:rPr lang="en-US" dirty="0" err="1" smtClean="0"/>
+              <a:rPr lang="en-US" dirty="0" err="1"/>
               <a:t>grudgeball</a:t>
             </a:r>
             <a:endParaRPr lang="en-US" dirty="0"/>
@@ -5172,11 +4989,6 @@
               </a:rPr>
               <a:t>Homework </a:t>
             </a:r>
-            <a:endParaRPr lang="en-US" dirty="0" smtClean="0">
-              <a:solidFill>
-                <a:srgbClr val="17B1AA"/>
-              </a:solidFill>
-            </a:endParaRPr>
           </a:p>
           <a:p>
             <a:pPr lvl="1"/>
@@ -5186,21 +4998,17 @@
             </a:r>
             <a:r>
               <a:rPr lang="en-US" dirty="0"/>
-              <a:t> </a:t>
-            </a:r>
-            <a:r>
-              <a:rPr lang="en-US" dirty="0" smtClean="0"/>
-              <a:t>remainder of HW 2.2</a:t>
+              <a:t> remainder of HW 2.2</a:t>
             </a:r>
           </a:p>
           <a:p>
             <a:pPr lvl="1"/>
             <a:r>
-              <a:rPr lang="en-US" b="1" dirty="0" smtClean="0"/>
+              <a:rPr lang="en-US" b="1" dirty="0"/>
               <a:t>Complete</a:t>
             </a:r>
             <a:r>
-              <a:rPr lang="en-US" dirty="0" smtClean="0"/>
+              <a:rPr lang="en-US" dirty="0"/>
               <a:t> self-check question 4</a:t>
             </a:r>
             <a:endParaRPr lang="en-US" b="1" dirty="0"/>
@@ -5226,10 +5034,9 @@
           <a:lstStyle/>
           <a:p>
             <a:r>
-              <a:rPr lang="en-US" smtClean="0"/>
+              <a:rPr lang="en-US"/>
               <a:t>Developed by TEALS in 2015  www.tealsk12.org</a:t>
             </a:r>
-            <a:endParaRPr lang="en-US"/>
           </a:p>
         </p:txBody>
       </p:sp>
@@ -5281,22 +5088,17 @@
           <a:lstStyle/>
           <a:p>
             <a:r>
-              <a:rPr lang="en-US" b="1" dirty="0" smtClean="0"/>
+              <a:rPr lang="en-US" b="1" dirty="0"/>
               <a:t>Lesson 2.4 </a:t>
             </a:r>
             <a:r>
-              <a:rPr lang="en-US" dirty="0" smtClean="0">
+              <a:rPr lang="en-US" dirty="0">
                 <a:solidFill>
                   <a:srgbClr val="17B1AA"/>
                 </a:solidFill>
               </a:rPr>
               <a:t>Mixed Types and Casting</a:t>
             </a:r>
-            <a:endParaRPr lang="en-US" dirty="0">
-              <a:solidFill>
-                <a:srgbClr val="17B1AA"/>
-              </a:solidFill>
-            </a:endParaRPr>
           </a:p>
         </p:txBody>
       </p:sp>
@@ -5325,42 +5127,37 @@
               </a:rPr>
               <a:t>Objectives </a:t>
             </a:r>
-            <a:endParaRPr lang="en-US" dirty="0" smtClean="0">
-              <a:solidFill>
-                <a:srgbClr val="17B1AA"/>
-              </a:solidFill>
-            </a:endParaRPr>
           </a:p>
           <a:p>
             <a:pPr lvl="1"/>
             <a:r>
-              <a:rPr lang="en-US" b="1" dirty="0" smtClean="0"/>
+              <a:rPr lang="en-US" b="1" dirty="0"/>
               <a:t>Describe</a:t>
             </a:r>
             <a:r>
-              <a:rPr lang="en-US" dirty="0" smtClean="0"/>
+              <a:rPr lang="en-US" dirty="0"/>
               <a:t> which types automatically convert into others when appearing together.</a:t>
             </a:r>
           </a:p>
           <a:p>
             <a:pPr lvl="1"/>
             <a:r>
-              <a:rPr lang="en-US" b="1" dirty="0" smtClean="0"/>
+              <a:rPr lang="en-US" b="1" dirty="0"/>
               <a:t>Predict</a:t>
             </a:r>
             <a:r>
-              <a:rPr lang="en-US" dirty="0" smtClean="0"/>
+              <a:rPr lang="en-US" dirty="0"/>
               <a:t> how an expression with mixed types will evaluate.</a:t>
             </a:r>
           </a:p>
           <a:p>
             <a:pPr lvl="1"/>
             <a:r>
-              <a:rPr lang="en-US" b="1" dirty="0" smtClean="0"/>
+              <a:rPr lang="en-US" b="1" dirty="0"/>
               <a:t>Convert</a:t>
             </a:r>
             <a:r>
-              <a:rPr lang="en-US" dirty="0" smtClean="0"/>
+              <a:rPr lang="en-US" dirty="0"/>
               <a:t> types by casting.</a:t>
             </a:r>
             <a:endParaRPr lang="en-US" b="1" dirty="0"/>
@@ -5380,42 +5177,37 @@
               </a:rPr>
               <a:t>Assessments </a:t>
             </a:r>
-            <a:endParaRPr lang="en-US" dirty="0" smtClean="0">
-              <a:solidFill>
-                <a:srgbClr val="17B1AA"/>
-              </a:solidFill>
-            </a:endParaRPr>
           </a:p>
           <a:p>
             <a:pPr lvl="1"/>
             <a:r>
-              <a:rPr lang="en-US" b="1" dirty="0" smtClean="0"/>
+              <a:rPr lang="en-US" b="1" dirty="0"/>
               <a:t>Use</a:t>
             </a:r>
             <a:r>
-              <a:rPr lang="en-US" dirty="0" smtClean="0"/>
+              <a:rPr lang="en-US" dirty="0"/>
               <a:t> “zombie rules” of precedence to correctly write code that yields a given answer.</a:t>
             </a:r>
           </a:p>
           <a:p>
             <a:pPr lvl="1"/>
             <a:r>
-              <a:rPr lang="en-US" b="1" dirty="0" smtClean="0"/>
+              <a:rPr lang="en-US" b="1" dirty="0"/>
               <a:t>Create</a:t>
             </a:r>
             <a:r>
-              <a:rPr lang="en-US" dirty="0" smtClean="0"/>
+              <a:rPr lang="en-US" dirty="0"/>
               <a:t> your own expressions</a:t>
             </a:r>
           </a:p>
           <a:p>
             <a:pPr lvl="1"/>
             <a:r>
-              <a:rPr lang="en-US" b="1" dirty="0" smtClean="0"/>
+              <a:rPr lang="en-US" b="1" dirty="0"/>
               <a:t>Predict</a:t>
             </a:r>
             <a:r>
-              <a:rPr lang="en-US" dirty="0" smtClean="0"/>
+              <a:rPr lang="en-US" dirty="0"/>
               <a:t> output by completing and trading worksheets</a:t>
             </a:r>
             <a:endParaRPr lang="en-US" b="1" dirty="0"/>
@@ -5435,11 +5227,6 @@
               </a:rPr>
               <a:t>Homework </a:t>
             </a:r>
-            <a:endParaRPr lang="en-US" dirty="0" smtClean="0">
-              <a:solidFill>
-                <a:srgbClr val="17B1AA"/>
-              </a:solidFill>
-            </a:endParaRPr>
           </a:p>
           <a:p>
             <a:pPr lvl="1"/>
@@ -5449,32 +5236,28 @@
             </a:r>
             <a:r>
               <a:rPr lang="en-US" dirty="0"/>
-              <a:t> HW </a:t>
-            </a:r>
-            <a:r>
-              <a:rPr lang="en-US" dirty="0" smtClean="0"/>
-              <a:t>2.3 up to “Nested for Loops”</a:t>
+              <a:t> HW 2.3 up to “Nested for Loops”</a:t>
             </a:r>
           </a:p>
           <a:p>
             <a:pPr lvl="1"/>
             <a:r>
-              <a:rPr lang="en-US" b="1" dirty="0" smtClean="0"/>
+              <a:rPr lang="en-US" b="1" dirty="0"/>
               <a:t>Complete</a:t>
             </a:r>
             <a:r>
-              <a:rPr lang="en-US" dirty="0" smtClean="0"/>
+              <a:rPr lang="en-US" dirty="0"/>
               <a:t> self-check question 18</a:t>
             </a:r>
           </a:p>
           <a:p>
             <a:pPr lvl="1"/>
             <a:r>
-              <a:rPr lang="en-US" b="1" dirty="0" smtClean="0"/>
+              <a:rPr lang="en-US" b="1" dirty="0"/>
               <a:t>Finish</a:t>
             </a:r>
             <a:r>
-              <a:rPr lang="en-US" dirty="0" smtClean="0"/>
+              <a:rPr lang="en-US" dirty="0"/>
               <a:t> the worksheet if not completed in class</a:t>
             </a:r>
             <a:endParaRPr lang="en-US" b="1" dirty="0"/>
@@ -5500,10 +5283,9 @@
           <a:lstStyle/>
           <a:p>
             <a:r>
-              <a:rPr lang="en-US" smtClean="0"/>
+              <a:rPr lang="en-US"/>
               <a:t>Developed by TEALS in 2015  www.tealsk12.org</a:t>
             </a:r>
-            <a:endParaRPr lang="en-US"/>
           </a:p>
         </p:txBody>
       </p:sp>
@@ -5555,22 +5337,17 @@
           <a:lstStyle/>
           <a:p>
             <a:r>
-              <a:rPr lang="en-US" b="1" dirty="0" smtClean="0"/>
+              <a:rPr lang="en-US" b="1" dirty="0"/>
               <a:t>Lesson 2.5 </a:t>
             </a:r>
             <a:r>
-              <a:rPr lang="en-US" dirty="0" smtClean="0">
+              <a:rPr lang="en-US" dirty="0">
                 <a:solidFill>
                   <a:srgbClr val="17B1AA"/>
                 </a:solidFill>
               </a:rPr>
               <a:t>for Loops</a:t>
             </a:r>
-            <a:endParaRPr lang="en-US" dirty="0">
-              <a:solidFill>
-                <a:srgbClr val="17B1AA"/>
-              </a:solidFill>
-            </a:endParaRPr>
           </a:p>
         </p:txBody>
       </p:sp>
@@ -5587,7 +5364,7 @@
         <p:spPr/>
         <p:txBody>
           <a:bodyPr>
-            <a:normAutofit fontScale="92500" lnSpcReduction="20000"/>
+            <a:normAutofit/>
           </a:bodyPr>
           <a:lstStyle/>
           <a:p>
@@ -5599,73 +5376,28 @@
               </a:rPr>
               <a:t>Objectives </a:t>
             </a:r>
-            <a:endParaRPr lang="en-US" dirty="0" smtClean="0">
-              <a:solidFill>
-                <a:srgbClr val="17B1AA"/>
-              </a:solidFill>
-            </a:endParaRPr>
           </a:p>
           <a:p>
             <a:pPr lvl="1"/>
             <a:r>
-              <a:rPr lang="en-US" b="1" dirty="0" smtClean="0"/>
+              <a:rPr lang="en-US" b="1" dirty="0"/>
               <a:t>Trace</a:t>
             </a:r>
             <a:r>
-              <a:rPr lang="en-US" dirty="0" smtClean="0"/>
+              <a:rPr lang="en-US" dirty="0"/>
               <a:t> loops to predict program behavior.</a:t>
             </a:r>
           </a:p>
           <a:p>
             <a:pPr lvl="1"/>
             <a:r>
-              <a:rPr lang="en-US" b="1" dirty="0" smtClean="0"/>
+              <a:rPr lang="en-US" b="1" dirty="0"/>
               <a:t>Construct</a:t>
             </a:r>
             <a:r>
-              <a:rPr lang="en-US" dirty="0" smtClean="0"/>
+              <a:rPr lang="en-US" dirty="0"/>
               <a:t> loops to execute simple tasks.</a:t>
             </a:r>
-            <a:endParaRPr lang="en-US" b="1" dirty="0"/>
-          </a:p>
-          <a:p>
-            <a:pPr marL="0" indent="0">
-              <a:buNone/>
-            </a:pPr>
-            <a:endParaRPr lang="en-US" dirty="0"/>
-          </a:p>
-          <a:p>
-            <a:r>
-              <a:rPr lang="en-US" dirty="0">
-                <a:solidFill>
-                  <a:srgbClr val="17B1AA"/>
-                </a:solidFill>
-              </a:rPr>
-              <a:t>Assessments </a:t>
-            </a:r>
-            <a:endParaRPr lang="en-US" dirty="0" smtClean="0">
-              <a:solidFill>
-                <a:srgbClr val="17B1AA"/>
-              </a:solidFill>
-            </a:endParaRPr>
-          </a:p>
-          <a:p>
-            <a:pPr lvl="1"/>
-            <a:r>
-              <a:rPr lang="en-US" b="1" dirty="0" smtClean="0"/>
-              <a:t>Trace and construct</a:t>
-            </a:r>
-            <a:r>
-              <a:rPr lang="en-US" dirty="0" smtClean="0"/>
-              <a:t> loops in Practice-It problems</a:t>
-            </a:r>
-            <a:endParaRPr lang="en-US" dirty="0"/>
-          </a:p>
-          <a:p>
-            <a:pPr marL="0" indent="0">
-              <a:buNone/>
-            </a:pPr>
-            <a:endParaRPr lang="en-US" dirty="0"/>
           </a:p>
           <a:p>
             <a:r>
@@ -5676,11 +5408,6 @@
               </a:rPr>
               <a:t>Homework </a:t>
             </a:r>
-            <a:endParaRPr lang="en-US" dirty="0" smtClean="0">
-              <a:solidFill>
-                <a:srgbClr val="17B1AA"/>
-              </a:solidFill>
-            </a:endParaRPr>
           </a:p>
           <a:p>
             <a:pPr lvl="1"/>
@@ -5690,13 +5417,8 @@
             </a:r>
             <a:r>
               <a:rPr lang="en-US" dirty="0"/>
-              <a:t> </a:t>
-            </a:r>
-            <a:r>
-              <a:rPr lang="en-US" dirty="0" smtClean="0"/>
-              <a:t>HW 2.3 “Nested for Loops</a:t>
-            </a:r>
-            <a:endParaRPr lang="en-US" dirty="0"/>
+              <a:t> HW 2.3 “Nested for Loops</a:t>
+            </a:r>
           </a:p>
           <a:p>
             <a:pPr lvl="1"/>
@@ -5706,17 +5428,12 @@
             </a:r>
             <a:r>
               <a:rPr lang="en-US" dirty="0"/>
-              <a:t> </a:t>
-            </a:r>
-            <a:r>
-              <a:rPr lang="en-US" dirty="0" smtClean="0"/>
-              <a:t>self-check questions 19-21</a:t>
-            </a:r>
+              <a:t> self-check questions 19-21</a:t>
+            </a:r>
+          </a:p>
+          <a:p>
             <a:endParaRPr lang="en-US" dirty="0"/>
           </a:p>
-          <a:p>
-            <a:endParaRPr lang="en-US" dirty="0"/>
-          </a:p>
         </p:txBody>
       </p:sp>
       <p:sp>
@@ -5735,10 +5452,9 @@
           <a:lstStyle/>
           <a:p>
             <a:r>
-              <a:rPr lang="en-US" smtClean="0"/>
+              <a:rPr lang="en-US"/>
               <a:t>Developed by TEALS in 2015  www.tealsk12.org</a:t>
             </a:r>
-            <a:endParaRPr lang="en-US"/>
           </a:p>
         </p:txBody>
       </p:sp>
@@ -5790,30 +5506,17 @@
           <a:lstStyle/>
           <a:p>
             <a:r>
-              <a:rPr lang="en-US" b="1" dirty="0" smtClean="0"/>
-              <a:t>Lesson </a:t>
-            </a:r>
-            <a:r>
               <a:rPr lang="en-US" b="1" dirty="0"/>
-              <a:t>2</a:t>
-            </a:r>
-            <a:r>
-              <a:rPr lang="en-US" b="1" dirty="0" smtClean="0"/>
-              <a:t>.6 </a:t>
-            </a:r>
-            <a:r>
-              <a:rPr lang="en-US" dirty="0" smtClean="0">
+              <a:t>Lesson 2.6 </a:t>
+            </a:r>
+            <a:r>
+              <a:rPr lang="en-US" dirty="0">
                 <a:solidFill>
                   <a:srgbClr val="17B1AA"/>
                 </a:solidFill>
               </a:rPr>
               <a:t>Nested for Loops</a:t>
             </a:r>
-            <a:endParaRPr lang="en-US" dirty="0">
-              <a:solidFill>
-                <a:srgbClr val="17B1AA"/>
-              </a:solidFill>
-            </a:endParaRPr>
           </a:p>
         </p:txBody>
       </p:sp>
@@ -5830,7 +5533,7 @@
         <p:spPr/>
         <p:txBody>
           <a:bodyPr>
-            <a:normAutofit fontScale="85000" lnSpcReduction="10000"/>
+            <a:normAutofit/>
           </a:bodyPr>
           <a:lstStyle/>
           <a:p>
@@ -5842,80 +5545,47 @@
               </a:rPr>
               <a:t>Objectives </a:t>
             </a:r>
-            <a:endParaRPr lang="en-US" dirty="0" smtClean="0">
+          </a:p>
+          <a:p>
+            <a:pPr lvl="1"/>
+            <a:r>
+              <a:rPr lang="en-US" b="1" dirty="0"/>
+              <a:t>Trace</a:t>
+            </a:r>
+            <a:r>
+              <a:rPr lang="en-US" dirty="0"/>
+              <a:t> nested loops to predict program behavior.</a:t>
+            </a:r>
+          </a:p>
+          <a:p>
+            <a:pPr lvl="1"/>
+            <a:r>
+              <a:rPr lang="en-US" b="1" dirty="0"/>
+              <a:t>Construct</a:t>
+            </a:r>
+            <a:r>
+              <a:rPr lang="en-US" dirty="0"/>
+              <a:t> loops to execute simple tasks.</a:t>
+            </a:r>
+            <a:endParaRPr lang="en-US" b="1" dirty="0"/>
+          </a:p>
+          <a:p>
+            <a:endParaRPr lang="en-US" dirty="0">
               <a:solidFill>
                 <a:srgbClr val="17B1AA"/>
               </a:solidFill>
             </a:endParaRPr>
           </a:p>
           <a:p>
-            <a:pPr lvl="1"/>
-            <a:r>
-              <a:rPr lang="en-US" b="1" dirty="0" smtClean="0"/>
-              <a:t>Trace</a:t>
-            </a:r>
-            <a:r>
-              <a:rPr lang="en-US" dirty="0" smtClean="0"/>
-              <a:t> nested loops to predict program behavior.</a:t>
-            </a:r>
-          </a:p>
-          <a:p>
-            <a:pPr lvl="1"/>
-            <a:r>
-              <a:rPr lang="en-US" b="1" dirty="0" smtClean="0"/>
-              <a:t>Construct</a:t>
-            </a:r>
-            <a:r>
-              <a:rPr lang="en-US" dirty="0" smtClean="0"/>
-              <a:t> loops to execute simple tasks.</a:t>
-            </a:r>
-            <a:endParaRPr lang="en-US" b="1" dirty="0"/>
-          </a:p>
-          <a:p>
-            <a:endParaRPr lang="en-US" dirty="0" smtClean="0">
-              <a:solidFill>
-                <a:srgbClr val="17B1AA"/>
-              </a:solidFill>
-            </a:endParaRPr>
-          </a:p>
-          <a:p>
-            <a:r>
-              <a:rPr lang="en-US" dirty="0" smtClean="0">
-                <a:solidFill>
-                  <a:srgbClr val="17B1AA"/>
-                </a:solidFill>
-              </a:rPr>
-              <a:t>Assessments </a:t>
-            </a:r>
-          </a:p>
-          <a:p>
-            <a:pPr lvl="1"/>
-            <a:r>
-              <a:rPr lang="en-US" b="1" dirty="0" smtClean="0"/>
-              <a:t>Trace and construct</a:t>
-            </a:r>
-            <a:r>
-              <a:rPr lang="en-US" dirty="0" smtClean="0"/>
-              <a:t> nested loops in Practice-It problems.</a:t>
-            </a:r>
-            <a:endParaRPr lang="en-US" dirty="0"/>
-          </a:p>
-          <a:p>
-            <a:pPr marL="0" indent="0">
-              <a:buNone/>
-            </a:pPr>
-            <a:endParaRPr lang="en-US" dirty="0"/>
-          </a:p>
-          <a:p>
-            <a:r>
-              <a:rPr lang="en-US" dirty="0">
+            <a:r>
+              <a:rPr lang="en-US">
                 <a:solidFill>
                   <a:srgbClr val="17B1AA"/>
                 </a:solidFill>
               </a:rPr>
               <a:t>Homework </a:t>
             </a:r>
-            <a:endParaRPr lang="en-US" dirty="0" smtClean="0">
+            <a:endParaRPr lang="en-US" dirty="0">
               <a:solidFill>
                 <a:srgbClr val="17B1AA"/>
               </a:solidFill>
@@ -5924,30 +5594,30 @@
           <a:p>
             <a:pPr lvl="1"/>
             <a:r>
-              <a:rPr lang="en-US" b="1" dirty="0" smtClean="0"/>
+              <a:rPr lang="en-US" b="1" dirty="0"/>
               <a:t>Read</a:t>
             </a:r>
             <a:r>
-              <a:rPr lang="en-US" dirty="0" smtClean="0"/>
+              <a:rPr lang="en-US" dirty="0"/>
               <a:t> HW 2.4 “Scope” and “</a:t>
             </a:r>
             <a:r>
-              <a:rPr lang="en-US" dirty="0" err="1" smtClean="0"/>
+              <a:rPr lang="en-US" dirty="0" err="1"/>
               <a:t>Pseudocode</a:t>
             </a:r>
             <a:r>
-              <a:rPr lang="en-US" dirty="0" smtClean="0"/>
+              <a:rPr lang="en-US" dirty="0"/>
               <a:t>”</a:t>
             </a:r>
           </a:p>
           <a:p>
             <a:pPr lvl="1"/>
             <a:r>
-              <a:rPr lang="en-US" b="1" dirty="0" smtClean="0"/>
+              <a:rPr lang="en-US" b="1" dirty="0"/>
               <a:t>Complete</a:t>
             </a:r>
             <a:r>
-              <a:rPr lang="en-US" dirty="0" smtClean="0"/>
+              <a:rPr lang="en-US" dirty="0"/>
               <a:t> self-check questions 26-27 and exercise 4</a:t>
             </a:r>
             <a:endParaRPr lang="en-US" b="1" dirty="0"/>
@@ -5973,10 +5643,9 @@
           <a:lstStyle/>
           <a:p>
             <a:r>
-              <a:rPr lang="en-US" smtClean="0"/>
+              <a:rPr lang="en-US"/>
               <a:t>Developed by TEALS in 2015  www.tealsk12.org</a:t>
             </a:r>
-            <a:endParaRPr lang="en-US"/>
           </a:p>
         </p:txBody>
       </p:sp>
@@ -6026,11 +5695,11 @@
           <a:lstStyle/>
           <a:p>
             <a:r>
-              <a:rPr lang="en-US" b="1" dirty="0" smtClean="0"/>
+              <a:rPr lang="en-US" b="1" dirty="0"/>
               <a:t>Lesson 2.7 </a:t>
             </a:r>
             <a:r>
-              <a:rPr lang="en-US" dirty="0" smtClean="0">
+              <a:rPr lang="en-US" dirty="0">
                 <a:solidFill>
                   <a:srgbClr val="17B1AA"/>
                 </a:solidFill>
@@ -6038,7 +5707,7 @@
               <a:t>Scope &amp; </a:t>
             </a:r>
             <a:r>
-              <a:rPr lang="en-US" dirty="0" err="1" smtClean="0">
+              <a:rPr lang="en-US" dirty="0" err="1">
                 <a:solidFill>
                   <a:srgbClr val="17B1AA"/>
                 </a:solidFill>
@@ -6078,31 +5747,26 @@
               </a:rPr>
               <a:t>Objectives </a:t>
             </a:r>
-            <a:endParaRPr lang="en-US" dirty="0" smtClean="0">
-              <a:solidFill>
-                <a:srgbClr val="17B1AA"/>
-              </a:solidFill>
-            </a:endParaRPr>
           </a:p>
           <a:p>
             <a:pPr lvl="1"/>
             <a:r>
-              <a:rPr lang="en-US" b="1" dirty="0" smtClean="0"/>
+              <a:rPr lang="en-US" b="1" dirty="0"/>
               <a:t>Identify</a:t>
             </a:r>
             <a:r>
-              <a:rPr lang="en-US" dirty="0" smtClean="0"/>
+              <a:rPr lang="en-US" dirty="0"/>
               <a:t> the scope of a variable.</a:t>
             </a:r>
           </a:p>
           <a:p>
             <a:pPr lvl="1"/>
             <a:r>
-              <a:rPr lang="en-US" b="1" dirty="0" smtClean="0"/>
+              <a:rPr lang="en-US" b="1" dirty="0"/>
               <a:t>Identify</a:t>
             </a:r>
             <a:r>
-              <a:rPr lang="en-US" dirty="0" smtClean="0"/>
+              <a:rPr lang="en-US" dirty="0"/>
               <a:t> common scope errors.</a:t>
             </a:r>
             <a:endParaRPr lang="en-US" b="1" dirty="0"/>
@@ -6122,23 +5786,17 @@
               </a:rPr>
               <a:t>Assessments </a:t>
             </a:r>
-            <a:endParaRPr lang="en-US" dirty="0" smtClean="0">
-              <a:solidFill>
-                <a:srgbClr val="17B1AA"/>
-              </a:solidFill>
-            </a:endParaRPr>
           </a:p>
           <a:p>
             <a:pPr lvl="1"/>
             <a:r>
-              <a:rPr lang="en-US" b="1" dirty="0" smtClean="0"/>
+              <a:rPr lang="en-US" b="1" dirty="0"/>
               <a:t>Complete</a:t>
             </a:r>
             <a:r>
-              <a:rPr lang="en-US" dirty="0" smtClean="0"/>
+              <a:rPr lang="en-US" dirty="0"/>
               <a:t> a worksheet</a:t>
             </a:r>
-            <a:endParaRPr lang="en-US" dirty="0"/>
           </a:p>
           <a:p>
             <a:pPr marL="0" indent="0">
@@ -6155,50 +5813,45 @@
               </a:rPr>
               <a:t>Homework </a:t>
             </a:r>
-            <a:endParaRPr lang="en-US" dirty="0" smtClean="0">
-              <a:solidFill>
-                <a:srgbClr val="17B1AA"/>
-              </a:solidFill>
-            </a:endParaRPr>
           </a:p>
           <a:p>
             <a:pPr lvl="1"/>
             <a:r>
-              <a:rPr lang="en-US" b="1" dirty="0" smtClean="0"/>
+              <a:rPr lang="en-US" b="1" dirty="0"/>
               <a:t>Read</a:t>
             </a:r>
             <a:r>
-              <a:rPr lang="en-US" dirty="0" smtClean="0"/>
+              <a:rPr lang="en-US" dirty="0"/>
               <a:t> HW 2.4 “</a:t>
             </a:r>
             <a:r>
-              <a:rPr lang="en-US" dirty="0" err="1" smtClean="0"/>
+              <a:rPr lang="en-US" dirty="0" err="1"/>
               <a:t>Pseudocode</a:t>
             </a:r>
             <a:r>
-              <a:rPr lang="en-US" dirty="0" smtClean="0"/>
+              <a:rPr lang="en-US" dirty="0"/>
               <a:t>”</a:t>
             </a:r>
           </a:p>
           <a:p>
             <a:pPr lvl="1"/>
             <a:r>
-              <a:rPr lang="en-US" b="1" dirty="0" smtClean="0"/>
+              <a:rPr lang="en-US" b="1" dirty="0"/>
               <a:t>Complete</a:t>
             </a:r>
             <a:r>
-              <a:rPr lang="en-US" dirty="0" smtClean="0"/>
+              <a:rPr lang="en-US" dirty="0"/>
               <a:t> self-check questions 31-33</a:t>
             </a:r>
           </a:p>
           <a:p>
             <a:pPr lvl="1"/>
             <a:r>
-              <a:rPr lang="en-US" b="1" dirty="0" smtClean="0"/>
+              <a:rPr lang="en-US" b="1" dirty="0"/>
               <a:t>Check class notes</a:t>
             </a:r>
             <a:r>
-              <a:rPr lang="en-US" dirty="0" smtClean="0"/>
+              <a:rPr lang="en-US" dirty="0"/>
               <a:t> for completion, adding daily summaries if needed</a:t>
             </a:r>
             <a:endParaRPr lang="en-US" b="1" dirty="0"/>
@@ -6224,10 +5877,9 @@
           <a:lstStyle/>
           <a:p>
             <a:r>
-              <a:rPr lang="en-US" smtClean="0"/>
+              <a:rPr lang="en-US"/>
               <a:t>Developed by TEALS in 2015  www.tealsk12.org</a:t>
             </a:r>
-            <a:endParaRPr lang="en-US"/>
           </a:p>
         </p:txBody>
       </p:sp>
@@ -6277,22 +5929,17 @@
           <a:lstStyle/>
           <a:p>
             <a:r>
-              <a:rPr lang="en-US" b="1" dirty="0" smtClean="0"/>
+              <a:rPr lang="en-US" b="1" dirty="0"/>
               <a:t>Lesson 2.8 </a:t>
             </a:r>
             <a:r>
-              <a:rPr lang="en-US" dirty="0" smtClean="0">
+              <a:rPr lang="en-US" dirty="0">
                 <a:solidFill>
                   <a:srgbClr val="17B1AA"/>
                 </a:solidFill>
               </a:rPr>
               <a:t>Programming Project</a:t>
             </a:r>
-            <a:endParaRPr lang="en-US" dirty="0">
-              <a:solidFill>
-                <a:srgbClr val="17B1AA"/>
-              </a:solidFill>
-            </a:endParaRPr>
           </a:p>
         </p:txBody>
       </p:sp>
@@ -6321,23 +5968,17 @@
               </a:rPr>
               <a:t>Objectives </a:t>
             </a:r>
-            <a:endParaRPr lang="en-US" dirty="0" smtClean="0">
-              <a:solidFill>
-                <a:srgbClr val="17B1AA"/>
-              </a:solidFill>
-            </a:endParaRPr>
           </a:p>
           <a:p>
             <a:pPr lvl="1"/>
             <a:r>
-              <a:rPr lang="en-US" b="1" dirty="0" smtClean="0"/>
+              <a:rPr lang="en-US" b="1" dirty="0"/>
               <a:t>Plan and construct</a:t>
             </a:r>
             <a:r>
-              <a:rPr lang="en-US" dirty="0" smtClean="0"/>
+              <a:rPr lang="en-US" dirty="0"/>
               <a:t> a structured program containing nested loops.</a:t>
             </a:r>
-            <a:endParaRPr lang="en-US" dirty="0"/>
           </a:p>
           <a:p>
             <a:pPr marL="0" indent="0">
@@ -6354,23 +5995,17 @@
               </a:rPr>
               <a:t>Assessments </a:t>
             </a:r>
-            <a:endParaRPr lang="en-US" dirty="0" smtClean="0">
-              <a:solidFill>
-                <a:srgbClr val="17B1AA"/>
-              </a:solidFill>
-            </a:endParaRPr>
           </a:p>
           <a:p>
             <a:pPr lvl="1"/>
             <a:r>
-              <a:rPr lang="en-US" b="1" dirty="0" smtClean="0"/>
+              <a:rPr lang="en-US" b="1" dirty="0"/>
               <a:t>Submit</a:t>
             </a:r>
             <a:r>
-              <a:rPr lang="en-US" dirty="0" smtClean="0"/>
+              <a:rPr lang="en-US" dirty="0"/>
               <a:t> a complete, functional program by the end of next class.</a:t>
             </a:r>
-            <a:endParaRPr lang="en-US" dirty="0"/>
           </a:p>
           <a:p>
             <a:pPr marL="0" indent="0">
@@ -6387,27 +6022,21 @@
               </a:rPr>
               <a:t>Homework </a:t>
             </a:r>
-            <a:endParaRPr lang="en-US" dirty="0" smtClean="0">
-              <a:solidFill>
-                <a:srgbClr val="17B1AA"/>
-              </a:solidFill>
-            </a:endParaRPr>
           </a:p>
           <a:p>
             <a:pPr lvl="1"/>
             <a:r>
-              <a:rPr lang="en-US" b="1" dirty="0" smtClean="0"/>
+              <a:rPr lang="en-US" b="1" dirty="0"/>
               <a:t>Outline</a:t>
             </a:r>
             <a:r>
-              <a:rPr lang="en-US" dirty="0" smtClean="0"/>
+              <a:rPr lang="en-US" dirty="0"/>
               <a:t> Chapter 2, omitting HW 2.5</a:t>
             </a:r>
+          </a:p>
+          <a:p>
             <a:endParaRPr lang="en-US" dirty="0"/>
           </a:p>
-          <a:p>
-            <a:endParaRPr lang="en-US" dirty="0"/>
-          </a:p>
         </p:txBody>
       </p:sp>
       <p:sp>
@@ -6426,10 +6055,9 @@
           <a:lstStyle/>
           <a:p>
             <a:r>
-              <a:rPr lang="en-US" smtClean="0"/>
+              <a:rPr lang="en-US"/>
               <a:t>Developed by TEALS in 2015  www.tealsk12.org</a:t>
             </a:r>
-            <a:endParaRPr lang="en-US"/>
           </a:p>
         </p:txBody>
       </p:sp>
@@ -7407,6 +7035,21 @@
 </file>
 
 <file path=customXml/item1.xml><?xml version="1.0" encoding="utf-8"?>
+<p:properties xmlns:p="http://schemas.microsoft.com/office/2006/metadata/properties" xmlns:xsi="http://www.w3.org/2001/XMLSchema-instance" xmlns:pc="http://schemas.microsoft.com/office/infopath/2007/PartnerControls">
+  <documentManagement/>
+</p:properties>
+</file>
+
+<file path=customXml/item2.xml><?xml version="1.0" encoding="utf-8"?>
+<?mso-contentType ?>
+<FormTemplates xmlns="http://schemas.microsoft.com/sharepoint/v3/contenttype/forms">
+  <Display>DocumentLibraryForm</Display>
+  <Edit>DocumentLibraryForm</Edit>
+  <New>DocumentLibraryForm</New>
+</FormTemplates>
+</file>
+
+<file path=customXml/item3.xml><?xml version="1.0" encoding="utf-8"?>
 <ct:contentTypeSchema xmlns:ct="http://schemas.microsoft.com/office/2006/metadata/contentType" xmlns:ma="http://schemas.microsoft.com/office/2006/metadata/properties/metaAttributes" ct:_="" ma:_="" ma:contentTypeName="Document" ma:contentTypeID="0x010100BABADD3A0624AA4E97287821B8F4D7D6" ma:contentTypeVersion="3" ma:contentTypeDescription="Create a new document." ma:contentTypeScope="" ma:versionID="e0073545f5cddffb46c9fa8d01738dd8">
   <xsd:schema xmlns:xsd="http://www.w3.org/2001/XMLSchema" xmlns:xs="http://www.w3.org/2001/XMLSchema" xmlns:p="http://schemas.microsoft.com/office/2006/metadata/properties" xmlns:ns2="5edd459b-714d-42ed-b78f-512da7d1c14e" targetNamespace="http://schemas.microsoft.com/office/2006/metadata/properties" ma:root="true" ma:fieldsID="5b223eadad92f795ae696ccb91d8f218" ns2:_="">
     <xsd:import namespace="5edd459b-714d-42ed-b78f-512da7d1c14e"/>
@@ -7560,29 +7203,37 @@
 </ct:contentTypeSchema>
 </file>
 
-<file path=customXml/item2.xml><?xml version="1.0" encoding="utf-8"?>
-<?mso-contentType ?>
-<FormTemplates xmlns="http://schemas.microsoft.com/sharepoint/v3/contenttype/forms">
-  <Display>DocumentLibraryForm</Display>
-  <Edit>DocumentLibraryForm</Edit>
-  <New>DocumentLibraryForm</New>
-</FormTemplates>
-</file>
-
-<file path=customXml/item3.xml><?xml version="1.0" encoding="utf-8"?>
-<p:properties xmlns:p="http://schemas.microsoft.com/office/2006/metadata/properties" xmlns:xsi="http://www.w3.org/2001/XMLSchema-instance" xmlns:pc="http://schemas.microsoft.com/office/infopath/2007/PartnerControls">
-  <documentManagement/>
-</p:properties>
-</file>
-
 <file path=customXml/itemProps1.xml><?xml version="1.0" encoding="utf-8"?>
-<ds:datastoreItem xmlns:ds="http://schemas.openxmlformats.org/officeDocument/2006/customXml" ds:itemID="{DD08AABD-5E90-4EF9-A70F-2BC053D3E1B2}"/>
+<ds:datastoreItem xmlns:ds="http://schemas.openxmlformats.org/officeDocument/2006/customXml" ds:itemID="{8C02E9DD-2988-46AC-840B-87053A8C92A5}">
+  <ds:schemaRefs>
+    <ds:schemaRef ds:uri="http://schemas.microsoft.com/office/2006/metadata/properties"/>
+    <ds:schemaRef ds:uri="http://schemas.microsoft.com/office/infopath/2007/PartnerControls"/>
+  </ds:schemaRefs>
+</ds:datastoreItem>
 </file>
 
 <file path=customXml/itemProps2.xml><?xml version="1.0" encoding="utf-8"?>
-<ds:datastoreItem xmlns:ds="http://schemas.openxmlformats.org/officeDocument/2006/customXml" ds:itemID="{CB12F83C-062E-4D83-A20D-F8FCDC582243}"/>
+<ds:datastoreItem xmlns:ds="http://schemas.openxmlformats.org/officeDocument/2006/customXml" ds:itemID="{CB12F83C-062E-4D83-A20D-F8FCDC582243}">
+  <ds:schemaRefs>
+    <ds:schemaRef ds:uri="http://schemas.microsoft.com/sharepoint/v3/contenttype/forms"/>
+  </ds:schemaRefs>
+</ds:datastoreItem>
 </file>
 
 <file path=customXml/itemProps3.xml><?xml version="1.0" encoding="utf-8"?>
-<ds:datastoreItem xmlns:ds="http://schemas.openxmlformats.org/officeDocument/2006/customXml" ds:itemID="{8C02E9DD-2988-46AC-840B-87053A8C92A5}"/>
+<ds:datastoreItem xmlns:ds="http://schemas.openxmlformats.org/officeDocument/2006/customXml" ds:itemID="{DD08AABD-5E90-4EF9-A70F-2BC053D3E1B2}">
+  <ds:schemaRefs>
+    <ds:schemaRef ds:uri="http://schemas.microsoft.com/office/2006/metadata/contentType"/>
+    <ds:schemaRef ds:uri="http://schemas.microsoft.com/office/2006/metadata/properties/metaAttributes"/>
+    <ds:schemaRef ds:uri="http://www.w3.org/2001/XMLSchema"/>
+    <ds:schemaRef ds:uri="http://schemas.microsoft.com/office/2006/metadata/properties"/>
+    <ds:schemaRef ds:uri="5edd459b-714d-42ed-b78f-512da7d1c14e"/>
+    <ds:schemaRef ds:uri="http://schemas.microsoft.com/office/2006/documentManagement/types"/>
+    <ds:schemaRef ds:uri="http://schemas.microsoft.com/office/infopath/2007/PartnerControls"/>
+    <ds:schemaRef ds:uri="http://schemas.openxmlformats.org/package/2006/metadata/core-properties"/>
+    <ds:schemaRef ds:uri="http://purl.org/dc/elements/1.1/"/>
+    <ds:schemaRef ds:uri="http://purl.org/dc/terms/"/>
+    <ds:schemaRef ds:uri="http://schemas.microsoft.com/internal/obd"/>
+  </ds:schemaRefs>
+</ds:datastoreItem>
 </file>
--- a/curriculum/Unit2/Unit 2 Slides.pptx
+++ b/curriculum/Unit2/Unit 2 Slides.pptx
@@ -2,27 +2,27 @@
 <file path=ppt/presentation.xml><?xml version="1.0" encoding="utf-8"?>
 <p:presentation xmlns:a="http://schemas.openxmlformats.org/drawingml/2006/main" xmlns:r="http://schemas.openxmlformats.org/officeDocument/2006/relationships" xmlns:p="http://schemas.openxmlformats.org/presentationml/2006/main" saveSubsetFonts="1" autoCompressPictures="0">
   <p:sldMasterIdLst>
-    <p:sldMasterId id="2147483648" r:id="rId4"/>
+    <p:sldMasterId id="2147483648" r:id="rId1"/>
   </p:sldMasterIdLst>
   <p:notesMasterIdLst>
-    <p:notesMasterId r:id="rId17"/>
+    <p:notesMasterId r:id="rId14"/>
   </p:notesMasterIdLst>
   <p:handoutMasterIdLst>
-    <p:handoutMasterId r:id="rId18"/>
+    <p:handoutMasterId r:id="rId15"/>
   </p:handoutMasterIdLst>
   <p:sldIdLst>
-    <p:sldId id="271" r:id="rId5"/>
-    <p:sldId id="282" r:id="rId6"/>
-    <p:sldId id="278" r:id="rId7"/>
-    <p:sldId id="279" r:id="rId8"/>
-    <p:sldId id="276" r:id="rId9"/>
-    <p:sldId id="277" r:id="rId10"/>
-    <p:sldId id="274" r:id="rId11"/>
-    <p:sldId id="275" r:id="rId12"/>
-    <p:sldId id="272" r:id="rId13"/>
-    <p:sldId id="280" r:id="rId14"/>
-    <p:sldId id="273" r:id="rId15"/>
-    <p:sldId id="281" r:id="rId16"/>
+    <p:sldId id="271" r:id="rId2"/>
+    <p:sldId id="282" r:id="rId3"/>
+    <p:sldId id="278" r:id="rId4"/>
+    <p:sldId id="279" r:id="rId5"/>
+    <p:sldId id="276" r:id="rId6"/>
+    <p:sldId id="277" r:id="rId7"/>
+    <p:sldId id="274" r:id="rId8"/>
+    <p:sldId id="275" r:id="rId9"/>
+    <p:sldId id="272" r:id="rId10"/>
+    <p:sldId id="280" r:id="rId11"/>
+    <p:sldId id="273" r:id="rId12"/>
+    <p:sldId id="281" r:id="rId13"/>
   </p:sldIdLst>
   <p:sldSz cx="9144000" cy="6858000" type="screen4x3"/>
   <p:notesSz cx="6858000" cy="9144000"/>
@@ -121,22 +121,6 @@
       </a:defRPr>
     </a:lvl9pPr>
   </p:defaultTextStyle>
-  <p:extLst>
-    <p:ext uri="{EFAFB233-063F-42B5-8137-9DF3F51BA10A}">
-      <p15:sldGuideLst xmlns:p15="http://schemas.microsoft.com/office/powerpoint/2012/main">
-        <p15:guide id="1" orient="horz" pos="2160">
-          <p15:clr>
-            <a:srgbClr val="A4A3A4"/>
-          </p15:clr>
-        </p15:guide>
-        <p15:guide id="2" pos="2880">
-          <p15:clr>
-            <a:srgbClr val="A4A3A4"/>
-          </p15:clr>
-        </p15:guide>
-      </p15:sldGuideLst>
-    </p:ext>
-  </p:extLst>
 </p:presentation>
 </file>
 
@@ -222,7 +206,7 @@
           <a:p>
             <a:fld id="{6D0754E3-E03E-ED44-9A59-706283C2F2CC}" type="datetimeFigureOut">
               <a:rPr lang="en-US" smtClean="0"/>
-              <a:t>2/18/2020</a:t>
+              <a:t>7/1/15</a:t>
             </a:fld>
             <a:endParaRPr lang="en-US"/>
           </a:p>
@@ -388,7 +372,7 @@
           <a:p>
             <a:fld id="{44996FB4-6AD2-FE4B-B45E-D44A9C110DAF}" type="datetimeFigureOut">
               <a:rPr lang="en-US" smtClean="0"/>
-              <a:t>2/18/2020</a:t>
+              <a:t>7/1/15</a:t>
             </a:fld>
             <a:endParaRPr lang="en-US"/>
           </a:p>
@@ -452,37 +436,38 @@
           <a:p>
             <a:pPr lvl="0"/>
             <a:r>
-              <a:rPr lang="en-US"/>
+              <a:rPr lang="en-US" smtClean="0"/>
               <a:t>Click to edit Master text styles</a:t>
             </a:r>
           </a:p>
           <a:p>
             <a:pPr lvl="1"/>
             <a:r>
-              <a:rPr lang="en-US"/>
+              <a:rPr lang="en-US" smtClean="0"/>
               <a:t>Second level</a:t>
             </a:r>
           </a:p>
           <a:p>
             <a:pPr lvl="2"/>
             <a:r>
-              <a:rPr lang="en-US"/>
+              <a:rPr lang="en-US" smtClean="0"/>
               <a:t>Third level</a:t>
             </a:r>
           </a:p>
           <a:p>
             <a:pPr lvl="3"/>
             <a:r>
-              <a:rPr lang="en-US"/>
+              <a:rPr lang="en-US" smtClean="0"/>
               <a:t>Fourth level</a:t>
             </a:r>
           </a:p>
           <a:p>
             <a:pPr lvl="4"/>
             <a:r>
-              <a:rPr lang="en-US"/>
+              <a:rPr lang="en-US" smtClean="0"/>
               <a:t>Fifth level</a:t>
             </a:r>
+            <a:endParaRPr lang="en-US"/>
           </a:p>
         </p:txBody>
       </p:sp>
@@ -694,9 +679,10 @@
           <a:lstStyle/>
           <a:p>
             <a:r>
-              <a:rPr lang="en-US"/>
+              <a:rPr lang="en-US" smtClean="0"/>
               <a:t>Click to edit Master title style</a:t>
             </a:r>
+            <a:endParaRPr lang="en-US"/>
           </a:p>
         </p:txBody>
       </p:sp>
@@ -812,9 +798,10 @@
           </a:lstStyle>
           <a:p>
             <a:r>
-              <a:rPr lang="en-US"/>
+              <a:rPr lang="en-US" smtClean="0"/>
               <a:t>Click to edit Master subtitle style</a:t>
             </a:r>
+            <a:endParaRPr lang="en-US"/>
           </a:p>
         </p:txBody>
       </p:sp>
@@ -835,7 +822,7 @@
           <a:p>
             <a:fld id="{34990CC2-A8CC-B149-BA8F-DDB0E524EE45}" type="datetime1">
               <a:rPr lang="en-US" smtClean="0"/>
-              <a:t>2/18/2020</a:t>
+              <a:t>7/1/15</a:t>
             </a:fld>
             <a:endParaRPr lang="en-US"/>
           </a:p>
@@ -857,9 +844,10 @@
           <a:lstStyle/>
           <a:p>
             <a:r>
-              <a:rPr lang="en-US"/>
+              <a:rPr lang="en-US" smtClean="0"/>
               <a:t>Developed by TEALS in 2015  www.tealsk12.org</a:t>
             </a:r>
+            <a:endParaRPr lang="en-US"/>
           </a:p>
         </p:txBody>
       </p:sp>
@@ -932,9 +920,10 @@
           <a:lstStyle/>
           <a:p>
             <a:r>
-              <a:rPr lang="en-US"/>
+              <a:rPr lang="en-US" smtClean="0"/>
               <a:t>Click to edit Master title style</a:t>
             </a:r>
+            <a:endParaRPr lang="en-US"/>
           </a:p>
         </p:txBody>
       </p:sp>
@@ -955,37 +944,38 @@
           <a:p>
             <a:pPr lvl="0"/>
             <a:r>
-              <a:rPr lang="en-US"/>
+              <a:rPr lang="en-US" smtClean="0"/>
               <a:t>Click to edit Master text styles</a:t>
             </a:r>
           </a:p>
           <a:p>
             <a:pPr lvl="1"/>
             <a:r>
-              <a:rPr lang="en-US"/>
+              <a:rPr lang="en-US" smtClean="0"/>
               <a:t>Second level</a:t>
             </a:r>
           </a:p>
           <a:p>
             <a:pPr lvl="2"/>
             <a:r>
-              <a:rPr lang="en-US"/>
+              <a:rPr lang="en-US" smtClean="0"/>
               <a:t>Third level</a:t>
             </a:r>
           </a:p>
           <a:p>
             <a:pPr lvl="3"/>
             <a:r>
-              <a:rPr lang="en-US"/>
+              <a:rPr lang="en-US" smtClean="0"/>
               <a:t>Fourth level</a:t>
             </a:r>
           </a:p>
           <a:p>
             <a:pPr lvl="4"/>
             <a:r>
-              <a:rPr lang="en-US"/>
+              <a:rPr lang="en-US" smtClean="0"/>
               <a:t>Fifth level</a:t>
             </a:r>
+            <a:endParaRPr lang="en-US"/>
           </a:p>
         </p:txBody>
       </p:sp>
@@ -1006,7 +996,7 @@
           <a:p>
             <a:fld id="{96267D05-F6C2-F64A-9C7F-A94B43164B5C}" type="datetime1">
               <a:rPr lang="en-US" smtClean="0"/>
-              <a:t>2/18/2020</a:t>
+              <a:t>7/1/15</a:t>
             </a:fld>
             <a:endParaRPr lang="en-US"/>
           </a:p>
@@ -1028,9 +1018,10 @@
           <a:lstStyle/>
           <a:p>
             <a:r>
-              <a:rPr lang="en-US"/>
+              <a:rPr lang="en-US" smtClean="0"/>
               <a:t>Developed by TEALS in 2015  www.tealsk12.org</a:t>
             </a:r>
+            <a:endParaRPr lang="en-US"/>
           </a:p>
         </p:txBody>
       </p:sp>
@@ -1108,9 +1099,10 @@
           <a:lstStyle/>
           <a:p>
             <a:r>
-              <a:rPr lang="en-US"/>
+              <a:rPr lang="en-US" smtClean="0"/>
               <a:t>Click to edit Master title style</a:t>
             </a:r>
+            <a:endParaRPr lang="en-US"/>
           </a:p>
         </p:txBody>
       </p:sp>
@@ -1136,37 +1128,38 @@
           <a:p>
             <a:pPr lvl="0"/>
             <a:r>
-              <a:rPr lang="en-US"/>
+              <a:rPr lang="en-US" smtClean="0"/>
               <a:t>Click to edit Master text styles</a:t>
             </a:r>
           </a:p>
           <a:p>
             <a:pPr lvl="1"/>
             <a:r>
-              <a:rPr lang="en-US"/>
+              <a:rPr lang="en-US" smtClean="0"/>
               <a:t>Second level</a:t>
             </a:r>
           </a:p>
           <a:p>
             <a:pPr lvl="2"/>
             <a:r>
-              <a:rPr lang="en-US"/>
+              <a:rPr lang="en-US" smtClean="0"/>
               <a:t>Third level</a:t>
             </a:r>
           </a:p>
           <a:p>
             <a:pPr lvl="3"/>
             <a:r>
-              <a:rPr lang="en-US"/>
+              <a:rPr lang="en-US" smtClean="0"/>
               <a:t>Fourth level</a:t>
             </a:r>
           </a:p>
           <a:p>
             <a:pPr lvl="4"/>
             <a:r>
-              <a:rPr lang="en-US"/>
+              <a:rPr lang="en-US" smtClean="0"/>
               <a:t>Fifth level</a:t>
             </a:r>
+            <a:endParaRPr lang="en-US"/>
           </a:p>
         </p:txBody>
       </p:sp>
@@ -1187,7 +1180,7 @@
           <a:p>
             <a:fld id="{087C1978-9D0A-A345-9E84-F995A3601C8E}" type="datetime1">
               <a:rPr lang="en-US" smtClean="0"/>
-              <a:t>2/18/2020</a:t>
+              <a:t>7/1/15</a:t>
             </a:fld>
             <a:endParaRPr lang="en-US"/>
           </a:p>
@@ -1209,9 +1202,10 @@
           <a:lstStyle/>
           <a:p>
             <a:r>
-              <a:rPr lang="en-US"/>
+              <a:rPr lang="en-US" smtClean="0"/>
               <a:t>Developed by TEALS in 2015  www.tealsk12.org</a:t>
             </a:r>
+            <a:endParaRPr lang="en-US"/>
           </a:p>
         </p:txBody>
       </p:sp>
@@ -1284,9 +1278,10 @@
           <a:lstStyle/>
           <a:p>
             <a:r>
-              <a:rPr lang="en-US"/>
+              <a:rPr lang="en-US" smtClean="0"/>
               <a:t>Click to edit Master title style</a:t>
             </a:r>
+            <a:endParaRPr lang="en-US"/>
           </a:p>
         </p:txBody>
       </p:sp>
@@ -1307,37 +1302,38 @@
           <a:p>
             <a:pPr lvl="0"/>
             <a:r>
-              <a:rPr lang="en-US"/>
+              <a:rPr lang="en-US" smtClean="0"/>
               <a:t>Click to edit Master text styles</a:t>
             </a:r>
           </a:p>
           <a:p>
             <a:pPr lvl="1"/>
             <a:r>
-              <a:rPr lang="en-US"/>
+              <a:rPr lang="en-US" smtClean="0"/>
               <a:t>Second level</a:t>
             </a:r>
           </a:p>
           <a:p>
             <a:pPr lvl="2"/>
             <a:r>
-              <a:rPr lang="en-US"/>
+              <a:rPr lang="en-US" smtClean="0"/>
               <a:t>Third level</a:t>
             </a:r>
           </a:p>
           <a:p>
             <a:pPr lvl="3"/>
             <a:r>
-              <a:rPr lang="en-US"/>
+              <a:rPr lang="en-US" smtClean="0"/>
               <a:t>Fourth level</a:t>
             </a:r>
           </a:p>
           <a:p>
             <a:pPr lvl="4"/>
             <a:r>
-              <a:rPr lang="en-US"/>
+              <a:rPr lang="en-US" smtClean="0"/>
               <a:t>Fifth level</a:t>
             </a:r>
+            <a:endParaRPr lang="en-US"/>
           </a:p>
         </p:txBody>
       </p:sp>
@@ -1358,7 +1354,7 @@
           <a:p>
             <a:fld id="{620CD570-9DDA-524E-9F58-9DBC8D3A8C31}" type="datetime1">
               <a:rPr lang="en-US" smtClean="0"/>
-              <a:t>2/18/2020</a:t>
+              <a:t>7/1/15</a:t>
             </a:fld>
             <a:endParaRPr lang="en-US"/>
           </a:p>
@@ -1380,9 +1376,10 @@
           <a:lstStyle/>
           <a:p>
             <a:r>
-              <a:rPr lang="en-US"/>
+              <a:rPr lang="en-US" smtClean="0"/>
               <a:t>Developed by TEALS in 2015  www.tealsk12.org</a:t>
             </a:r>
+            <a:endParaRPr lang="en-US"/>
           </a:p>
         </p:txBody>
       </p:sp>
@@ -1464,9 +1461,10 @@
           </a:lstStyle>
           <a:p>
             <a:r>
-              <a:rPr lang="en-US"/>
+              <a:rPr lang="en-US" smtClean="0"/>
               <a:t>Click to edit Master title style</a:t>
             </a:r>
+            <a:endParaRPr lang="en-US"/>
           </a:p>
         </p:txBody>
       </p:sp>
@@ -1583,7 +1581,7 @@
           <a:p>
             <a:pPr lvl="0"/>
             <a:r>
-              <a:rPr lang="en-US"/>
+              <a:rPr lang="en-US" smtClean="0"/>
               <a:t>Click to edit Master text styles</a:t>
             </a:r>
           </a:p>
@@ -1606,7 +1604,7 @@
           <a:p>
             <a:fld id="{FEBAD56B-400E-5542-B4A1-CD46AB8B4D0E}" type="datetime1">
               <a:rPr lang="en-US" smtClean="0"/>
-              <a:t>2/18/2020</a:t>
+              <a:t>7/1/15</a:t>
             </a:fld>
             <a:endParaRPr lang="en-US"/>
           </a:p>
@@ -1628,9 +1626,10 @@
           <a:lstStyle/>
           <a:p>
             <a:r>
-              <a:rPr lang="en-US"/>
+              <a:rPr lang="en-US" smtClean="0"/>
               <a:t>Developed by TEALS in 2015  www.tealsk12.org</a:t>
             </a:r>
+            <a:endParaRPr lang="en-US"/>
           </a:p>
         </p:txBody>
       </p:sp>
@@ -1703,9 +1702,10 @@
           <a:lstStyle/>
           <a:p>
             <a:r>
-              <a:rPr lang="en-US"/>
+              <a:rPr lang="en-US" smtClean="0"/>
               <a:t>Click to edit Master title style</a:t>
             </a:r>
+            <a:endParaRPr lang="en-US"/>
           </a:p>
         </p:txBody>
       </p:sp>
@@ -1759,37 +1759,38 @@
           <a:p>
             <a:pPr lvl="0"/>
             <a:r>
-              <a:rPr lang="en-US"/>
+              <a:rPr lang="en-US" smtClean="0"/>
               <a:t>Click to edit Master text styles</a:t>
             </a:r>
           </a:p>
           <a:p>
             <a:pPr lvl="1"/>
             <a:r>
-              <a:rPr lang="en-US"/>
+              <a:rPr lang="en-US" smtClean="0"/>
               <a:t>Second level</a:t>
             </a:r>
           </a:p>
           <a:p>
             <a:pPr lvl="2"/>
             <a:r>
-              <a:rPr lang="en-US"/>
+              <a:rPr lang="en-US" smtClean="0"/>
               <a:t>Third level</a:t>
             </a:r>
           </a:p>
           <a:p>
             <a:pPr lvl="3"/>
             <a:r>
-              <a:rPr lang="en-US"/>
+              <a:rPr lang="en-US" smtClean="0"/>
               <a:t>Fourth level</a:t>
             </a:r>
           </a:p>
           <a:p>
             <a:pPr lvl="4"/>
             <a:r>
-              <a:rPr lang="en-US"/>
+              <a:rPr lang="en-US" smtClean="0"/>
               <a:t>Fifth level</a:t>
             </a:r>
+            <a:endParaRPr lang="en-US"/>
           </a:p>
         </p:txBody>
       </p:sp>
@@ -1843,37 +1844,38 @@
           <a:p>
             <a:pPr lvl="0"/>
             <a:r>
-              <a:rPr lang="en-US"/>
+              <a:rPr lang="en-US" smtClean="0"/>
               <a:t>Click to edit Master text styles</a:t>
             </a:r>
           </a:p>
           <a:p>
             <a:pPr lvl="1"/>
             <a:r>
-              <a:rPr lang="en-US"/>
+              <a:rPr lang="en-US" smtClean="0"/>
               <a:t>Second level</a:t>
             </a:r>
           </a:p>
           <a:p>
             <a:pPr lvl="2"/>
             <a:r>
-              <a:rPr lang="en-US"/>
+              <a:rPr lang="en-US" smtClean="0"/>
               <a:t>Third level</a:t>
             </a:r>
           </a:p>
           <a:p>
             <a:pPr lvl="3"/>
             <a:r>
-              <a:rPr lang="en-US"/>
+              <a:rPr lang="en-US" smtClean="0"/>
               <a:t>Fourth level</a:t>
             </a:r>
           </a:p>
           <a:p>
             <a:pPr lvl="4"/>
             <a:r>
-              <a:rPr lang="en-US"/>
+              <a:rPr lang="en-US" smtClean="0"/>
               <a:t>Fifth level</a:t>
             </a:r>
+            <a:endParaRPr lang="en-US"/>
           </a:p>
         </p:txBody>
       </p:sp>
@@ -1894,7 +1896,7 @@
           <a:p>
             <a:fld id="{43394E63-B418-1F4A-9C08-2548B9C5B3C1}" type="datetime1">
               <a:rPr lang="en-US" smtClean="0"/>
-              <a:t>2/18/2020</a:t>
+              <a:t>7/1/15</a:t>
             </a:fld>
             <a:endParaRPr lang="en-US"/>
           </a:p>
@@ -1916,9 +1918,10 @@
           <a:lstStyle/>
           <a:p>
             <a:r>
-              <a:rPr lang="en-US"/>
+              <a:rPr lang="en-US" smtClean="0"/>
               <a:t>Developed by TEALS in 2015  www.tealsk12.org</a:t>
             </a:r>
+            <a:endParaRPr lang="en-US"/>
           </a:p>
         </p:txBody>
       </p:sp>
@@ -1995,9 +1998,10 @@
           </a:lstStyle>
           <a:p>
             <a:r>
-              <a:rPr lang="en-US"/>
+              <a:rPr lang="en-US" smtClean="0"/>
               <a:t>Click to edit Master title style</a:t>
             </a:r>
+            <a:endParaRPr lang="en-US"/>
           </a:p>
         </p:txBody>
       </p:sp>
@@ -2060,7 +2064,7 @@
           <a:p>
             <a:pPr lvl="0"/>
             <a:r>
-              <a:rPr lang="en-US"/>
+              <a:rPr lang="en-US" smtClean="0"/>
               <a:t>Click to edit Master text styles</a:t>
             </a:r>
           </a:p>
@@ -2116,37 +2120,38 @@
           <a:p>
             <a:pPr lvl="0"/>
             <a:r>
-              <a:rPr lang="en-US"/>
+              <a:rPr lang="en-US" smtClean="0"/>
               <a:t>Click to edit Master text styles</a:t>
             </a:r>
           </a:p>
           <a:p>
             <a:pPr lvl="1"/>
             <a:r>
-              <a:rPr lang="en-US"/>
+              <a:rPr lang="en-US" smtClean="0"/>
               <a:t>Second level</a:t>
             </a:r>
           </a:p>
           <a:p>
             <a:pPr lvl="2"/>
             <a:r>
-              <a:rPr lang="en-US"/>
+              <a:rPr lang="en-US" smtClean="0"/>
               <a:t>Third level</a:t>
             </a:r>
           </a:p>
           <a:p>
             <a:pPr lvl="3"/>
             <a:r>
-              <a:rPr lang="en-US"/>
+              <a:rPr lang="en-US" smtClean="0"/>
               <a:t>Fourth level</a:t>
             </a:r>
           </a:p>
           <a:p>
             <a:pPr lvl="4"/>
             <a:r>
-              <a:rPr lang="en-US"/>
+              <a:rPr lang="en-US" smtClean="0"/>
               <a:t>Fifth level</a:t>
             </a:r>
+            <a:endParaRPr lang="en-US"/>
           </a:p>
         </p:txBody>
       </p:sp>
@@ -2209,7 +2214,7 @@
           <a:p>
             <a:pPr lvl="0"/>
             <a:r>
-              <a:rPr lang="en-US"/>
+              <a:rPr lang="en-US" smtClean="0"/>
               <a:t>Click to edit Master text styles</a:t>
             </a:r>
           </a:p>
@@ -2265,37 +2270,38 @@
           <a:p>
             <a:pPr lvl="0"/>
             <a:r>
-              <a:rPr lang="en-US"/>
+              <a:rPr lang="en-US" smtClean="0"/>
               <a:t>Click to edit Master text styles</a:t>
             </a:r>
           </a:p>
           <a:p>
             <a:pPr lvl="1"/>
             <a:r>
-              <a:rPr lang="en-US"/>
+              <a:rPr lang="en-US" smtClean="0"/>
               <a:t>Second level</a:t>
             </a:r>
           </a:p>
           <a:p>
             <a:pPr lvl="2"/>
             <a:r>
-              <a:rPr lang="en-US"/>
+              <a:rPr lang="en-US" smtClean="0"/>
               <a:t>Third level</a:t>
             </a:r>
           </a:p>
           <a:p>
             <a:pPr lvl="3"/>
             <a:r>
-              <a:rPr lang="en-US"/>
+              <a:rPr lang="en-US" smtClean="0"/>
               <a:t>Fourth level</a:t>
             </a:r>
           </a:p>
           <a:p>
             <a:pPr lvl="4"/>
             <a:r>
-              <a:rPr lang="en-US"/>
+              <a:rPr lang="en-US" smtClean="0"/>
               <a:t>Fifth level</a:t>
             </a:r>
+            <a:endParaRPr lang="en-US"/>
           </a:p>
         </p:txBody>
       </p:sp>
@@ -2316,7 +2322,7 @@
           <a:p>
             <a:fld id="{6F92EF41-DD41-C742-BC3B-970F41658B68}" type="datetime1">
               <a:rPr lang="en-US" smtClean="0"/>
-              <a:t>2/18/2020</a:t>
+              <a:t>7/1/15</a:t>
             </a:fld>
             <a:endParaRPr lang="en-US"/>
           </a:p>
@@ -2338,9 +2344,10 @@
           <a:lstStyle/>
           <a:p>
             <a:r>
-              <a:rPr lang="en-US"/>
+              <a:rPr lang="en-US" smtClean="0"/>
               <a:t>Developed by TEALS in 2015  www.tealsk12.org</a:t>
             </a:r>
+            <a:endParaRPr lang="en-US"/>
           </a:p>
         </p:txBody>
       </p:sp>
@@ -2413,9 +2420,10 @@
           <a:lstStyle/>
           <a:p>
             <a:r>
-              <a:rPr lang="en-US"/>
+              <a:rPr lang="en-US" smtClean="0"/>
               <a:t>Click to edit Master title style</a:t>
             </a:r>
+            <a:endParaRPr lang="en-US"/>
           </a:p>
         </p:txBody>
       </p:sp>
@@ -2436,7 +2444,7 @@
           <a:p>
             <a:fld id="{631009B9-6DC3-0349-8BB5-CE1E5B2C68D1}" type="datetime1">
               <a:rPr lang="en-US" smtClean="0"/>
-              <a:t>2/18/2020</a:t>
+              <a:t>7/1/15</a:t>
             </a:fld>
             <a:endParaRPr lang="en-US"/>
           </a:p>
@@ -2458,9 +2466,10 @@
           <a:lstStyle/>
           <a:p>
             <a:r>
-              <a:rPr lang="en-US"/>
+              <a:rPr lang="en-US" smtClean="0"/>
               <a:t>Developed by TEALS in 2015  www.tealsk12.org</a:t>
             </a:r>
+            <a:endParaRPr lang="en-US"/>
           </a:p>
         </p:txBody>
       </p:sp>
@@ -2534,7 +2543,7 @@
           <a:p>
             <a:fld id="{DBD68779-2025-B44F-AD23-DF62F9874F1B}" type="datetime1">
               <a:rPr lang="en-US" smtClean="0"/>
-              <a:t>2/18/2020</a:t>
+              <a:t>7/1/15</a:t>
             </a:fld>
             <a:endParaRPr lang="en-US"/>
           </a:p>
@@ -2556,9 +2565,10 @@
           <a:lstStyle/>
           <a:p>
             <a:r>
-              <a:rPr lang="en-US"/>
+              <a:rPr lang="en-US" smtClean="0"/>
               <a:t>Developed by TEALS in 2015  www.tealsk12.org</a:t>
             </a:r>
+            <a:endParaRPr lang="en-US"/>
           </a:p>
         </p:txBody>
       </p:sp>
@@ -2640,9 +2650,10 @@
           </a:lstStyle>
           <a:p>
             <a:r>
-              <a:rPr lang="en-US"/>
+              <a:rPr lang="en-US" smtClean="0"/>
               <a:t>Click to edit Master title style</a:t>
             </a:r>
+            <a:endParaRPr lang="en-US"/>
           </a:p>
         </p:txBody>
       </p:sp>
@@ -2696,37 +2707,38 @@
           <a:p>
             <a:pPr lvl="0"/>
             <a:r>
-              <a:rPr lang="en-US"/>
+              <a:rPr lang="en-US" smtClean="0"/>
               <a:t>Click to edit Master text styles</a:t>
             </a:r>
           </a:p>
           <a:p>
             <a:pPr lvl="1"/>
             <a:r>
-              <a:rPr lang="en-US"/>
+              <a:rPr lang="en-US" smtClean="0"/>
               <a:t>Second level</a:t>
             </a:r>
           </a:p>
           <a:p>
             <a:pPr lvl="2"/>
             <a:r>
-              <a:rPr lang="en-US"/>
+              <a:rPr lang="en-US" smtClean="0"/>
               <a:t>Third level</a:t>
             </a:r>
           </a:p>
           <a:p>
             <a:pPr lvl="3"/>
             <a:r>
-              <a:rPr lang="en-US"/>
+              <a:rPr lang="en-US" smtClean="0"/>
               <a:t>Fourth level</a:t>
             </a:r>
           </a:p>
           <a:p>
             <a:pPr lvl="4"/>
             <a:r>
-              <a:rPr lang="en-US"/>
+              <a:rPr lang="en-US" smtClean="0"/>
               <a:t>Fifth level</a:t>
             </a:r>
+            <a:endParaRPr lang="en-US"/>
           </a:p>
         </p:txBody>
       </p:sp>
@@ -2789,7 +2801,7 @@
           <a:p>
             <a:pPr lvl="0"/>
             <a:r>
-              <a:rPr lang="en-US"/>
+              <a:rPr lang="en-US" smtClean="0"/>
               <a:t>Click to edit Master text styles</a:t>
             </a:r>
           </a:p>
@@ -2812,7 +2824,7 @@
           <a:p>
             <a:fld id="{1C533E1B-B859-DB4E-86F0-BE8C9C0ABFF7}" type="datetime1">
               <a:rPr lang="en-US" smtClean="0"/>
-              <a:t>2/18/2020</a:t>
+              <a:t>7/1/15</a:t>
             </a:fld>
             <a:endParaRPr lang="en-US"/>
           </a:p>
@@ -2834,9 +2846,10 @@
           <a:lstStyle/>
           <a:p>
             <a:r>
-              <a:rPr lang="en-US"/>
+              <a:rPr lang="en-US" smtClean="0"/>
               <a:t>Developed by TEALS in 2015  www.tealsk12.org</a:t>
             </a:r>
+            <a:endParaRPr lang="en-US"/>
           </a:p>
         </p:txBody>
       </p:sp>
@@ -2918,9 +2931,10 @@
           </a:lstStyle>
           <a:p>
             <a:r>
-              <a:rPr lang="en-US"/>
+              <a:rPr lang="en-US" smtClean="0"/>
               <a:t>Click to edit Master title style</a:t>
             </a:r>
+            <a:endParaRPr lang="en-US"/>
           </a:p>
         </p:txBody>
       </p:sp>
@@ -3044,7 +3058,7 @@
           <a:p>
             <a:pPr lvl="0"/>
             <a:r>
-              <a:rPr lang="en-US"/>
+              <a:rPr lang="en-US" smtClean="0"/>
               <a:t>Click to edit Master text styles</a:t>
             </a:r>
           </a:p>
@@ -3067,7 +3081,7 @@
           <a:p>
             <a:fld id="{AC1EAEA1-8470-6B4A-8D60-97578450ABB9}" type="datetime1">
               <a:rPr lang="en-US" smtClean="0"/>
-              <a:t>2/18/2020</a:t>
+              <a:t>7/1/15</a:t>
             </a:fld>
             <a:endParaRPr lang="en-US"/>
           </a:p>
@@ -3089,9 +3103,10 @@
           <a:lstStyle/>
           <a:p>
             <a:r>
-              <a:rPr lang="en-US"/>
+              <a:rPr lang="en-US" smtClean="0"/>
               <a:t>Developed by TEALS in 2015  www.tealsk12.org</a:t>
             </a:r>
+            <a:endParaRPr lang="en-US"/>
           </a:p>
         </p:txBody>
       </p:sp>
@@ -3179,9 +3194,10 @@
           <a:lstStyle/>
           <a:p>
             <a:r>
-              <a:rPr lang="en-US"/>
+              <a:rPr lang="en-US" smtClean="0"/>
               <a:t>Click to edit Master title style</a:t>
             </a:r>
+            <a:endParaRPr lang="en-US"/>
           </a:p>
         </p:txBody>
       </p:sp>
@@ -3212,37 +3228,38 @@
           <a:p>
             <a:pPr lvl="0"/>
             <a:r>
-              <a:rPr lang="en-US"/>
+              <a:rPr lang="en-US" smtClean="0"/>
               <a:t>Click to edit Master text styles</a:t>
             </a:r>
           </a:p>
           <a:p>
             <a:pPr lvl="1"/>
             <a:r>
-              <a:rPr lang="en-US"/>
+              <a:rPr lang="en-US" smtClean="0"/>
               <a:t>Second level</a:t>
             </a:r>
           </a:p>
           <a:p>
             <a:pPr lvl="2"/>
             <a:r>
-              <a:rPr lang="en-US"/>
+              <a:rPr lang="en-US" smtClean="0"/>
               <a:t>Third level</a:t>
             </a:r>
           </a:p>
           <a:p>
             <a:pPr lvl="3"/>
             <a:r>
-              <a:rPr lang="en-US"/>
+              <a:rPr lang="en-US" smtClean="0"/>
               <a:t>Fourth level</a:t>
             </a:r>
           </a:p>
           <a:p>
             <a:pPr lvl="4"/>
             <a:r>
-              <a:rPr lang="en-US"/>
+              <a:rPr lang="en-US" smtClean="0"/>
               <a:t>Fifth level</a:t>
             </a:r>
+            <a:endParaRPr lang="en-US"/>
           </a:p>
         </p:txBody>
       </p:sp>
@@ -3281,7 +3298,7 @@
           <a:p>
             <a:fld id="{EB2A284D-251E-7046-B0B7-6A85726BD855}" type="datetime1">
               <a:rPr lang="en-US" smtClean="0"/>
-              <a:t>2/18/2020</a:t>
+              <a:t>7/1/15</a:t>
             </a:fld>
             <a:endParaRPr lang="en-US"/>
           </a:p>
@@ -3321,9 +3338,10 @@
           </a:lstStyle>
           <a:p>
             <a:r>
-              <a:rPr lang="en-US"/>
+              <a:rPr lang="en-US" smtClean="0"/>
               <a:t>Developed by TEALS in 2015  www.tealsk12.org</a:t>
             </a:r>
+            <a:endParaRPr lang="en-US"/>
           </a:p>
         </p:txBody>
       </p:sp>
@@ -3678,17 +3696,22 @@
           <a:lstStyle/>
           <a:p>
             <a:r>
-              <a:rPr lang="en-US" b="1" dirty="0"/>
+              <a:rPr lang="en-US" b="1" dirty="0" smtClean="0"/>
               <a:t>Lesson 2.0 </a:t>
             </a:r>
             <a:r>
-              <a:rPr lang="en-US" dirty="0">
+              <a:rPr lang="en-US" dirty="0" smtClean="0">
                 <a:solidFill>
                   <a:srgbClr val="17B1AA"/>
                 </a:solidFill>
               </a:rPr>
               <a:t>Test Review and Reteach</a:t>
             </a:r>
+            <a:endParaRPr lang="en-US" dirty="0">
+              <a:solidFill>
+                <a:srgbClr val="17B1AA"/>
+              </a:solidFill>
+            </a:endParaRPr>
           </a:p>
         </p:txBody>
       </p:sp>
@@ -3717,29 +3740,34 @@
               </a:rPr>
               <a:t>Objectives </a:t>
             </a:r>
-          </a:p>
-          <a:p>
-            <a:pPr lvl="1"/>
-            <a:r>
-              <a:rPr lang="en-US" b="1" dirty="0"/>
-              <a:t>Re-learn or strengthen</a:t>
-            </a:r>
-            <a:r>
-              <a:rPr lang="en-US" dirty="0"/>
-              <a:t> content knowledge and skills from Unit 1.</a:t>
-            </a:r>
-            <a:endParaRPr lang="en-US" b="1" dirty="0"/>
-          </a:p>
-          <a:p>
-            <a:endParaRPr lang="en-US" dirty="0">
+            <a:endParaRPr lang="en-US" dirty="0" smtClean="0">
               <a:solidFill>
                 <a:srgbClr val="17B1AA"/>
               </a:solidFill>
             </a:endParaRPr>
           </a:p>
           <a:p>
-            <a:r>
-              <a:rPr lang="en-US" dirty="0">
+            <a:pPr lvl="1"/>
+            <a:r>
+              <a:rPr lang="en-US" b="1" dirty="0" smtClean="0"/>
+              <a:t>Re-learn or strengthen</a:t>
+            </a:r>
+            <a:r>
+              <a:rPr lang="en-US" dirty="0" smtClean="0"/>
+              <a:t> content knowledge and skills from Unit 1.</a:t>
+            </a:r>
+            <a:endParaRPr lang="en-US" b="1" dirty="0"/>
+          </a:p>
+          <a:p>
+            <a:endParaRPr lang="en-US" dirty="0" smtClean="0">
+              <a:solidFill>
+                <a:srgbClr val="17B1AA"/>
+              </a:solidFill>
+            </a:endParaRPr>
+          </a:p>
+          <a:p>
+            <a:r>
+              <a:rPr lang="en-US" dirty="0" smtClean="0">
                 <a:solidFill>
                   <a:srgbClr val="17B1AA"/>
                 </a:solidFill>
@@ -3750,11 +3778,11 @@
           <a:p>
             <a:pPr lvl="1"/>
             <a:r>
-              <a:rPr lang="en-US" b="1" dirty="0"/>
+              <a:rPr lang="en-US" b="1" dirty="0" smtClean="0"/>
               <a:t>Re-submit</a:t>
             </a:r>
             <a:r>
-              <a:rPr lang="en-US" dirty="0"/>
+              <a:rPr lang="en-US" dirty="0" smtClean="0"/>
               <a:t> test answers with updated corrections</a:t>
             </a:r>
             <a:endParaRPr lang="en-US" b="1" dirty="0"/>
@@ -3774,30 +3802,35 @@
               </a:rPr>
               <a:t>Homework </a:t>
             </a:r>
+            <a:endParaRPr lang="en-US" dirty="0" smtClean="0">
+              <a:solidFill>
+                <a:srgbClr val="17B1AA"/>
+              </a:solidFill>
+            </a:endParaRPr>
           </a:p>
           <a:p>
             <a:pPr lvl="1"/>
             <a:r>
-              <a:rPr lang="en-US" b="1" dirty="0"/>
+              <a:rPr lang="en-US" b="1" dirty="0" smtClean="0"/>
               <a:t>Read</a:t>
             </a:r>
             <a:r>
-              <a:rPr lang="en-US" dirty="0"/>
+              <a:rPr lang="en-US" dirty="0" smtClean="0"/>
               <a:t> HW 2.1 except for “Mixing Types and Casting”</a:t>
             </a:r>
           </a:p>
           <a:p>
             <a:pPr lvl="1"/>
             <a:r>
-              <a:rPr lang="en-US" b="1" dirty="0"/>
+              <a:rPr lang="en-US" b="1" dirty="0" smtClean="0"/>
               <a:t>Correct</a:t>
             </a:r>
             <a:r>
-              <a:rPr lang="en-US" dirty="0"/>
+              <a:rPr lang="en-US" dirty="0" smtClean="0"/>
               <a:t> any incorrect test answers by re-answering on a separate sheet </a:t>
             </a:r>
             <a:r>
-              <a:rPr lang="en-US"/>
+              <a:rPr lang="en-US" smtClean="0"/>
               <a:t>of paper</a:t>
             </a:r>
             <a:endParaRPr lang="en-US" b="1" dirty="0"/>
@@ -3823,9 +3856,10 @@
           <a:lstStyle/>
           <a:p>
             <a:r>
-              <a:rPr lang="en-US"/>
+              <a:rPr lang="en-US" smtClean="0"/>
               <a:t>Developed by TEALS in 2015  www.tealsk12.org</a:t>
             </a:r>
+            <a:endParaRPr lang="en-US"/>
           </a:p>
         </p:txBody>
       </p:sp>
@@ -3877,17 +3911,22 @@
           <a:lstStyle/>
           <a:p>
             <a:r>
-              <a:rPr lang="en-US" b="1" dirty="0"/>
+              <a:rPr lang="en-US" b="1" dirty="0" smtClean="0"/>
               <a:t>Lesson 2.9 </a:t>
             </a:r>
             <a:r>
-              <a:rPr lang="en-US" dirty="0">
+              <a:rPr lang="en-US" dirty="0" smtClean="0">
                 <a:solidFill>
                   <a:srgbClr val="17B1AA"/>
                 </a:solidFill>
               </a:rPr>
               <a:t>Programming Project</a:t>
             </a:r>
+            <a:endParaRPr lang="en-US" dirty="0">
+              <a:solidFill>
+                <a:srgbClr val="17B1AA"/>
+              </a:solidFill>
+            </a:endParaRPr>
           </a:p>
         </p:txBody>
       </p:sp>
@@ -3916,17 +3955,23 @@
               </a:rPr>
               <a:t>Objectives </a:t>
             </a:r>
+            <a:endParaRPr lang="en-US" dirty="0" smtClean="0">
+              <a:solidFill>
+                <a:srgbClr val="17B1AA"/>
+              </a:solidFill>
+            </a:endParaRPr>
           </a:p>
           <a:p>
             <a:pPr lvl="1"/>
             <a:r>
-              <a:rPr lang="en-US" b="1" dirty="0"/>
+              <a:rPr lang="en-US" b="1" dirty="0" smtClean="0"/>
               <a:t>Plan and construct</a:t>
             </a:r>
             <a:r>
-              <a:rPr lang="en-US" dirty="0"/>
+              <a:rPr lang="en-US" dirty="0" smtClean="0"/>
               <a:t> a structured program containing nested loops.</a:t>
             </a:r>
+            <a:endParaRPr lang="en-US" dirty="0"/>
           </a:p>
           <a:p>
             <a:pPr marL="0" indent="0">
@@ -3943,15 +3988,20 @@
               </a:rPr>
               <a:t>Assessments </a:t>
             </a:r>
+            <a:endParaRPr lang="en-US" dirty="0" smtClean="0">
+              <a:solidFill>
+                <a:srgbClr val="17B1AA"/>
+              </a:solidFill>
+            </a:endParaRPr>
           </a:p>
           <a:p>
             <a:pPr lvl="1"/>
             <a:r>
-              <a:rPr lang="en-US" b="1" dirty="0"/>
+              <a:rPr lang="en-US" b="1" dirty="0" smtClean="0"/>
               <a:t>Submit</a:t>
             </a:r>
             <a:r>
-              <a:rPr lang="en-US" dirty="0"/>
+              <a:rPr lang="en-US" dirty="0" smtClean="0"/>
               <a:t> a complete, functional program by the end of class.</a:t>
             </a:r>
           </a:p>
@@ -3959,11 +4009,11 @@
             <a:pPr marL="0" indent="0">
               <a:buNone/>
             </a:pPr>
-            <a:endParaRPr lang="en-US" dirty="0"/>
-          </a:p>
-          <a:p>
-            <a:r>
-              <a:rPr lang="en-US" dirty="0">
+            <a:endParaRPr lang="en-US" dirty="0" smtClean="0"/>
+          </a:p>
+          <a:p>
+            <a:r>
+              <a:rPr lang="en-US" dirty="0" smtClean="0">
                 <a:solidFill>
                   <a:srgbClr val="17B1AA"/>
                 </a:solidFill>
@@ -3974,17 +4024,18 @@
           <a:p>
             <a:pPr lvl="1"/>
             <a:r>
-              <a:rPr lang="en-US" b="1" dirty="0"/>
+              <a:rPr lang="en-US" b="1" dirty="0" smtClean="0"/>
               <a:t>Complete</a:t>
             </a:r>
             <a:r>
-              <a:rPr lang="en-US" dirty="0"/>
+              <a:rPr lang="en-US" dirty="0" smtClean="0"/>
               <a:t> practice questions with class constants.</a:t>
             </a:r>
-          </a:p>
-          <a:p>
             <a:endParaRPr lang="en-US" dirty="0"/>
           </a:p>
+          <a:p>
+            <a:endParaRPr lang="en-US" dirty="0"/>
+          </a:p>
         </p:txBody>
       </p:sp>
       <p:sp>
@@ -4003,9 +4054,10 @@
           <a:lstStyle/>
           <a:p>
             <a:r>
-              <a:rPr lang="en-US"/>
+              <a:rPr lang="en-US" smtClean="0"/>
               <a:t>Developed by TEALS in 2015  www.tealsk12.org</a:t>
             </a:r>
+            <a:endParaRPr lang="en-US"/>
           </a:p>
         </p:txBody>
       </p:sp>
@@ -4057,17 +4109,22 @@
           <a:lstStyle/>
           <a:p>
             <a:r>
-              <a:rPr lang="en-US" b="1" dirty="0"/>
+              <a:rPr lang="en-US" b="1" dirty="0" smtClean="0"/>
               <a:t>Lesson 2.10 </a:t>
             </a:r>
             <a:r>
-              <a:rPr lang="en-US" dirty="0">
+              <a:rPr lang="en-US" dirty="0" smtClean="0">
                 <a:solidFill>
                   <a:srgbClr val="17B1AA"/>
                 </a:solidFill>
               </a:rPr>
               <a:t>Finding and Fixing Errors</a:t>
             </a:r>
+            <a:endParaRPr lang="en-US" dirty="0">
+              <a:solidFill>
+                <a:srgbClr val="17B1AA"/>
+              </a:solidFill>
+            </a:endParaRPr>
           </a:p>
         </p:txBody>
       </p:sp>
@@ -4096,26 +4153,31 @@
               </a:rPr>
               <a:t>Objectives </a:t>
             </a:r>
+            <a:endParaRPr lang="en-US" dirty="0" smtClean="0">
+              <a:solidFill>
+                <a:srgbClr val="17B1AA"/>
+              </a:solidFill>
+            </a:endParaRPr>
           </a:p>
           <a:p>
             <a:pPr lvl="1"/>
             <a:r>
-              <a:rPr lang="en-US" b="1" dirty="0"/>
+              <a:rPr lang="en-US" b="1" dirty="0" smtClean="0"/>
               <a:t>Find</a:t>
             </a:r>
             <a:r>
-              <a:rPr lang="en-US" dirty="0"/>
+              <a:rPr lang="en-US" dirty="0" smtClean="0"/>
               <a:t> errors in returned homework assignments.</a:t>
             </a:r>
           </a:p>
           <a:p>
             <a:pPr lvl="1"/>
             <a:r>
-              <a:rPr lang="en-US" b="1" dirty="0"/>
+              <a:rPr lang="en-US" b="1" dirty="0" smtClean="0"/>
               <a:t>Correct</a:t>
             </a:r>
             <a:r>
-              <a:rPr lang="en-US" dirty="0"/>
+              <a:rPr lang="en-US" dirty="0" smtClean="0"/>
               <a:t> code</a:t>
             </a:r>
             <a:endParaRPr lang="en-US" b="1" dirty="0"/>
@@ -4135,6 +4197,11 @@
               </a:rPr>
               <a:t>Assessments </a:t>
             </a:r>
+            <a:endParaRPr lang="en-US" dirty="0" smtClean="0">
+              <a:solidFill>
+                <a:srgbClr val="17B1AA"/>
+              </a:solidFill>
+            </a:endParaRPr>
           </a:p>
           <a:p>
             <a:pPr lvl="1"/>
@@ -4144,8 +4211,13 @@
             </a:r>
             <a:r>
               <a:rPr lang="en-US" dirty="0"/>
-              <a:t> all homework assignments with corrected answers.</a:t>
-            </a:r>
+              <a:t> all homework assignments with corrected </a:t>
+            </a:r>
+            <a:r>
+              <a:rPr lang="en-US" dirty="0" smtClean="0"/>
+              <a:t>answers.</a:t>
+            </a:r>
+            <a:endParaRPr lang="en-US" dirty="0"/>
           </a:p>
           <a:p>
             <a:pPr marL="0" indent="0">
@@ -4162,6 +4234,11 @@
               </a:rPr>
               <a:t>Homework </a:t>
             </a:r>
+            <a:endParaRPr lang="en-US" dirty="0" smtClean="0">
+              <a:solidFill>
+                <a:srgbClr val="17B1AA"/>
+              </a:solidFill>
+            </a:endParaRPr>
           </a:p>
           <a:p>
             <a:pPr lvl="1"/>
@@ -4228,9 +4305,10 @@
           <a:lstStyle/>
           <a:p>
             <a:r>
-              <a:rPr lang="en-US"/>
+              <a:rPr lang="en-US" smtClean="0"/>
               <a:t>Developed by TEALS in 2015  www.tealsk12.org</a:t>
             </a:r>
+            <a:endParaRPr lang="en-US"/>
           </a:p>
         </p:txBody>
       </p:sp>
@@ -4280,17 +4358,22 @@
           <a:lstStyle/>
           <a:p>
             <a:r>
-              <a:rPr lang="en-US" b="1" dirty="0"/>
+              <a:rPr lang="en-US" b="1" dirty="0" smtClean="0"/>
               <a:t>Lesson 2.11 </a:t>
             </a:r>
             <a:r>
-              <a:rPr lang="en-US" dirty="0">
+              <a:rPr lang="en-US" dirty="0" smtClean="0">
                 <a:solidFill>
                   <a:srgbClr val="17B1AA"/>
                 </a:solidFill>
               </a:rPr>
               <a:t>Review</a:t>
             </a:r>
+            <a:endParaRPr lang="en-US" dirty="0">
+              <a:solidFill>
+                <a:srgbClr val="17B1AA"/>
+              </a:solidFill>
+            </a:endParaRPr>
           </a:p>
         </p:txBody>
       </p:sp>
@@ -4319,16 +4402,41 @@
               </a:rPr>
               <a:t>Objectives </a:t>
             </a:r>
+            <a:endParaRPr lang="en-US" dirty="0" smtClean="0">
+              <a:solidFill>
+                <a:srgbClr val="17B1AA"/>
+              </a:solidFill>
+            </a:endParaRPr>
           </a:p>
           <a:p>
             <a:pPr lvl="1"/>
             <a:r>
-              <a:rPr lang="en-US" b="1" dirty="0"/>
+              <a:rPr lang="en-US" b="1" dirty="0" smtClean="0"/>
               <a:t>Identify</a:t>
             </a:r>
             <a:r>
+              <a:rPr lang="en-US" dirty="0" smtClean="0"/>
+              <a:t> </a:t>
+            </a:r>
+            <a:r>
               <a:rPr lang="en-US" dirty="0"/>
-              <a:t> weaknesses in Unit 2 knowledge.</a:t>
+              <a:t>weaknesses in </a:t>
+            </a:r>
+            <a:r>
+              <a:rPr lang="en-US" dirty="0" smtClean="0"/>
+              <a:t>Unit </a:t>
+            </a:r>
+            <a:r>
+              <a:rPr lang="en-US" dirty="0"/>
+              <a:t>2</a:t>
+            </a:r>
+            <a:r>
+              <a:rPr lang="en-US" dirty="0" smtClean="0"/>
+              <a:t> </a:t>
+            </a:r>
+            <a:r>
+              <a:rPr lang="en-US" dirty="0"/>
+              <a:t>knowledge.</a:t>
             </a:r>
           </a:p>
           <a:p>
@@ -4346,16 +4454,25 @@
               </a:rPr>
               <a:t>Assessments </a:t>
             </a:r>
+            <a:endParaRPr lang="en-US" dirty="0" smtClean="0">
+              <a:solidFill>
+                <a:srgbClr val="17B1AA"/>
+              </a:solidFill>
+            </a:endParaRPr>
           </a:p>
           <a:p>
             <a:pPr lvl="1"/>
             <a:r>
-              <a:rPr lang="en-US" b="1" dirty="0"/>
+              <a:rPr lang="en-US" b="1" dirty="0" smtClean="0"/>
               <a:t>Create</a:t>
             </a:r>
             <a:r>
+              <a:rPr lang="en-US" dirty="0" smtClean="0"/>
+              <a:t> </a:t>
+            </a:r>
+            <a:r>
               <a:rPr lang="en-US" dirty="0"/>
-              <a:t> a personalized list of review topics to guide tonight’s study session.</a:t>
+              <a:t>a personalized list of review topics to guide tonight’s study session.</a:t>
             </a:r>
           </a:p>
           <a:p>
@@ -4373,16 +4490,25 @@
               </a:rPr>
               <a:t>Homework </a:t>
             </a:r>
+            <a:endParaRPr lang="en-US" dirty="0" smtClean="0">
+              <a:solidFill>
+                <a:srgbClr val="17B1AA"/>
+              </a:solidFill>
+            </a:endParaRPr>
           </a:p>
           <a:p>
             <a:pPr lvl="1"/>
             <a:r>
-              <a:rPr lang="en-US" b="1" dirty="0"/>
+              <a:rPr lang="en-US" b="1" dirty="0" smtClean="0"/>
               <a:t>Study</a:t>
             </a:r>
             <a:r>
+              <a:rPr lang="en-US" dirty="0" smtClean="0"/>
+              <a:t> </a:t>
+            </a:r>
+            <a:r>
               <a:rPr lang="en-US" dirty="0"/>
-              <a:t> for tomorrow’s test!</a:t>
+              <a:t>for tomorrow’s test!</a:t>
             </a:r>
           </a:p>
           <a:p>
@@ -4406,9 +4532,10 @@
           <a:lstStyle/>
           <a:p>
             <a:r>
-              <a:rPr lang="en-US"/>
+              <a:rPr lang="en-US" smtClean="0"/>
               <a:t>Developed by TEALS in 2015  www.tealsk12.org</a:t>
             </a:r>
+            <a:endParaRPr lang="en-US"/>
           </a:p>
         </p:txBody>
       </p:sp>
@@ -4460,17 +4587,22 @@
           <a:lstStyle/>
           <a:p>
             <a:r>
-              <a:rPr lang="en-US" b="1" dirty="0"/>
+              <a:rPr lang="en-US" b="1" dirty="0" smtClean="0"/>
               <a:t>Lesson 2.1 </a:t>
             </a:r>
             <a:r>
-              <a:rPr lang="en-US" dirty="0">
+              <a:rPr lang="en-US" dirty="0" smtClean="0">
                 <a:solidFill>
                   <a:srgbClr val="17B1AA"/>
                 </a:solidFill>
               </a:rPr>
               <a:t>Basic Data Concepts</a:t>
             </a:r>
+            <a:endParaRPr lang="en-US" dirty="0">
+              <a:solidFill>
+                <a:srgbClr val="17B1AA"/>
+              </a:solidFill>
+            </a:endParaRPr>
           </a:p>
         </p:txBody>
       </p:sp>
@@ -4499,51 +4631,56 @@
               </a:rPr>
               <a:t>Objectives </a:t>
             </a:r>
-          </a:p>
-          <a:p>
-            <a:pPr lvl="1"/>
-            <a:r>
-              <a:rPr lang="en-US" b="1" dirty="0"/>
-              <a:t>Identify and categorize</a:t>
-            </a:r>
-            <a:r>
-              <a:rPr lang="en-US" dirty="0"/>
-              <a:t> data types</a:t>
-            </a:r>
-          </a:p>
-          <a:p>
-            <a:pPr lvl="1"/>
-            <a:r>
-              <a:rPr lang="en-US" b="1" dirty="0"/>
-              <a:t>Identify</a:t>
-            </a:r>
-            <a:r>
-              <a:rPr lang="en-US" dirty="0"/>
-              <a:t> operators and operands</a:t>
-            </a:r>
-          </a:p>
-          <a:p>
-            <a:pPr lvl="1"/>
-            <a:r>
-              <a:rPr lang="en-US" b="1" dirty="0"/>
-              <a:t>Correctly apply</a:t>
-            </a:r>
-            <a:r>
-              <a:rPr lang="en-US" dirty="0"/>
-              <a:t> rules of precedence</a:t>
-            </a:r>
-            <a:endParaRPr lang="en-US" b="1" dirty="0"/>
-          </a:p>
-          <a:p>
-            <a:endParaRPr lang="en-US" dirty="0">
+            <a:endParaRPr lang="en-US" dirty="0" smtClean="0">
               <a:solidFill>
                 <a:srgbClr val="17B1AA"/>
               </a:solidFill>
             </a:endParaRPr>
           </a:p>
           <a:p>
-            <a:r>
-              <a:rPr lang="en-US" dirty="0">
+            <a:pPr lvl="1"/>
+            <a:r>
+              <a:rPr lang="en-US" b="1" dirty="0" smtClean="0"/>
+              <a:t>Identify and categorize</a:t>
+            </a:r>
+            <a:r>
+              <a:rPr lang="en-US" dirty="0" smtClean="0"/>
+              <a:t> data types</a:t>
+            </a:r>
+          </a:p>
+          <a:p>
+            <a:pPr lvl="1"/>
+            <a:r>
+              <a:rPr lang="en-US" b="1" dirty="0" smtClean="0"/>
+              <a:t>Identify</a:t>
+            </a:r>
+            <a:r>
+              <a:rPr lang="en-US" dirty="0" smtClean="0"/>
+              <a:t> operators and operands</a:t>
+            </a:r>
+          </a:p>
+          <a:p>
+            <a:pPr lvl="1"/>
+            <a:r>
+              <a:rPr lang="en-US" b="1" dirty="0" smtClean="0"/>
+              <a:t>Correctly apply</a:t>
+            </a:r>
+            <a:r>
+              <a:rPr lang="en-US" dirty="0" smtClean="0"/>
+              <a:t> rules of precedence</a:t>
+            </a:r>
+            <a:endParaRPr lang="en-US" b="1" dirty="0"/>
+          </a:p>
+          <a:p>
+            <a:endParaRPr lang="en-US" dirty="0" smtClean="0">
+              <a:solidFill>
+                <a:srgbClr val="17B1AA"/>
+              </a:solidFill>
+            </a:endParaRPr>
+          </a:p>
+          <a:p>
+            <a:r>
+              <a:rPr lang="en-US" dirty="0" smtClean="0">
                 <a:solidFill>
                   <a:srgbClr val="17B1AA"/>
                 </a:solidFill>
@@ -4554,22 +4691,22 @@
           <a:p>
             <a:pPr lvl="1"/>
             <a:r>
-              <a:rPr lang="en-US" b="1" dirty="0"/>
+              <a:rPr lang="en-US" b="1" dirty="0" smtClean="0"/>
               <a:t>Write</a:t>
             </a:r>
             <a:r>
-              <a:rPr lang="en-US" dirty="0"/>
+              <a:rPr lang="en-US" dirty="0" smtClean="0"/>
               <a:t> code that yields a given answer, using rules of precedence</a:t>
             </a:r>
           </a:p>
           <a:p>
             <a:pPr lvl="1"/>
             <a:r>
-              <a:rPr lang="en-US" b="1" dirty="0"/>
+              <a:rPr lang="en-US" b="1" dirty="0" smtClean="0"/>
               <a:t>Create</a:t>
             </a:r>
             <a:r>
-              <a:rPr lang="en-US" dirty="0"/>
+              <a:rPr lang="en-US" dirty="0" smtClean="0"/>
               <a:t> expressions and predict output using operator/operand expressions</a:t>
             </a:r>
             <a:endParaRPr lang="en-US" b="1" dirty="0"/>
@@ -4589,26 +4726,31 @@
               </a:rPr>
               <a:t>Homework </a:t>
             </a:r>
+            <a:endParaRPr lang="en-US" dirty="0" smtClean="0">
+              <a:solidFill>
+                <a:srgbClr val="17B1AA"/>
+              </a:solidFill>
+            </a:endParaRPr>
           </a:p>
           <a:p>
             <a:pPr lvl="1"/>
             <a:r>
-              <a:rPr lang="en-US" b="1" dirty="0"/>
+              <a:rPr lang="en-US" b="1" dirty="0" smtClean="0"/>
               <a:t>Complete</a:t>
             </a:r>
             <a:r>
-              <a:rPr lang="en-US" dirty="0"/>
+              <a:rPr lang="en-US" dirty="0" smtClean="0"/>
               <a:t> self-check questions 1-4</a:t>
             </a:r>
           </a:p>
           <a:p>
             <a:pPr lvl="1"/>
             <a:r>
-              <a:rPr lang="en-US" b="1" dirty="0"/>
+              <a:rPr lang="en-US" b="1" dirty="0" smtClean="0"/>
               <a:t>Read</a:t>
             </a:r>
             <a:r>
-              <a:rPr lang="en-US" dirty="0"/>
+              <a:rPr lang="en-US" dirty="0" smtClean="0"/>
               <a:t> HW 2.2 up to “String Concatenation”</a:t>
             </a:r>
             <a:endParaRPr lang="en-US" b="1" dirty="0"/>
@@ -4634,9 +4776,10 @@
           <a:lstStyle/>
           <a:p>
             <a:r>
-              <a:rPr lang="en-US"/>
+              <a:rPr lang="en-US" smtClean="0"/>
               <a:t>Developed by TEALS in 2015  www.tealsk12.org</a:t>
             </a:r>
+            <a:endParaRPr lang="en-US"/>
           </a:p>
         </p:txBody>
       </p:sp>
@@ -4688,17 +4831,22 @@
           <a:lstStyle/>
           <a:p>
             <a:r>
-              <a:rPr lang="en-US" b="1" dirty="0"/>
+              <a:rPr lang="en-US" b="1" dirty="0" smtClean="0"/>
               <a:t>Lesson 2.2 </a:t>
             </a:r>
             <a:r>
-              <a:rPr lang="en-US" dirty="0">
+              <a:rPr lang="en-US" dirty="0" smtClean="0">
                 <a:solidFill>
                   <a:srgbClr val="17B1AA"/>
                 </a:solidFill>
               </a:rPr>
               <a:t>Declaring and Assigning Variables</a:t>
             </a:r>
+            <a:endParaRPr lang="en-US" dirty="0">
+              <a:solidFill>
+                <a:srgbClr val="17B1AA"/>
+              </a:solidFill>
+            </a:endParaRPr>
           </a:p>
         </p:txBody>
       </p:sp>
@@ -4727,17 +4875,23 @@
               </a:rPr>
               <a:t>Objectives </a:t>
             </a:r>
+            <a:endParaRPr lang="en-US" dirty="0" smtClean="0">
+              <a:solidFill>
+                <a:srgbClr val="17B1AA"/>
+              </a:solidFill>
+            </a:endParaRPr>
           </a:p>
           <a:p>
             <a:pPr lvl="1"/>
             <a:r>
-              <a:rPr lang="en-US" b="1" dirty="0"/>
+              <a:rPr lang="en-US" b="1" dirty="0" smtClean="0"/>
               <a:t>Identify, declare, and assign</a:t>
             </a:r>
             <a:r>
-              <a:rPr lang="en-US" dirty="0"/>
+              <a:rPr lang="en-US" dirty="0" smtClean="0"/>
               <a:t> variables.</a:t>
             </a:r>
+            <a:endParaRPr lang="en-US" dirty="0"/>
           </a:p>
           <a:p>
             <a:pPr marL="0" indent="0">
@@ -4754,6 +4908,11 @@
               </a:rPr>
               <a:t>Assessments </a:t>
             </a:r>
+            <a:endParaRPr lang="en-US" dirty="0" smtClean="0">
+              <a:solidFill>
+                <a:srgbClr val="17B1AA"/>
+              </a:solidFill>
+            </a:endParaRPr>
           </a:p>
           <a:p>
             <a:pPr lvl="1"/>
@@ -4763,7 +4922,11 @@
             </a:r>
             <a:r>
               <a:rPr lang="en-US" dirty="0"/>
-              <a:t> a program that converts temperature from Fahrenheit to Celsius.</a:t>
+              <a:t> </a:t>
+            </a:r>
+            <a:r>
+              <a:rPr lang="en-US" dirty="0" smtClean="0"/>
+              <a:t>a program that converts temperature from Fahrenheit to Celsius.</a:t>
             </a:r>
           </a:p>
           <a:p>
@@ -4779,6 +4942,11 @@
               </a:rPr>
               <a:t>Homework </a:t>
             </a:r>
+            <a:endParaRPr lang="en-US" dirty="0" smtClean="0">
+              <a:solidFill>
+                <a:srgbClr val="17B1AA"/>
+              </a:solidFill>
+            </a:endParaRPr>
           </a:p>
           <a:p>
             <a:pPr lvl="1"/>
@@ -4788,17 +4956,21 @@
             </a:r>
             <a:r>
               <a:rPr lang="en-US" dirty="0"/>
-              <a:t> the rest of HW 2.2</a:t>
+              <a:t> </a:t>
+            </a:r>
+            <a:r>
+              <a:rPr lang="en-US" dirty="0" smtClean="0"/>
+              <a:t>the rest of HW 2.2</a:t>
             </a:r>
           </a:p>
           <a:p>
             <a:pPr lvl="1"/>
             <a:r>
-              <a:rPr lang="en-US" b="1" dirty="0"/>
+              <a:rPr lang="en-US" b="1" dirty="0" smtClean="0"/>
               <a:t>Complete</a:t>
             </a:r>
             <a:r>
-              <a:rPr lang="en-US" dirty="0"/>
+              <a:rPr lang="en-US" dirty="0" smtClean="0"/>
               <a:t> self-check questions 5, 6, 9, 12-15</a:t>
             </a:r>
             <a:endParaRPr lang="en-US" b="1" dirty="0"/>
@@ -4824,9 +4996,10 @@
           <a:lstStyle/>
           <a:p>
             <a:r>
-              <a:rPr lang="en-US"/>
+              <a:rPr lang="en-US" smtClean="0"/>
               <a:t>Developed by TEALS in 2015  www.tealsk12.org</a:t>
             </a:r>
+            <a:endParaRPr lang="en-US"/>
           </a:p>
         </p:txBody>
       </p:sp>
@@ -4878,17 +5051,22 @@
           <a:lstStyle/>
           <a:p>
             <a:r>
-              <a:rPr lang="en-US" b="1" dirty="0"/>
+              <a:rPr lang="en-US" b="1" dirty="0" smtClean="0"/>
               <a:t>Lesson 2.3 </a:t>
             </a:r>
             <a:r>
-              <a:rPr lang="en-US" dirty="0">
+              <a:rPr lang="en-US" dirty="0" smtClean="0">
                 <a:solidFill>
                   <a:srgbClr val="17B1AA"/>
                 </a:solidFill>
               </a:rPr>
               <a:t>String Concatenation &amp; Increment Decrement Operators</a:t>
             </a:r>
+            <a:endParaRPr lang="en-US" dirty="0">
+              <a:solidFill>
+                <a:srgbClr val="17B1AA"/>
+              </a:solidFill>
+            </a:endParaRPr>
           </a:p>
         </p:txBody>
       </p:sp>
@@ -4917,40 +5095,45 @@
               </a:rPr>
               <a:t>Objectives </a:t>
             </a:r>
-          </a:p>
-          <a:p>
-            <a:pPr lvl="1"/>
-            <a:r>
-              <a:rPr lang="en-US" b="1" dirty="0"/>
-              <a:t>Apply</a:t>
-            </a:r>
-            <a:r>
-              <a:rPr lang="en-US" dirty="0"/>
-              <a:t> the rules of string concatenation.</a:t>
-            </a:r>
-          </a:p>
-          <a:p>
-            <a:pPr lvl="1"/>
-            <a:r>
-              <a:rPr lang="en-US" b="1" dirty="0"/>
-              <a:t>Correctly interpret</a:t>
-            </a:r>
-            <a:r>
-              <a:rPr lang="en-US" dirty="0"/>
-              <a:t> incrementing and decrementing statements.</a:t>
-            </a:r>
-            <a:endParaRPr lang="en-US" b="1" dirty="0"/>
-          </a:p>
-          <a:p>
-            <a:endParaRPr lang="en-US" dirty="0">
+            <a:endParaRPr lang="en-US" dirty="0" smtClean="0">
               <a:solidFill>
                 <a:srgbClr val="17B1AA"/>
               </a:solidFill>
             </a:endParaRPr>
           </a:p>
           <a:p>
-            <a:r>
-              <a:rPr lang="en-US" dirty="0">
+            <a:pPr lvl="1"/>
+            <a:r>
+              <a:rPr lang="en-US" b="1" dirty="0" smtClean="0"/>
+              <a:t>Apply</a:t>
+            </a:r>
+            <a:r>
+              <a:rPr lang="en-US" dirty="0" smtClean="0"/>
+              <a:t> the rules of string concatenation.</a:t>
+            </a:r>
+          </a:p>
+          <a:p>
+            <a:pPr lvl="1"/>
+            <a:r>
+              <a:rPr lang="en-US" b="1" dirty="0" smtClean="0"/>
+              <a:t>Correctly interpret</a:t>
+            </a:r>
+            <a:r>
+              <a:rPr lang="en-US" dirty="0" smtClean="0"/>
+              <a:t> incrementing and decrementing statements.</a:t>
+            </a:r>
+            <a:endParaRPr lang="en-US" b="1" dirty="0"/>
+          </a:p>
+          <a:p>
+            <a:endParaRPr lang="en-US" dirty="0" smtClean="0">
+              <a:solidFill>
+                <a:srgbClr val="17B1AA"/>
+              </a:solidFill>
+            </a:endParaRPr>
+          </a:p>
+          <a:p>
+            <a:r>
+              <a:rPr lang="en-US" dirty="0" smtClean="0">
                 <a:solidFill>
                   <a:srgbClr val="17B1AA"/>
                 </a:solidFill>
@@ -4961,15 +5144,15 @@
           <a:p>
             <a:pPr lvl="1"/>
             <a:r>
-              <a:rPr lang="en-US" b="1" dirty="0"/>
+              <a:rPr lang="en-US" b="1" dirty="0" smtClean="0"/>
               <a:t>Evaluate</a:t>
             </a:r>
             <a:r>
-              <a:rPr lang="en-US" dirty="0"/>
+              <a:rPr lang="en-US" dirty="0" smtClean="0"/>
               <a:t> statements and predict output during a game of </a:t>
             </a:r>
             <a:r>
-              <a:rPr lang="en-US" dirty="0" err="1"/>
+              <a:rPr lang="en-US" dirty="0" err="1" smtClean="0"/>
               <a:t>grudgeball</a:t>
             </a:r>
             <a:endParaRPr lang="en-US" dirty="0"/>
@@ -4989,6 +5172,11 @@
               </a:rPr>
               <a:t>Homework </a:t>
             </a:r>
+            <a:endParaRPr lang="en-US" dirty="0" smtClean="0">
+              <a:solidFill>
+                <a:srgbClr val="17B1AA"/>
+              </a:solidFill>
+            </a:endParaRPr>
           </a:p>
           <a:p>
             <a:pPr lvl="1"/>
@@ -4998,17 +5186,21 @@
             </a:r>
             <a:r>
               <a:rPr lang="en-US" dirty="0"/>
-              <a:t> remainder of HW 2.2</a:t>
+              <a:t> </a:t>
+            </a:r>
+            <a:r>
+              <a:rPr lang="en-US" dirty="0" smtClean="0"/>
+              <a:t>remainder of HW 2.2</a:t>
             </a:r>
           </a:p>
           <a:p>
             <a:pPr lvl="1"/>
             <a:r>
-              <a:rPr lang="en-US" b="1" dirty="0"/>
+              <a:rPr lang="en-US" b="1" dirty="0" smtClean="0"/>
               <a:t>Complete</a:t>
             </a:r>
             <a:r>
-              <a:rPr lang="en-US" dirty="0"/>
+              <a:rPr lang="en-US" dirty="0" smtClean="0"/>
               <a:t> self-check question 4</a:t>
             </a:r>
             <a:endParaRPr lang="en-US" b="1" dirty="0"/>
@@ -5034,9 +5226,10 @@
           <a:lstStyle/>
           <a:p>
             <a:r>
-              <a:rPr lang="en-US"/>
+              <a:rPr lang="en-US" smtClean="0"/>
               <a:t>Developed by TEALS in 2015  www.tealsk12.org</a:t>
             </a:r>
+            <a:endParaRPr lang="en-US"/>
           </a:p>
         </p:txBody>
       </p:sp>
@@ -5088,17 +5281,22 @@
           <a:lstStyle/>
           <a:p>
             <a:r>
-              <a:rPr lang="en-US" b="1" dirty="0"/>
+              <a:rPr lang="en-US" b="1" dirty="0" smtClean="0"/>
               <a:t>Lesson 2.4 </a:t>
             </a:r>
             <a:r>
-              <a:rPr lang="en-US" dirty="0">
+              <a:rPr lang="en-US" dirty="0" smtClean="0">
                 <a:solidFill>
                   <a:srgbClr val="17B1AA"/>
                 </a:solidFill>
               </a:rPr>
               <a:t>Mixed Types and Casting</a:t>
             </a:r>
+            <a:endParaRPr lang="en-US" dirty="0">
+              <a:solidFill>
+                <a:srgbClr val="17B1AA"/>
+              </a:solidFill>
+            </a:endParaRPr>
           </a:p>
         </p:txBody>
       </p:sp>
@@ -5127,37 +5325,42 @@
               </a:rPr>
               <a:t>Objectives </a:t>
             </a:r>
+            <a:endParaRPr lang="en-US" dirty="0" smtClean="0">
+              <a:solidFill>
+                <a:srgbClr val="17B1AA"/>
+              </a:solidFill>
+            </a:endParaRPr>
           </a:p>
           <a:p>
             <a:pPr lvl="1"/>
             <a:r>
-              <a:rPr lang="en-US" b="1" dirty="0"/>
+              <a:rPr lang="en-US" b="1" dirty="0" smtClean="0"/>
               <a:t>Describe</a:t>
             </a:r>
             <a:r>
-              <a:rPr lang="en-US" dirty="0"/>
+              <a:rPr lang="en-US" dirty="0" smtClean="0"/>
               <a:t> which types automatically convert into others when appearing together.</a:t>
             </a:r>
           </a:p>
           <a:p>
             <a:pPr lvl="1"/>
             <a:r>
-              <a:rPr lang="en-US" b="1" dirty="0"/>
+              <a:rPr lang="en-US" b="1" dirty="0" smtClean="0"/>
               <a:t>Predict</a:t>
             </a:r>
             <a:r>
-              <a:rPr lang="en-US" dirty="0"/>
+              <a:rPr lang="en-US" dirty="0" smtClean="0"/>
               <a:t> how an expression with mixed types will evaluate.</a:t>
             </a:r>
           </a:p>
           <a:p>
             <a:pPr lvl="1"/>
             <a:r>
-              <a:rPr lang="en-US" b="1" dirty="0"/>
+              <a:rPr lang="en-US" b="1" dirty="0" smtClean="0"/>
               <a:t>Convert</a:t>
             </a:r>
             <a:r>
-              <a:rPr lang="en-US" dirty="0"/>
+              <a:rPr lang="en-US" dirty="0" smtClean="0"/>
               <a:t> types by casting.</a:t>
             </a:r>
             <a:endParaRPr lang="en-US" b="1" dirty="0"/>
@@ -5177,37 +5380,42 @@
               </a:rPr>
               <a:t>Assessments </a:t>
             </a:r>
+            <a:endParaRPr lang="en-US" dirty="0" smtClean="0">
+              <a:solidFill>
+                <a:srgbClr val="17B1AA"/>
+              </a:solidFill>
+            </a:endParaRPr>
           </a:p>
           <a:p>
             <a:pPr lvl="1"/>
             <a:r>
-              <a:rPr lang="en-US" b="1" dirty="0"/>
+              <a:rPr lang="en-US" b="1" dirty="0" smtClean="0"/>
               <a:t>Use</a:t>
             </a:r>
             <a:r>
-              <a:rPr lang="en-US" dirty="0"/>
+              <a:rPr lang="en-US" dirty="0" smtClean="0"/>
               <a:t> “zombie rules” of precedence to correctly write code that yields a given answer.</a:t>
             </a:r>
           </a:p>
           <a:p>
             <a:pPr lvl="1"/>
             <a:r>
-              <a:rPr lang="en-US" b="1" dirty="0"/>
+              <a:rPr lang="en-US" b="1" dirty="0" smtClean="0"/>
               <a:t>Create</a:t>
             </a:r>
             <a:r>
-              <a:rPr lang="en-US" dirty="0"/>
+              <a:rPr lang="en-US" dirty="0" smtClean="0"/>
               <a:t> your own expressions</a:t>
             </a:r>
           </a:p>
           <a:p>
             <a:pPr lvl="1"/>
             <a:r>
-              <a:rPr lang="en-US" b="1" dirty="0"/>
+              <a:rPr lang="en-US" b="1" dirty="0" smtClean="0"/>
               <a:t>Predict</a:t>
             </a:r>
             <a:r>
-              <a:rPr lang="en-US" dirty="0"/>
+              <a:rPr lang="en-US" dirty="0" smtClean="0"/>
               <a:t> output by completing and trading worksheets</a:t>
             </a:r>
             <a:endParaRPr lang="en-US" b="1" dirty="0"/>
@@ -5227,6 +5435,11 @@
               </a:rPr>
               <a:t>Homework </a:t>
             </a:r>
+            <a:endParaRPr lang="en-US" dirty="0" smtClean="0">
+              <a:solidFill>
+                <a:srgbClr val="17B1AA"/>
+              </a:solidFill>
+            </a:endParaRPr>
           </a:p>
           <a:p>
             <a:pPr lvl="1"/>
@@ -5236,28 +5449,32 @@
             </a:r>
             <a:r>
               <a:rPr lang="en-US" dirty="0"/>
-              <a:t> HW 2.3 up to “Nested for Loops”</a:t>
+              <a:t> HW </a:t>
+            </a:r>
+            <a:r>
+              <a:rPr lang="en-US" dirty="0" smtClean="0"/>
+              <a:t>2.3 up to “Nested for Loops”</a:t>
             </a:r>
           </a:p>
           <a:p>
             <a:pPr lvl="1"/>
             <a:r>
-              <a:rPr lang="en-US" b="1" dirty="0"/>
+              <a:rPr lang="en-US" b="1" dirty="0" smtClean="0"/>
               <a:t>Complete</a:t>
             </a:r>
             <a:r>
-              <a:rPr lang="en-US" dirty="0"/>
+              <a:rPr lang="en-US" dirty="0" smtClean="0"/>
               <a:t> self-check question 18</a:t>
             </a:r>
           </a:p>
           <a:p>
             <a:pPr lvl="1"/>
             <a:r>
-              <a:rPr lang="en-US" b="1" dirty="0"/>
+              <a:rPr lang="en-US" b="1" dirty="0" smtClean="0"/>
               <a:t>Finish</a:t>
             </a:r>
             <a:r>
-              <a:rPr lang="en-US" dirty="0"/>
+              <a:rPr lang="en-US" dirty="0" smtClean="0"/>
               <a:t> the worksheet if not completed in class</a:t>
             </a:r>
             <a:endParaRPr lang="en-US" b="1" dirty="0"/>
@@ -5283,9 +5500,10 @@
           <a:lstStyle/>
           <a:p>
             <a:r>
-              <a:rPr lang="en-US"/>
+              <a:rPr lang="en-US" smtClean="0"/>
               <a:t>Developed by TEALS in 2015  www.tealsk12.org</a:t>
             </a:r>
+            <a:endParaRPr lang="en-US"/>
           </a:p>
         </p:txBody>
       </p:sp>
@@ -5337,17 +5555,22 @@
           <a:lstStyle/>
           <a:p>
             <a:r>
-              <a:rPr lang="en-US" b="1" dirty="0"/>
+              <a:rPr lang="en-US" b="1" dirty="0" smtClean="0"/>
               <a:t>Lesson 2.5 </a:t>
             </a:r>
             <a:r>
-              <a:rPr lang="en-US" dirty="0">
+              <a:rPr lang="en-US" dirty="0" smtClean="0">
                 <a:solidFill>
                   <a:srgbClr val="17B1AA"/>
                 </a:solidFill>
               </a:rPr>
               <a:t>for Loops</a:t>
             </a:r>
+            <a:endParaRPr lang="en-US" dirty="0">
+              <a:solidFill>
+                <a:srgbClr val="17B1AA"/>
+              </a:solidFill>
+            </a:endParaRPr>
           </a:p>
         </p:txBody>
       </p:sp>
@@ -5364,7 +5587,7 @@
         <p:spPr/>
         <p:txBody>
           <a:bodyPr>
-            <a:normAutofit/>
+            <a:normAutofit fontScale="92500" lnSpcReduction="20000"/>
           </a:bodyPr>
           <a:lstStyle/>
           <a:p>
@@ -5376,28 +5599,73 @@
               </a:rPr>
               <a:t>Objectives </a:t>
             </a:r>
+            <a:endParaRPr lang="en-US" dirty="0" smtClean="0">
+              <a:solidFill>
+                <a:srgbClr val="17B1AA"/>
+              </a:solidFill>
+            </a:endParaRPr>
           </a:p>
           <a:p>
             <a:pPr lvl="1"/>
             <a:r>
-              <a:rPr lang="en-US" b="1" dirty="0"/>
+              <a:rPr lang="en-US" b="1" dirty="0" smtClean="0"/>
               <a:t>Trace</a:t>
             </a:r>
             <a:r>
-              <a:rPr lang="en-US" dirty="0"/>
+              <a:rPr lang="en-US" dirty="0" smtClean="0"/>
               <a:t> loops to predict program behavior.</a:t>
             </a:r>
           </a:p>
           <a:p>
             <a:pPr lvl="1"/>
             <a:r>
-              <a:rPr lang="en-US" b="1" dirty="0"/>
+              <a:rPr lang="en-US" b="1" dirty="0" smtClean="0"/>
               <a:t>Construct</a:t>
             </a:r>
             <a:r>
-              <a:rPr lang="en-US" dirty="0"/>
+              <a:rPr lang="en-US" dirty="0" smtClean="0"/>
               <a:t> loops to execute simple tasks.</a:t>
             </a:r>
+            <a:endParaRPr lang="en-US" b="1" dirty="0"/>
+          </a:p>
+          <a:p>
+            <a:pPr marL="0" indent="0">
+              <a:buNone/>
+            </a:pPr>
+            <a:endParaRPr lang="en-US" dirty="0"/>
+          </a:p>
+          <a:p>
+            <a:r>
+              <a:rPr lang="en-US" dirty="0">
+                <a:solidFill>
+                  <a:srgbClr val="17B1AA"/>
+                </a:solidFill>
+              </a:rPr>
+              <a:t>Assessments </a:t>
+            </a:r>
+            <a:endParaRPr lang="en-US" dirty="0" smtClean="0">
+              <a:solidFill>
+                <a:srgbClr val="17B1AA"/>
+              </a:solidFill>
+            </a:endParaRPr>
+          </a:p>
+          <a:p>
+            <a:pPr lvl="1"/>
+            <a:r>
+              <a:rPr lang="en-US" b="1" dirty="0" smtClean="0"/>
+              <a:t>Trace and construct</a:t>
+            </a:r>
+            <a:r>
+              <a:rPr lang="en-US" dirty="0" smtClean="0"/>
+              <a:t> loops in Practice-It problems</a:t>
+            </a:r>
+            <a:endParaRPr lang="en-US" dirty="0"/>
+          </a:p>
+          <a:p>
+            <a:pPr marL="0" indent="0">
+              <a:buNone/>
+            </a:pPr>
+            <a:endParaRPr lang="en-US" dirty="0"/>
           </a:p>
           <a:p>
             <a:r>
@@ -5408,6 +5676,11 @@
               </a:rPr>
               <a:t>Homework </a:t>
             </a:r>
+            <a:endParaRPr lang="en-US" dirty="0" smtClean="0">
+              <a:solidFill>
+                <a:srgbClr val="17B1AA"/>
+              </a:solidFill>
+            </a:endParaRPr>
           </a:p>
           <a:p>
             <a:pPr lvl="1"/>
@@ -5417,8 +5690,13 @@
             </a:r>
             <a:r>
               <a:rPr lang="en-US" dirty="0"/>
-              <a:t> HW 2.3 “Nested for Loops</a:t>
-            </a:r>
+              <a:t> </a:t>
+            </a:r>
+            <a:r>
+              <a:rPr lang="en-US" dirty="0" smtClean="0"/>
+              <a:t>HW 2.3 “Nested for Loops</a:t>
+            </a:r>
+            <a:endParaRPr lang="en-US" dirty="0"/>
           </a:p>
           <a:p>
             <a:pPr lvl="1"/>
@@ -5428,12 +5706,17 @@
             </a:r>
             <a:r>
               <a:rPr lang="en-US" dirty="0"/>
-              <a:t> self-check questions 19-21</a:t>
-            </a:r>
-          </a:p>
-          <a:p>
+              <a:t> </a:t>
+            </a:r>
+            <a:r>
+              <a:rPr lang="en-US" dirty="0" smtClean="0"/>
+              <a:t>self-check questions 19-21</a:t>
+            </a:r>
             <a:endParaRPr lang="en-US" dirty="0"/>
           </a:p>
+          <a:p>
+            <a:endParaRPr lang="en-US" dirty="0"/>
+          </a:p>
         </p:txBody>
       </p:sp>
       <p:sp>
@@ -5452,9 +5735,10 @@
           <a:lstStyle/>
           <a:p>
             <a:r>
-              <a:rPr lang="en-US"/>
+              <a:rPr lang="en-US" smtClean="0"/>
               <a:t>Developed by TEALS in 2015  www.tealsk12.org</a:t>
             </a:r>
+            <a:endParaRPr lang="en-US"/>
           </a:p>
         </p:txBody>
       </p:sp>
@@ -5506,17 +5790,30 @@
           <a:lstStyle/>
           <a:p>
             <a:r>
+              <a:rPr lang="en-US" b="1" dirty="0" smtClean="0"/>
+              <a:t>Lesson </a:t>
+            </a:r>
+            <a:r>
               <a:rPr lang="en-US" b="1" dirty="0"/>
-              <a:t>Lesson 2.6 </a:t>
-            </a:r>
-            <a:r>
-              <a:rPr lang="en-US" dirty="0">
+              <a:t>2</a:t>
+            </a:r>
+            <a:r>
+              <a:rPr lang="en-US" b="1" dirty="0" smtClean="0"/>
+              <a:t>.6 </a:t>
+            </a:r>
+            <a:r>
+              <a:rPr lang="en-US" dirty="0" smtClean="0">
                 <a:solidFill>
                   <a:srgbClr val="17B1AA"/>
                 </a:solidFill>
               </a:rPr>
               <a:t>Nested for Loops</a:t>
             </a:r>
+            <a:endParaRPr lang="en-US" dirty="0">
+              <a:solidFill>
+                <a:srgbClr val="17B1AA"/>
+              </a:solidFill>
+            </a:endParaRPr>
           </a:p>
         </p:txBody>
       </p:sp>
@@ -5533,7 +5830,7 @@
         <p:spPr/>
         <p:txBody>
           <a:bodyPr>
-            <a:normAutofit/>
+            <a:normAutofit fontScale="85000" lnSpcReduction="10000"/>
           </a:bodyPr>
           <a:lstStyle/>
           <a:p>
@@ -5545,47 +5842,80 @@
               </a:rPr>
               <a:t>Objectives </a:t>
             </a:r>
-          </a:p>
-          <a:p>
-            <a:pPr lvl="1"/>
-            <a:r>
-              <a:rPr lang="en-US" b="1" dirty="0"/>
-              <a:t>Trace</a:t>
-            </a:r>
-            <a:r>
-              <a:rPr lang="en-US" dirty="0"/>
-              <a:t> nested loops to predict program behavior.</a:t>
-            </a:r>
-          </a:p>
-          <a:p>
-            <a:pPr lvl="1"/>
-            <a:r>
-              <a:rPr lang="en-US" b="1" dirty="0"/>
-              <a:t>Construct</a:t>
-            </a:r>
-            <a:r>
-              <a:rPr lang="en-US" dirty="0"/>
-              <a:t> loops to execute simple tasks.</a:t>
-            </a:r>
-            <a:endParaRPr lang="en-US" b="1" dirty="0"/>
-          </a:p>
-          <a:p>
-            <a:endParaRPr lang="en-US" dirty="0">
+            <a:endParaRPr lang="en-US" dirty="0" smtClean="0">
               <a:solidFill>
                 <a:srgbClr val="17B1AA"/>
               </a:solidFill>
             </a:endParaRPr>
           </a:p>
           <a:p>
-            <a:r>
-              <a:rPr lang="en-US">
+            <a:pPr lvl="1"/>
+            <a:r>
+              <a:rPr lang="en-US" b="1" dirty="0" smtClean="0"/>
+              <a:t>Trace</a:t>
+            </a:r>
+            <a:r>
+              <a:rPr lang="en-US" dirty="0" smtClean="0"/>
+              <a:t> nested loops to predict program behavior.</a:t>
+            </a:r>
+          </a:p>
+          <a:p>
+            <a:pPr lvl="1"/>
+            <a:r>
+              <a:rPr lang="en-US" b="1" dirty="0" smtClean="0"/>
+              <a:t>Construct</a:t>
+            </a:r>
+            <a:r>
+              <a:rPr lang="en-US" dirty="0" smtClean="0"/>
+              <a:t> loops to execute simple tasks.</a:t>
+            </a:r>
+            <a:endParaRPr lang="en-US" b="1" dirty="0"/>
+          </a:p>
+          <a:p>
+            <a:endParaRPr lang="en-US" dirty="0" smtClean="0">
+              <a:solidFill>
+                <a:srgbClr val="17B1AA"/>
+              </a:solidFill>
+            </a:endParaRPr>
+          </a:p>
+          <a:p>
+            <a:r>
+              <a:rPr lang="en-US" dirty="0" smtClean="0">
+                <a:solidFill>
+                  <a:srgbClr val="17B1AA"/>
+                </a:solidFill>
+              </a:rPr>
+              <a:t>Assessments </a:t>
+            </a:r>
+          </a:p>
+          <a:p>
+            <a:pPr lvl="1"/>
+            <a:r>
+              <a:rPr lang="en-US" b="1" dirty="0" smtClean="0"/>
+              <a:t>Trace and construct</a:t>
+            </a:r>
+            <a:r>
+              <a:rPr lang="en-US" dirty="0" smtClean="0"/>
+              <a:t> nested loops in Practice-It problems.</a:t>
+            </a:r>
+            <a:endParaRPr lang="en-US" dirty="0"/>
+          </a:p>
+          <a:p>
+            <a:pPr marL="0" indent="0">
+              <a:buNone/>
+            </a:pPr>
+            <a:endParaRPr lang="en-US" dirty="0"/>
+          </a:p>
+          <a:p>
+            <a:r>
+              <a:rPr lang="en-US" dirty="0">
                 <a:solidFill>
                   <a:srgbClr val="17B1AA"/>
                 </a:solidFill>
               </a:rPr>
               <a:t>Homework </a:t>
             </a:r>
-            <a:endParaRPr lang="en-US" dirty="0">
+            <a:endParaRPr lang="en-US" dirty="0" smtClean="0">
               <a:solidFill>
                 <a:srgbClr val="17B1AA"/>
               </a:solidFill>
@@ -5594,30 +5924,30 @@
           <a:p>
             <a:pPr lvl="1"/>
             <a:r>
-              <a:rPr lang="en-US" b="1" dirty="0"/>
+              <a:rPr lang="en-US" b="1" dirty="0" smtClean="0"/>
               <a:t>Read</a:t>
             </a:r>
             <a:r>
-              <a:rPr lang="en-US" dirty="0"/>
+              <a:rPr lang="en-US" dirty="0" smtClean="0"/>
               <a:t> HW 2.4 “Scope” and “</a:t>
             </a:r>
             <a:r>
-              <a:rPr lang="en-US" dirty="0" err="1"/>
+              <a:rPr lang="en-US" dirty="0" err="1" smtClean="0"/>
               <a:t>Pseudocode</a:t>
             </a:r>
             <a:r>
-              <a:rPr lang="en-US" dirty="0"/>
+              <a:rPr lang="en-US" dirty="0" smtClean="0"/>
               <a:t>”</a:t>
             </a:r>
           </a:p>
           <a:p>
             <a:pPr lvl="1"/>
             <a:r>
-              <a:rPr lang="en-US" b="1" dirty="0"/>
+              <a:rPr lang="en-US" b="1" dirty="0" smtClean="0"/>
               <a:t>Complete</a:t>
             </a:r>
             <a:r>
-              <a:rPr lang="en-US" dirty="0"/>
+              <a:rPr lang="en-US" dirty="0" smtClean="0"/>
               <a:t> self-check questions 26-27 and exercise 4</a:t>
             </a:r>
             <a:endParaRPr lang="en-US" b="1" dirty="0"/>
@@ -5643,9 +5973,10 @@
           <a:lstStyle/>
           <a:p>
             <a:r>
-              <a:rPr lang="en-US"/>
+              <a:rPr lang="en-US" smtClean="0"/>
               <a:t>Developed by TEALS in 2015  www.tealsk12.org</a:t>
             </a:r>
+            <a:endParaRPr lang="en-US"/>
           </a:p>
         </p:txBody>
       </p:sp>
@@ -5695,11 +6026,11 @@
           <a:lstStyle/>
           <a:p>
             <a:r>
-              <a:rPr lang="en-US" b="1" dirty="0"/>
+              <a:rPr lang="en-US" b="1" dirty="0" smtClean="0"/>
               <a:t>Lesson 2.7 </a:t>
             </a:r>
             <a:r>
-              <a:rPr lang="en-US" dirty="0">
+              <a:rPr lang="en-US" dirty="0" smtClean="0">
                 <a:solidFill>
                   <a:srgbClr val="17B1AA"/>
                 </a:solidFill>
@@ -5707,7 +6038,7 @@
               <a:t>Scope &amp; </a:t>
             </a:r>
             <a:r>
-              <a:rPr lang="en-US" dirty="0" err="1">
+              <a:rPr lang="en-US" dirty="0" err="1" smtClean="0">
                 <a:solidFill>
                   <a:srgbClr val="17B1AA"/>
                 </a:solidFill>
@@ -5747,26 +6078,31 @@
               </a:rPr>
               <a:t>Objectives </a:t>
             </a:r>
+            <a:endParaRPr lang="en-US" dirty="0" smtClean="0">
+              <a:solidFill>
+                <a:srgbClr val="17B1AA"/>
+              </a:solidFill>
+            </a:endParaRPr>
           </a:p>
           <a:p>
             <a:pPr lvl="1"/>
             <a:r>
-              <a:rPr lang="en-US" b="1" dirty="0"/>
+              <a:rPr lang="en-US" b="1" dirty="0" smtClean="0"/>
               <a:t>Identify</a:t>
             </a:r>
             <a:r>
-              <a:rPr lang="en-US" dirty="0"/>
+              <a:rPr lang="en-US" dirty="0" smtClean="0"/>
               <a:t> the scope of a variable.</a:t>
             </a:r>
           </a:p>
           <a:p>
             <a:pPr lvl="1"/>
             <a:r>
-              <a:rPr lang="en-US" b="1" dirty="0"/>
+              <a:rPr lang="en-US" b="1" dirty="0" smtClean="0"/>
               <a:t>Identify</a:t>
             </a:r>
             <a:r>
-              <a:rPr lang="en-US" dirty="0"/>
+              <a:rPr lang="en-US" dirty="0" smtClean="0"/>
               <a:t> common scope errors.</a:t>
             </a:r>
             <a:endParaRPr lang="en-US" b="1" dirty="0"/>
@@ -5786,17 +6122,23 @@
               </a:rPr>
               <a:t>Assessments </a:t>
             </a:r>
+            <a:endParaRPr lang="en-US" dirty="0" smtClean="0">
+              <a:solidFill>
+                <a:srgbClr val="17B1AA"/>
+              </a:solidFill>
+            </a:endParaRPr>
           </a:p>
           <a:p>
             <a:pPr lvl="1"/>
             <a:r>
-              <a:rPr lang="en-US" b="1" dirty="0"/>
+              <a:rPr lang="en-US" b="1" dirty="0" smtClean="0"/>
               <a:t>Complete</a:t>
             </a:r>
             <a:r>
-              <a:rPr lang="en-US" dirty="0"/>
+              <a:rPr lang="en-US" dirty="0" smtClean="0"/>
               <a:t> a worksheet</a:t>
             </a:r>
+            <a:endParaRPr lang="en-US" dirty="0"/>
           </a:p>
           <a:p>
             <a:pPr marL="0" indent="0">
@@ -5813,45 +6155,50 @@
               </a:rPr>
               <a:t>Homework </a:t>
             </a:r>
+            <a:endParaRPr lang="en-US" dirty="0" smtClean="0">
+              <a:solidFill>
+                <a:srgbClr val="17B1AA"/>
+              </a:solidFill>
+            </a:endParaRPr>
           </a:p>
           <a:p>
             <a:pPr lvl="1"/>
             <a:r>
-              <a:rPr lang="en-US" b="1" dirty="0"/>
+              <a:rPr lang="en-US" b="1" dirty="0" smtClean="0"/>
               <a:t>Read</a:t>
             </a:r>
             <a:r>
-              <a:rPr lang="en-US" dirty="0"/>
+              <a:rPr lang="en-US" dirty="0" smtClean="0"/>
               <a:t> HW 2.4 “</a:t>
             </a:r>
             <a:r>
-              <a:rPr lang="en-US" dirty="0" err="1"/>
+              <a:rPr lang="en-US" dirty="0" err="1" smtClean="0"/>
               <a:t>Pseudocode</a:t>
             </a:r>
             <a:r>
-              <a:rPr lang="en-US" dirty="0"/>
+              <a:rPr lang="en-US" dirty="0" smtClean="0"/>
               <a:t>”</a:t>
             </a:r>
           </a:p>
           <a:p>
             <a:pPr lvl="1"/>
             <a:r>
-              <a:rPr lang="en-US" b="1" dirty="0"/>
+              <a:rPr lang="en-US" b="1" dirty="0" smtClean="0"/>
               <a:t>Complete</a:t>
             </a:r>
             <a:r>
-              <a:rPr lang="en-US" dirty="0"/>
+              <a:rPr lang="en-US" dirty="0" smtClean="0"/>
               <a:t> self-check questions 31-33</a:t>
             </a:r>
           </a:p>
           <a:p>
             <a:pPr lvl="1"/>
             <a:r>
-              <a:rPr lang="en-US" b="1" dirty="0"/>
+              <a:rPr lang="en-US" b="1" dirty="0" smtClean="0"/>
               <a:t>Check class notes</a:t>
             </a:r>
             <a:r>
-              <a:rPr lang="en-US" dirty="0"/>
+              <a:rPr lang="en-US" dirty="0" smtClean="0"/>
               <a:t> for completion, adding daily summaries if needed</a:t>
             </a:r>
             <a:endParaRPr lang="en-US" b="1" dirty="0"/>
@@ -5877,9 +6224,10 @@
           <a:lstStyle/>
           <a:p>
             <a:r>
-              <a:rPr lang="en-US"/>
+              <a:rPr lang="en-US" smtClean="0"/>
               <a:t>Developed by TEALS in 2015  www.tealsk12.org</a:t>
             </a:r>
+            <a:endParaRPr lang="en-US"/>
           </a:p>
         </p:txBody>
       </p:sp>
@@ -5929,17 +6277,22 @@
           <a:lstStyle/>
           <a:p>
             <a:r>
-              <a:rPr lang="en-US" b="1" dirty="0"/>
+              <a:rPr lang="en-US" b="1" dirty="0" smtClean="0"/>
               <a:t>Lesson 2.8 </a:t>
             </a:r>
             <a:r>
-              <a:rPr lang="en-US" dirty="0">
+              <a:rPr lang="en-US" dirty="0" smtClean="0">
                 <a:solidFill>
                   <a:srgbClr val="17B1AA"/>
                 </a:solidFill>
               </a:rPr>
               <a:t>Programming Project</a:t>
             </a:r>
+            <a:endParaRPr lang="en-US" dirty="0">
+              <a:solidFill>
+                <a:srgbClr val="17B1AA"/>
+              </a:solidFill>
+            </a:endParaRPr>
           </a:p>
         </p:txBody>
       </p:sp>
@@ -5968,17 +6321,23 @@
               </a:rPr>
               <a:t>Objectives </a:t>
             </a:r>
+            <a:endParaRPr lang="en-US" dirty="0" smtClean="0">
+              <a:solidFill>
+                <a:srgbClr val="17B1AA"/>
+              </a:solidFill>
+            </a:endParaRPr>
           </a:p>
           <a:p>
             <a:pPr lvl="1"/>
             <a:r>
-              <a:rPr lang="en-US" b="1" dirty="0"/>
+              <a:rPr lang="en-US" b="1" dirty="0" smtClean="0"/>
               <a:t>Plan and construct</a:t>
             </a:r>
             <a:r>
-              <a:rPr lang="en-US" dirty="0"/>
+              <a:rPr lang="en-US" dirty="0" smtClean="0"/>
               <a:t> a structured program containing nested loops.</a:t>
             </a:r>
+            <a:endParaRPr lang="en-US" dirty="0"/>
           </a:p>
           <a:p>
             <a:pPr marL="0" indent="0">
@@ -5995,17 +6354,23 @@
               </a:rPr>
               <a:t>Assessments </a:t>
             </a:r>
+            <a:endParaRPr lang="en-US" dirty="0" smtClean="0">
+              <a:solidFill>
+                <a:srgbClr val="17B1AA"/>
+              </a:solidFill>
+            </a:endParaRPr>
           </a:p>
           <a:p>
             <a:pPr lvl="1"/>
             <a:r>
-              <a:rPr lang="en-US" b="1" dirty="0"/>
+              <a:rPr lang="en-US" b="1" dirty="0" smtClean="0"/>
               <a:t>Submit</a:t>
             </a:r>
             <a:r>
-              <a:rPr lang="en-US" dirty="0"/>
+              <a:rPr lang="en-US" dirty="0" smtClean="0"/>
               <a:t> a complete, functional program by the end of next class.</a:t>
             </a:r>
+            <a:endParaRPr lang="en-US" dirty="0"/>
           </a:p>
           <a:p>
             <a:pPr marL="0" indent="0">
@@ -6022,21 +6387,27 @@
               </a:rPr>
               <a:t>Homework </a:t>
             </a:r>
+            <a:endParaRPr lang="en-US" dirty="0" smtClean="0">
+              <a:solidFill>
+                <a:srgbClr val="17B1AA"/>
+              </a:solidFill>
+            </a:endParaRPr>
           </a:p>
           <a:p>
             <a:pPr lvl="1"/>
             <a:r>
-              <a:rPr lang="en-US" b="1" dirty="0"/>
+              <a:rPr lang="en-US" b="1" dirty="0" smtClean="0"/>
               <a:t>Outline</a:t>
             </a:r>
             <a:r>
-              <a:rPr lang="en-US" dirty="0"/>
+              <a:rPr lang="en-US" dirty="0" smtClean="0"/>
               <a:t> Chapter 2, omitting HW 2.5</a:t>
             </a:r>
-          </a:p>
-          <a:p>
             <a:endParaRPr lang="en-US" dirty="0"/>
           </a:p>
+          <a:p>
+            <a:endParaRPr lang="en-US" dirty="0"/>
+          </a:p>
         </p:txBody>
       </p:sp>
       <p:sp>
@@ -6055,9 +6426,10 @@
           <a:lstStyle/>
           <a:p>
             <a:r>
-              <a:rPr lang="en-US"/>
+              <a:rPr lang="en-US" smtClean="0"/>
               <a:t>Developed by TEALS in 2015  www.tealsk12.org</a:t>
             </a:r>
+            <a:endParaRPr lang="en-US"/>
           </a:p>
         </p:txBody>
       </p:sp>
@@ -7035,33 +7407,28 @@
 </file>
 
 <file path=customXml/item1.xml><?xml version="1.0" encoding="utf-8"?>
-<p:properties xmlns:p="http://schemas.microsoft.com/office/2006/metadata/properties" xmlns:xsi="http://www.w3.org/2001/XMLSchema-instance" xmlns:pc="http://schemas.microsoft.com/office/infopath/2007/PartnerControls">
-  <documentManagement/>
-</p:properties>
-</file>
-
-<file path=customXml/item2.xml><?xml version="1.0" encoding="utf-8"?>
-<?mso-contentType ?>
-<FormTemplates xmlns="http://schemas.microsoft.com/sharepoint/v3/contenttype/forms">
-  <Display>DocumentLibraryForm</Display>
-  <Edit>DocumentLibraryForm</Edit>
-  <New>DocumentLibraryForm</New>
-</FormTemplates>
-</file>
-
-<file path=customXml/item3.xml><?xml version="1.0" encoding="utf-8"?>
-<ct:contentTypeSchema xmlns:ct="http://schemas.microsoft.com/office/2006/metadata/contentType" xmlns:ma="http://schemas.microsoft.com/office/2006/metadata/properties/metaAttributes" ct:_="" ma:_="" ma:contentTypeName="Document" ma:contentTypeID="0x010100BABADD3A0624AA4E97287821B8F4D7D6" ma:contentTypeVersion="3" ma:contentTypeDescription="Create a new document." ma:contentTypeScope="" ma:versionID="e0073545f5cddffb46c9fa8d01738dd8">
-  <xsd:schema xmlns:xsd="http://www.w3.org/2001/XMLSchema" xmlns:xs="http://www.w3.org/2001/XMLSchema" xmlns:p="http://schemas.microsoft.com/office/2006/metadata/properties" xmlns:ns2="5edd459b-714d-42ed-b78f-512da7d1c14e" targetNamespace="http://schemas.microsoft.com/office/2006/metadata/properties" ma:root="true" ma:fieldsID="5b223eadad92f795ae696ccb91d8f218" ns2:_="">
-    <xsd:import namespace="5edd459b-714d-42ed-b78f-512da7d1c14e"/>
+<ct:contentTypeSchema xmlns:ct="http://schemas.microsoft.com/office/2006/metadata/contentType" xmlns:ma="http://schemas.microsoft.com/office/2006/metadata/properties/metaAttributes" ct:_="" ma:_="" ma:contentTypeName="Document" ma:contentTypeID="0x01010011E83E049C87AC4AB56F27089B4ACA55" ma:contentTypeVersion="12" ma:contentTypeDescription="Create a new document." ma:contentTypeScope="" ma:versionID="1178fe99ddca204d3fc8224f4ed0acf8">
+  <xsd:schema xmlns:xsd="http://www.w3.org/2001/XMLSchema" xmlns:xs="http://www.w3.org/2001/XMLSchema" xmlns:p="http://schemas.microsoft.com/office/2006/metadata/properties" xmlns:ns2="be898649-fe57-4b08-9fd4-31fc752880e3" xmlns:ns3="6f430b7c-f2e9-4385-9cb2-4dd06cc2317e" targetNamespace="http://schemas.microsoft.com/office/2006/metadata/properties" ma:root="true" ma:fieldsID="05a700af6660b82c6e85ae510b7169e9" ns2:_="" ns3:_="">
+    <xsd:import namespace="be898649-fe57-4b08-9fd4-31fc752880e3"/>
+    <xsd:import namespace="6f430b7c-f2e9-4385-9cb2-4dd06cc2317e"/>
     <xsd:element name="properties">
       <xsd:complexType>
         <xsd:sequence>
           <xsd:element name="documentManagement">
             <xsd:complexType>
               <xsd:all>
-                <xsd:element ref="ns2:SharedWithUsers" minOccurs="0"/>
-                <xsd:element ref="ns2:SharedWithDetails" minOccurs="0"/>
-                <xsd:element ref="ns2:SharingHintHash" minOccurs="0"/>
+                <xsd:element ref="ns2:MediaServiceMetadata" minOccurs="0"/>
+                <xsd:element ref="ns2:MediaServiceFastMetadata" minOccurs="0"/>
+                <xsd:element ref="ns2:MediaServiceAutoTags" minOccurs="0"/>
+                <xsd:element ref="ns2:MediaServiceDateTaken" minOccurs="0"/>
+                <xsd:element ref="ns3:SharedWithUsers" minOccurs="0"/>
+                <xsd:element ref="ns3:SharedWithDetails" minOccurs="0"/>
+                <xsd:element ref="ns2:MediaServiceLocation" minOccurs="0"/>
+                <xsd:element ref="ns2:MediaServiceOCR" minOccurs="0"/>
+                <xsd:element ref="ns2:MediaServiceEventHashCode" minOccurs="0"/>
+                <xsd:element ref="ns2:MediaServiceGenerationTime" minOccurs="0"/>
+                <xsd:element ref="ns2:MediaServiceAutoKeyPoints" minOccurs="0"/>
+                <xsd:element ref="ns2:MediaServiceKeyPoints" minOccurs="0"/>
               </xsd:all>
             </xsd:complexType>
           </xsd:element>
@@ -7069,10 +7436,68 @@
       </xsd:complexType>
     </xsd:element>
   </xsd:schema>
-  <xsd:schema xmlns:xsd="http://www.w3.org/2001/XMLSchema" xmlns:xs="http://www.w3.org/2001/XMLSchema" xmlns:dms="http://schemas.microsoft.com/office/2006/documentManagement/types" xmlns:pc="http://schemas.microsoft.com/office/infopath/2007/PartnerControls" targetNamespace="5edd459b-714d-42ed-b78f-512da7d1c14e" elementFormDefault="qualified">
+  <xsd:schema xmlns:xsd="http://www.w3.org/2001/XMLSchema" xmlns:xs="http://www.w3.org/2001/XMLSchema" xmlns:dms="http://schemas.microsoft.com/office/2006/documentManagement/types" xmlns:pc="http://schemas.microsoft.com/office/infopath/2007/PartnerControls" targetNamespace="be898649-fe57-4b08-9fd4-31fc752880e3" elementFormDefault="qualified">
     <xsd:import namespace="http://schemas.microsoft.com/office/2006/documentManagement/types"/>
     <xsd:import namespace="http://schemas.microsoft.com/office/infopath/2007/PartnerControls"/>
-    <xsd:element name="SharedWithUsers" ma:index="8" nillable="true" ma:displayName="Shared With" ma:internalName="SharedWithUsers" ma:readOnly="true">
+    <xsd:element name="MediaServiceMetadata" ma:index="8" nillable="true" ma:displayName="MediaServiceMetadata" ma:description="" ma:hidden="true" ma:internalName="MediaServiceMetadata" ma:readOnly="true">
+      <xsd:simpleType>
+        <xsd:restriction base="dms:Note"/>
+      </xsd:simpleType>
+    </xsd:element>
+    <xsd:element name="MediaServiceFastMetadata" ma:index="9" nillable="true" ma:displayName="MediaServiceFastMetadata" ma:description="" ma:hidden="true" ma:internalName="MediaServiceFastMetadata" ma:readOnly="true">
+      <xsd:simpleType>
+        <xsd:restriction base="dms:Note"/>
+      </xsd:simpleType>
+    </xsd:element>
+    <xsd:element name="MediaServiceAutoTags" ma:index="10" nillable="true" ma:displayName="MediaServiceAutoTags" ma:description="" ma:internalName="MediaServiceAutoTags" ma:readOnly="true">
+      <xsd:simpleType>
+        <xsd:restriction base="dms:Text"/>
+      </xsd:simpleType>
+    </xsd:element>
+    <xsd:element name="MediaServiceDateTaken" ma:index="11" nillable="true" ma:displayName="MediaServiceDateTaken" ma:description="" ma:hidden="true" ma:internalName="MediaServiceDateTaken" ma:readOnly="true">
+      <xsd:simpleType>
+        <xsd:restriction base="dms:Text"/>
+      </xsd:simpleType>
+    </xsd:element>
+    <xsd:element name="MediaServiceLocation" ma:index="14" nillable="true" ma:displayName="MediaServiceLocation" ma:internalName="MediaServiceLocation" ma:readOnly="true">
+      <xsd:simpleType>
+        <xsd:restriction base="dms:Text"/>
+      </xsd:simpleType>
+    </xsd:element>
+    <xsd:element name="MediaServiceOCR" ma:index="15" nillable="true" ma:displayName="MediaServiceOCR" ma:internalName="MediaServiceOCR" ma:readOnly="true">
+      <xsd:simpleType>
+        <xsd:restriction base="dms:Note">
+          <xsd:maxLength value="255"/>
+        </xsd:restriction>
+      </xsd:simpleType>
+    </xsd:element>
+    <xsd:element name="MediaServiceEventHashCode" ma:index="16" nillable="true" ma:displayName="MediaServiceEventHashCode" ma:hidden="true" ma:internalName="MediaServiceEventHashCode" ma:readOnly="true">
+      <xsd:simpleType>
+        <xsd:restriction base="dms:Text"/>
+      </xsd:simpleType>
+    </xsd:element>
+    <xsd:element name="MediaServiceGenerationTime" ma:index="17" nillable="true" ma:displayName="MediaServiceGenerationTime" ma:hidden="true" ma:internalName="MediaServiceGenerationTime" ma:readOnly="true">
+      <xsd:simpleType>
+        <xsd:restriction base="dms:Text"/>
+      </xsd:simpleType>
+    </xsd:element>
+    <xsd:element name="MediaServiceAutoKeyPoints" ma:index="18" nillable="true" ma:displayName="MediaServiceAutoKeyPoints" ma:hidden="true" ma:internalName="MediaServiceAutoKeyPoints" ma:readOnly="true">
+      <xsd:simpleType>
+        <xsd:restriction base="dms:Note"/>
+      </xsd:simpleType>
+    </xsd:element>
+    <xsd:element name="MediaServiceKeyPoints" ma:index="19" nillable="true" ma:displayName="KeyPoints" ma:internalName="MediaServiceKeyPoints" ma:readOnly="true">
+      <xsd:simpleType>
+        <xsd:restriction base="dms:Note">
+          <xsd:maxLength value="255"/>
+        </xsd:restriction>
+      </xsd:simpleType>
+    </xsd:element>
+  </xsd:schema>
+  <xsd:schema xmlns:xsd="http://www.w3.org/2001/XMLSchema" xmlns:xs="http://www.w3.org/2001/XMLSchema" xmlns:dms="http://schemas.microsoft.com/office/2006/documentManagement/types" xmlns:pc="http://schemas.microsoft.com/office/infopath/2007/PartnerControls" targetNamespace="6f430b7c-f2e9-4385-9cb2-4dd06cc2317e" elementFormDefault="qualified">
+    <xsd:import namespace="http://schemas.microsoft.com/office/2006/documentManagement/types"/>
+    <xsd:import namespace="http://schemas.microsoft.com/office/infopath/2007/PartnerControls"/>
+    <xsd:element name="SharedWithUsers" ma:index="12" nillable="true" ma:displayName="Shared With" ma:internalName="SharedWithUsers" ma:readOnly="true">
       <xsd:complexType>
         <xsd:complexContent>
           <xsd:extension base="dms:UserMulti">
@@ -7091,16 +7516,11 @@
         </xsd:complexContent>
       </xsd:complexType>
     </xsd:element>
-    <xsd:element name="SharedWithDetails" ma:index="9" nillable="true" ma:displayName="Shared With Details" ma:internalName="SharedWithDetails" ma:readOnly="true">
+    <xsd:element name="SharedWithDetails" ma:index="13" nillable="true" ma:displayName="Shared With Details" ma:internalName="SharedWithDetails" ma:readOnly="true">
       <xsd:simpleType>
         <xsd:restriction base="dms:Note">
           <xsd:maxLength value="255"/>
         </xsd:restriction>
-      </xsd:simpleType>
-    </xsd:element>
-    <xsd:element name="SharingHintHash" ma:index="10" nillable="true" ma:displayName="Sharing Hint Hash" ma:internalName="SharingHintHash" ma:readOnly="true">
-      <xsd:simpleType>
-        <xsd:restriction base="dms:Text"/>
       </xsd:simpleType>
     </xsd:element>
   </xsd:schema>
@@ -7203,37 +7623,29 @@
 </ct:contentTypeSchema>
 </file>
 
+<file path=customXml/item2.xml><?xml version="1.0" encoding="utf-8"?>
+<?mso-contentType ?>
+<FormTemplates xmlns="http://schemas.microsoft.com/sharepoint/v3/contenttype/forms">
+  <Display>DocumentLibraryForm</Display>
+  <Edit>DocumentLibraryForm</Edit>
+  <New>DocumentLibraryForm</New>
+</FormTemplates>
+</file>
+
+<file path=customXml/item3.xml><?xml version="1.0" encoding="utf-8"?>
+<p:properties xmlns:p="http://schemas.microsoft.com/office/2006/metadata/properties" xmlns:xsi="http://www.w3.org/2001/XMLSchema-instance" xmlns:pc="http://schemas.microsoft.com/office/infopath/2007/PartnerControls">
+  <documentManagement/>
+</p:properties>
+</file>
+
 <file path=customXml/itemProps1.xml><?xml version="1.0" encoding="utf-8"?>
-<ds:datastoreItem xmlns:ds="http://schemas.openxmlformats.org/officeDocument/2006/customXml" ds:itemID="{8C02E9DD-2988-46AC-840B-87053A8C92A5}">
-  <ds:schemaRefs>
-    <ds:schemaRef ds:uri="http://schemas.microsoft.com/office/2006/metadata/properties"/>
-    <ds:schemaRef ds:uri="http://schemas.microsoft.com/office/infopath/2007/PartnerControls"/>
-  </ds:schemaRefs>
-</ds:datastoreItem>
+<ds:datastoreItem xmlns:ds="http://schemas.openxmlformats.org/officeDocument/2006/customXml" ds:itemID="{C56BA06B-D132-4865-B765-B877E5551818}"/>
 </file>
 
 <file path=customXml/itemProps2.xml><?xml version="1.0" encoding="utf-8"?>
-<ds:datastoreItem xmlns:ds="http://schemas.openxmlformats.org/officeDocument/2006/customXml" ds:itemID="{CB12F83C-062E-4D83-A20D-F8FCDC582243}">
-  <ds:schemaRefs>
-    <ds:schemaRef ds:uri="http://schemas.microsoft.com/sharepoint/v3/contenttype/forms"/>
-  </ds:schemaRefs>
-</ds:datastoreItem>
+<ds:datastoreItem xmlns:ds="http://schemas.openxmlformats.org/officeDocument/2006/customXml" ds:itemID="{CB12F83C-062E-4D83-A20D-F8FCDC582243}"/>
 </file>
 
 <file path=customXml/itemProps3.xml><?xml version="1.0" encoding="utf-8"?>
-<ds:datastoreItem xmlns:ds="http://schemas.openxmlformats.org/officeDocument/2006/customXml" ds:itemID="{DD08AABD-5E90-4EF9-A70F-2BC053D3E1B2}">
-  <ds:schemaRefs>
-    <ds:schemaRef ds:uri="http://schemas.microsoft.com/office/2006/metadata/contentType"/>
-    <ds:schemaRef ds:uri="http://schemas.microsoft.com/office/2006/metadata/properties/metaAttributes"/>
-    <ds:schemaRef ds:uri="http://www.w3.org/2001/XMLSchema"/>
-    <ds:schemaRef ds:uri="http://schemas.microsoft.com/office/2006/metadata/properties"/>
-    <ds:schemaRef ds:uri="5edd459b-714d-42ed-b78f-512da7d1c14e"/>
-    <ds:schemaRef ds:uri="http://schemas.microsoft.com/office/2006/documentManagement/types"/>
-    <ds:schemaRef ds:uri="http://schemas.microsoft.com/office/infopath/2007/PartnerControls"/>
-    <ds:schemaRef ds:uri="http://schemas.openxmlformats.org/package/2006/metadata/core-properties"/>
-    <ds:schemaRef ds:uri="http://purl.org/dc/elements/1.1/"/>
-    <ds:schemaRef ds:uri="http://purl.org/dc/terms/"/>
-    <ds:schemaRef ds:uri="http://schemas.microsoft.com/internal/obd"/>
-  </ds:schemaRefs>
-</ds:datastoreItem>
+<ds:datastoreItem xmlns:ds="http://schemas.openxmlformats.org/officeDocument/2006/customXml" ds:itemID="{8C02E9DD-2988-46AC-840B-87053A8C92A5}"/>
 </file>
--- a/curriculum/Unit2/Unit 2 Slides.pptx
+++ b/curriculum/Unit2/Unit 2 Slides.pptx
@@ -2,27 +2,27 @@
 <file path=ppt/presentation.xml><?xml version="1.0" encoding="utf-8"?>
 <p:presentation xmlns:a="http://schemas.openxmlformats.org/drawingml/2006/main" xmlns:r="http://schemas.openxmlformats.org/officeDocument/2006/relationships" xmlns:p="http://schemas.openxmlformats.org/presentationml/2006/main" saveSubsetFonts="1" autoCompressPictures="0">
   <p:sldMasterIdLst>
-    <p:sldMasterId id="2147483648" r:id="rId1"/>
+    <p:sldMasterId id="2147483648" r:id="rId4"/>
   </p:sldMasterIdLst>
   <p:notesMasterIdLst>
-    <p:notesMasterId r:id="rId14"/>
+    <p:notesMasterId r:id="rId17"/>
   </p:notesMasterIdLst>
   <p:handoutMasterIdLst>
-    <p:handoutMasterId r:id="rId15"/>
+    <p:handoutMasterId r:id="rId18"/>
   </p:handoutMasterIdLst>
   <p:sldIdLst>
-    <p:sldId id="271" r:id="rId2"/>
-    <p:sldId id="282" r:id="rId3"/>
-    <p:sldId id="278" r:id="rId4"/>
-    <p:sldId id="279" r:id="rId5"/>
-    <p:sldId id="276" r:id="rId6"/>
-    <p:sldId id="277" r:id="rId7"/>
-    <p:sldId id="274" r:id="rId8"/>
-    <p:sldId id="275" r:id="rId9"/>
-    <p:sldId id="272" r:id="rId10"/>
-    <p:sldId id="280" r:id="rId11"/>
-    <p:sldId id="273" r:id="rId12"/>
-    <p:sldId id="281" r:id="rId13"/>
+    <p:sldId id="271" r:id="rId5"/>
+    <p:sldId id="282" r:id="rId6"/>
+    <p:sldId id="278" r:id="rId7"/>
+    <p:sldId id="279" r:id="rId8"/>
+    <p:sldId id="276" r:id="rId9"/>
+    <p:sldId id="277" r:id="rId10"/>
+    <p:sldId id="274" r:id="rId11"/>
+    <p:sldId id="275" r:id="rId12"/>
+    <p:sldId id="272" r:id="rId13"/>
+    <p:sldId id="280" r:id="rId14"/>
+    <p:sldId id="273" r:id="rId15"/>
+    <p:sldId id="281" r:id="rId16"/>
   </p:sldIdLst>
   <p:sldSz cx="9144000" cy="6858000" type="screen4x3"/>
   <p:notesSz cx="6858000" cy="9144000"/>
@@ -121,6 +121,22 @@
       </a:defRPr>
     </a:lvl9pPr>
   </p:defaultTextStyle>
+  <p:extLst>
+    <p:ext uri="{EFAFB233-063F-42B5-8137-9DF3F51BA10A}">
+      <p15:sldGuideLst xmlns:p15="http://schemas.microsoft.com/office/powerpoint/2012/main">
+        <p15:guide id="1" orient="horz" pos="2160">
+          <p15:clr>
+            <a:srgbClr val="A4A3A4"/>
+          </p15:clr>
+        </p15:guide>
+        <p15:guide id="2" pos="2880">
+          <p15:clr>
+            <a:srgbClr val="A4A3A4"/>
+          </p15:clr>
+        </p15:guide>
+      </p15:sldGuideLst>
+    </p:ext>
+  </p:extLst>
 </p:presentation>
 </file>
 
@@ -206,7 +222,7 @@
           <a:p>
             <a:fld id="{6D0754E3-E03E-ED44-9A59-706283C2F2CC}" type="datetimeFigureOut">
               <a:rPr lang="en-US" smtClean="0"/>
-              <a:t>7/1/15</a:t>
+              <a:t>2/18/2020</a:t>
             </a:fld>
             <a:endParaRPr lang="en-US"/>
           </a:p>
@@ -372,7 +388,7 @@
           <a:p>
             <a:fld id="{44996FB4-6AD2-FE4B-B45E-D44A9C110DAF}" type="datetimeFigureOut">
               <a:rPr lang="en-US" smtClean="0"/>
-              <a:t>7/1/15</a:t>
+              <a:t>2/18/2020</a:t>
             </a:fld>
             <a:endParaRPr lang="en-US"/>
           </a:p>
@@ -436,38 +452,37 @@
           <a:p>
             <a:pPr lvl="0"/>
             <a:r>
-              <a:rPr lang="en-US" smtClean="0"/>
+              <a:rPr lang="en-US"/>
               <a:t>Click to edit Master text styles</a:t>
             </a:r>
           </a:p>
           <a:p>
             <a:pPr lvl="1"/>
             <a:r>
-              <a:rPr lang="en-US" smtClean="0"/>
+              <a:rPr lang="en-US"/>
               <a:t>Second level</a:t>
             </a:r>
           </a:p>
           <a:p>
             <a:pPr lvl="2"/>
             <a:r>
-              <a:rPr lang="en-US" smtClean="0"/>
+              <a:rPr lang="en-US"/>
               <a:t>Third level</a:t>
             </a:r>
           </a:p>
           <a:p>
             <a:pPr lvl="3"/>
             <a:r>
-              <a:rPr lang="en-US" smtClean="0"/>
+              <a:rPr lang="en-US"/>
               <a:t>Fourth level</a:t>
             </a:r>
           </a:p>
           <a:p>
             <a:pPr lvl="4"/>
             <a:r>
-              <a:rPr lang="en-US" smtClean="0"/>
+              <a:rPr lang="en-US"/>
               <a:t>Fifth level</a:t>
             </a:r>
-            <a:endParaRPr lang="en-US"/>
           </a:p>
         </p:txBody>
       </p:sp>
@@ -679,10 +694,9 @@
           <a:lstStyle/>
           <a:p>
             <a:r>
-              <a:rPr lang="en-US" smtClean="0"/>
+              <a:rPr lang="en-US"/>
               <a:t>Click to edit Master title style</a:t>
             </a:r>
-            <a:endParaRPr lang="en-US"/>
           </a:p>
         </p:txBody>
       </p:sp>
@@ -798,10 +812,9 @@
           </a:lstStyle>
           <a:p>
             <a:r>
-              <a:rPr lang="en-US" smtClean="0"/>
+              <a:rPr lang="en-US"/>
               <a:t>Click to edit Master subtitle style</a:t>
             </a:r>
-            <a:endParaRPr lang="en-US"/>
           </a:p>
         </p:txBody>
       </p:sp>
@@ -822,7 +835,7 @@
           <a:p>
             <a:fld id="{34990CC2-A8CC-B149-BA8F-DDB0E524EE45}" type="datetime1">
               <a:rPr lang="en-US" smtClean="0"/>
-              <a:t>7/1/15</a:t>
+              <a:t>2/18/2020</a:t>
             </a:fld>
             <a:endParaRPr lang="en-US"/>
           </a:p>
@@ -844,10 +857,9 @@
           <a:lstStyle/>
           <a:p>
             <a:r>
-              <a:rPr lang="en-US" smtClean="0"/>
+              <a:rPr lang="en-US"/>
               <a:t>Developed by TEALS in 2015  www.tealsk12.org</a:t>
             </a:r>
-            <a:endParaRPr lang="en-US"/>
           </a:p>
         </p:txBody>
       </p:sp>
@@ -920,10 +932,9 @@
           <a:lstStyle/>
           <a:p>
             <a:r>
-              <a:rPr lang="en-US" smtClean="0"/>
+              <a:rPr lang="en-US"/>
               <a:t>Click to edit Master title style</a:t>
             </a:r>
-            <a:endParaRPr lang="en-US"/>
           </a:p>
         </p:txBody>
       </p:sp>
@@ -944,38 +955,37 @@
           <a:p>
             <a:pPr lvl="0"/>
             <a:r>
-              <a:rPr lang="en-US" smtClean="0"/>
+              <a:rPr lang="en-US"/>
               <a:t>Click to edit Master text styles</a:t>
             </a:r>
           </a:p>
           <a:p>
             <a:pPr lvl="1"/>
             <a:r>
-              <a:rPr lang="en-US" smtClean="0"/>
+              <a:rPr lang="en-US"/>
               <a:t>Second level</a:t>
             </a:r>
           </a:p>
           <a:p>
             <a:pPr lvl="2"/>
             <a:r>
-              <a:rPr lang="en-US" smtClean="0"/>
+              <a:rPr lang="en-US"/>
               <a:t>Third level</a:t>
             </a:r>
           </a:p>
           <a:p>
             <a:pPr lvl="3"/>
             <a:r>
-              <a:rPr lang="en-US" smtClean="0"/>
+              <a:rPr lang="en-US"/>
               <a:t>Fourth level</a:t>
             </a:r>
           </a:p>
           <a:p>
             <a:pPr lvl="4"/>
             <a:r>
-              <a:rPr lang="en-US" smtClean="0"/>
+              <a:rPr lang="en-US"/>
               <a:t>Fifth level</a:t>
             </a:r>
-            <a:endParaRPr lang="en-US"/>
           </a:p>
         </p:txBody>
       </p:sp>
@@ -996,7 +1006,7 @@
           <a:p>
             <a:fld id="{96267D05-F6C2-F64A-9C7F-A94B43164B5C}" type="datetime1">
               <a:rPr lang="en-US" smtClean="0"/>
-              <a:t>7/1/15</a:t>
+              <a:t>2/18/2020</a:t>
             </a:fld>
             <a:endParaRPr lang="en-US"/>
           </a:p>
@@ -1018,10 +1028,9 @@
           <a:lstStyle/>
           <a:p>
             <a:r>
-              <a:rPr lang="en-US" smtClean="0"/>
+              <a:rPr lang="en-US"/>
               <a:t>Developed by TEALS in 2015  www.tealsk12.org</a:t>
             </a:r>
-            <a:endParaRPr lang="en-US"/>
           </a:p>
         </p:txBody>
       </p:sp>
@@ -1099,10 +1108,9 @@
           <a:lstStyle/>
           <a:p>
             <a:r>
-              <a:rPr lang="en-US" smtClean="0"/>
+              <a:rPr lang="en-US"/>
               <a:t>Click to edit Master title style</a:t>
             </a:r>
-            <a:endParaRPr lang="en-US"/>
           </a:p>
         </p:txBody>
       </p:sp>
@@ -1128,38 +1136,37 @@
           <a:p>
             <a:pPr lvl="0"/>
             <a:r>
-              <a:rPr lang="en-US" smtClean="0"/>
+              <a:rPr lang="en-US"/>
               <a:t>Click to edit Master text styles</a:t>
             </a:r>
           </a:p>
           <a:p>
             <a:pPr lvl="1"/>
             <a:r>
-              <a:rPr lang="en-US" smtClean="0"/>
+              <a:rPr lang="en-US"/>
               <a:t>Second level</a:t>
             </a:r>
           </a:p>
           <a:p>
             <a:pPr lvl="2"/>
             <a:r>
-              <a:rPr lang="en-US" smtClean="0"/>
+              <a:rPr lang="en-US"/>
               <a:t>Third level</a:t>
             </a:r>
           </a:p>
           <a:p>
             <a:pPr lvl="3"/>
             <a:r>
-              <a:rPr lang="en-US" smtClean="0"/>
+              <a:rPr lang="en-US"/>
               <a:t>Fourth level</a:t>
             </a:r>
           </a:p>
           <a:p>
             <a:pPr lvl="4"/>
             <a:r>
-              <a:rPr lang="en-US" smtClean="0"/>
+              <a:rPr lang="en-US"/>
               <a:t>Fifth level</a:t>
             </a:r>
-            <a:endParaRPr lang="en-US"/>
           </a:p>
         </p:txBody>
       </p:sp>
@@ -1180,7 +1187,7 @@
           <a:p>
             <a:fld id="{087C1978-9D0A-A345-9E84-F995A3601C8E}" type="datetime1">
               <a:rPr lang="en-US" smtClean="0"/>
-              <a:t>7/1/15</a:t>
+              <a:t>2/18/2020</a:t>
             </a:fld>
             <a:endParaRPr lang="en-US"/>
           </a:p>
@@ -1202,10 +1209,9 @@
           <a:lstStyle/>
           <a:p>
             <a:r>
-              <a:rPr lang="en-US" smtClean="0"/>
+              <a:rPr lang="en-US"/>
               <a:t>Developed by TEALS in 2015  www.tealsk12.org</a:t>
             </a:r>
-            <a:endParaRPr lang="en-US"/>
           </a:p>
         </p:txBody>
       </p:sp>
@@ -1278,10 +1284,9 @@
           <a:lstStyle/>
           <a:p>
             <a:r>
-              <a:rPr lang="en-US" smtClean="0"/>
+              <a:rPr lang="en-US"/>
               <a:t>Click to edit Master title style</a:t>
             </a:r>
-            <a:endParaRPr lang="en-US"/>
           </a:p>
         </p:txBody>
       </p:sp>
@@ -1302,38 +1307,37 @@
           <a:p>
             <a:pPr lvl="0"/>
             <a:r>
-              <a:rPr lang="en-US" smtClean="0"/>
+              <a:rPr lang="en-US"/>
               <a:t>Click to edit Master text styles</a:t>
             </a:r>
           </a:p>
           <a:p>
             <a:pPr lvl="1"/>
             <a:r>
-              <a:rPr lang="en-US" smtClean="0"/>
+              <a:rPr lang="en-US"/>
               <a:t>Second level</a:t>
             </a:r>
           </a:p>
           <a:p>
             <a:pPr lvl="2"/>
             <a:r>
-              <a:rPr lang="en-US" smtClean="0"/>
+              <a:rPr lang="en-US"/>
               <a:t>Third level</a:t>
             </a:r>
           </a:p>
           <a:p>
             <a:pPr lvl="3"/>
             <a:r>
-              <a:rPr lang="en-US" smtClean="0"/>
+              <a:rPr lang="en-US"/>
               <a:t>Fourth level</a:t>
             </a:r>
           </a:p>
           <a:p>
             <a:pPr lvl="4"/>
             <a:r>
-              <a:rPr lang="en-US" smtClean="0"/>
+              <a:rPr lang="en-US"/>
               <a:t>Fifth level</a:t>
             </a:r>
-            <a:endParaRPr lang="en-US"/>
           </a:p>
         </p:txBody>
       </p:sp>
@@ -1354,7 +1358,7 @@
           <a:p>
             <a:fld id="{620CD570-9DDA-524E-9F58-9DBC8D3A8C31}" type="datetime1">
               <a:rPr lang="en-US" smtClean="0"/>
-              <a:t>7/1/15</a:t>
+              <a:t>2/18/2020</a:t>
             </a:fld>
             <a:endParaRPr lang="en-US"/>
           </a:p>
@@ -1376,10 +1380,9 @@
           <a:lstStyle/>
           <a:p>
             <a:r>
-              <a:rPr lang="en-US" smtClean="0"/>
+              <a:rPr lang="en-US"/>
               <a:t>Developed by TEALS in 2015  www.tealsk12.org</a:t>
             </a:r>
-            <a:endParaRPr lang="en-US"/>
           </a:p>
         </p:txBody>
       </p:sp>
@@ -1461,10 +1464,9 @@
           </a:lstStyle>
           <a:p>
             <a:r>
-              <a:rPr lang="en-US" smtClean="0"/>
+              <a:rPr lang="en-US"/>
               <a:t>Click to edit Master title style</a:t>
             </a:r>
-            <a:endParaRPr lang="en-US"/>
           </a:p>
         </p:txBody>
       </p:sp>
@@ -1581,7 +1583,7 @@
           <a:p>
             <a:pPr lvl="0"/>
             <a:r>
-              <a:rPr lang="en-US" smtClean="0"/>
+              <a:rPr lang="en-US"/>
               <a:t>Click to edit Master text styles</a:t>
             </a:r>
           </a:p>
@@ -1604,7 +1606,7 @@
           <a:p>
             <a:fld id="{FEBAD56B-400E-5542-B4A1-CD46AB8B4D0E}" type="datetime1">
               <a:rPr lang="en-US" smtClean="0"/>
-              <a:t>7/1/15</a:t>
+              <a:t>2/18/2020</a:t>
             </a:fld>
             <a:endParaRPr lang="en-US"/>
           </a:p>
@@ -1626,10 +1628,9 @@
           <a:lstStyle/>
           <a:p>
             <a:r>
-              <a:rPr lang="en-US" smtClean="0"/>
+              <a:rPr lang="en-US"/>
               <a:t>Developed by TEALS in 2015  www.tealsk12.org</a:t>
             </a:r>
-            <a:endParaRPr lang="en-US"/>
           </a:p>
         </p:txBody>
       </p:sp>
@@ -1702,10 +1703,9 @@
           <a:lstStyle/>
           <a:p>
             <a:r>
-              <a:rPr lang="en-US" smtClean="0"/>
+              <a:rPr lang="en-US"/>
               <a:t>Click to edit Master title style</a:t>
             </a:r>
-            <a:endParaRPr lang="en-US"/>
           </a:p>
         </p:txBody>
       </p:sp>
@@ -1759,38 +1759,37 @@
           <a:p>
             <a:pPr lvl="0"/>
             <a:r>
-              <a:rPr lang="en-US" smtClean="0"/>
+              <a:rPr lang="en-US"/>
               <a:t>Click to edit Master text styles</a:t>
             </a:r>
           </a:p>
           <a:p>
             <a:pPr lvl="1"/>
             <a:r>
-              <a:rPr lang="en-US" smtClean="0"/>
+              <a:rPr lang="en-US"/>
               <a:t>Second level</a:t>
             </a:r>
           </a:p>
           <a:p>
             <a:pPr lvl="2"/>
             <a:r>
-              <a:rPr lang="en-US" smtClean="0"/>
+              <a:rPr lang="en-US"/>
               <a:t>Third level</a:t>
             </a:r>
           </a:p>
           <a:p>
             <a:pPr lvl="3"/>
             <a:r>
-              <a:rPr lang="en-US" smtClean="0"/>
+              <a:rPr lang="en-US"/>
               <a:t>Fourth level</a:t>
             </a:r>
           </a:p>
           <a:p>
             <a:pPr lvl="4"/>
             <a:r>
-              <a:rPr lang="en-US" smtClean="0"/>
+              <a:rPr lang="en-US"/>
               <a:t>Fifth level</a:t>
             </a:r>
-            <a:endParaRPr lang="en-US"/>
           </a:p>
         </p:txBody>
       </p:sp>
@@ -1844,38 +1843,37 @@
           <a:p>
             <a:pPr lvl="0"/>
             <a:r>
-              <a:rPr lang="en-US" smtClean="0"/>
+              <a:rPr lang="en-US"/>
               <a:t>Click to edit Master text styles</a:t>
             </a:r>
           </a:p>
           <a:p>
             <a:pPr lvl="1"/>
             <a:r>
-              <a:rPr lang="en-US" smtClean="0"/>
+              <a:rPr lang="en-US"/>
               <a:t>Second level</a:t>
             </a:r>
           </a:p>
           <a:p>
             <a:pPr lvl="2"/>
             <a:r>
-              <a:rPr lang="en-US" smtClean="0"/>
+              <a:rPr lang="en-US"/>
               <a:t>Third level</a:t>
             </a:r>
           </a:p>
           <a:p>
             <a:pPr lvl="3"/>
             <a:r>
-              <a:rPr lang="en-US" smtClean="0"/>
+              <a:rPr lang="en-US"/>
               <a:t>Fourth level</a:t>
             </a:r>
           </a:p>
           <a:p>
             <a:pPr lvl="4"/>
             <a:r>
-              <a:rPr lang="en-US" smtClean="0"/>
+              <a:rPr lang="en-US"/>
               <a:t>Fifth level</a:t>
             </a:r>
-            <a:endParaRPr lang="en-US"/>
           </a:p>
         </p:txBody>
       </p:sp>
@@ -1896,7 +1894,7 @@
           <a:p>
             <a:fld id="{43394E63-B418-1F4A-9C08-2548B9C5B3C1}" type="datetime1">
               <a:rPr lang="en-US" smtClean="0"/>
-              <a:t>7/1/15</a:t>
+              <a:t>2/18/2020</a:t>
             </a:fld>
             <a:endParaRPr lang="en-US"/>
           </a:p>
@@ -1918,10 +1916,9 @@
           <a:lstStyle/>
           <a:p>
             <a:r>
-              <a:rPr lang="en-US" smtClean="0"/>
+              <a:rPr lang="en-US"/>
               <a:t>Developed by TEALS in 2015  www.tealsk12.org</a:t>
             </a:r>
-            <a:endParaRPr lang="en-US"/>
           </a:p>
         </p:txBody>
       </p:sp>
@@ -1998,10 +1995,9 @@
           </a:lstStyle>
           <a:p>
             <a:r>
-              <a:rPr lang="en-US" smtClean="0"/>
+              <a:rPr lang="en-US"/>
               <a:t>Click to edit Master title style</a:t>
             </a:r>
-            <a:endParaRPr lang="en-US"/>
           </a:p>
         </p:txBody>
       </p:sp>
@@ -2064,7 +2060,7 @@
           <a:p>
             <a:pPr lvl="0"/>
             <a:r>
-              <a:rPr lang="en-US" smtClean="0"/>
+              <a:rPr lang="en-US"/>
               <a:t>Click to edit Master text styles</a:t>
             </a:r>
           </a:p>
@@ -2120,38 +2116,37 @@
           <a:p>
             <a:pPr lvl="0"/>
             <a:r>
-              <a:rPr lang="en-US" smtClean="0"/>
+              <a:rPr lang="en-US"/>
               <a:t>Click to edit Master text styles</a:t>
             </a:r>
           </a:p>
           <a:p>
             <a:pPr lvl="1"/>
             <a:r>
-              <a:rPr lang="en-US" smtClean="0"/>
+              <a:rPr lang="en-US"/>
               <a:t>Second level</a:t>
             </a:r>
           </a:p>
           <a:p>
             <a:pPr lvl="2"/>
             <a:r>
-              <a:rPr lang="en-US" smtClean="0"/>
+              <a:rPr lang="en-US"/>
               <a:t>Third level</a:t>
             </a:r>
           </a:p>
           <a:p>
             <a:pPr lvl="3"/>
             <a:r>
-              <a:rPr lang="en-US" smtClean="0"/>
+              <a:rPr lang="en-US"/>
               <a:t>Fourth level</a:t>
             </a:r>
           </a:p>
           <a:p>
             <a:pPr lvl="4"/>
             <a:r>
-              <a:rPr lang="en-US" smtClean="0"/>
+              <a:rPr lang="en-US"/>
               <a:t>Fifth level</a:t>
             </a:r>
-            <a:endParaRPr lang="en-US"/>
           </a:p>
         </p:txBody>
       </p:sp>
@@ -2214,7 +2209,7 @@
           <a:p>
             <a:pPr lvl="0"/>
             <a:r>
-              <a:rPr lang="en-US" smtClean="0"/>
+              <a:rPr lang="en-US"/>
               <a:t>Click to edit Master text styles</a:t>
             </a:r>
           </a:p>
@@ -2270,38 +2265,37 @@
           <a:p>
             <a:pPr lvl="0"/>
             <a:r>
-              <a:rPr lang="en-US" smtClean="0"/>
+              <a:rPr lang="en-US"/>
               <a:t>Click to edit Master text styles</a:t>
             </a:r>
           </a:p>
           <a:p>
             <a:pPr lvl="1"/>
             <a:r>
-              <a:rPr lang="en-US" smtClean="0"/>
+              <a:rPr lang="en-US"/>
               <a:t>Second level</a:t>
             </a:r>
           </a:p>
           <a:p>
             <a:pPr lvl="2"/>
             <a:r>
-              <a:rPr lang="en-US" smtClean="0"/>
+              <a:rPr lang="en-US"/>
               <a:t>Third level</a:t>
             </a:r>
           </a:p>
           <a:p>
             <a:pPr lvl="3"/>
             <a:r>
-              <a:rPr lang="en-US" smtClean="0"/>
+              <a:rPr lang="en-US"/>
               <a:t>Fourth level</a:t>
             </a:r>
           </a:p>
           <a:p>
             <a:pPr lvl="4"/>
             <a:r>
-              <a:rPr lang="en-US" smtClean="0"/>
+              <a:rPr lang="en-US"/>
               <a:t>Fifth level</a:t>
             </a:r>
-            <a:endParaRPr lang="en-US"/>
           </a:p>
         </p:txBody>
       </p:sp>
@@ -2322,7 +2316,7 @@
           <a:p>
             <a:fld id="{6F92EF41-DD41-C742-BC3B-970F41658B68}" type="datetime1">
               <a:rPr lang="en-US" smtClean="0"/>
-              <a:t>7/1/15</a:t>
+              <a:t>2/18/2020</a:t>
             </a:fld>
             <a:endParaRPr lang="en-US"/>
           </a:p>
@@ -2344,10 +2338,9 @@
           <a:lstStyle/>
           <a:p>
             <a:r>
-              <a:rPr lang="en-US" smtClean="0"/>
+              <a:rPr lang="en-US"/>
               <a:t>Developed by TEALS in 2015  www.tealsk12.org</a:t>
             </a:r>
-            <a:endParaRPr lang="en-US"/>
           </a:p>
         </p:txBody>
       </p:sp>
@@ -2420,10 +2413,9 @@
           <a:lstStyle/>
           <a:p>
             <a:r>
-              <a:rPr lang="en-US" smtClean="0"/>
+              <a:rPr lang="en-US"/>
               <a:t>Click to edit Master title style</a:t>
             </a:r>
-            <a:endParaRPr lang="en-US"/>
           </a:p>
         </p:txBody>
       </p:sp>
@@ -2444,7 +2436,7 @@
           <a:p>
             <a:fld id="{631009B9-6DC3-0349-8BB5-CE1E5B2C68D1}" type="datetime1">
               <a:rPr lang="en-US" smtClean="0"/>
-              <a:t>7/1/15</a:t>
+              <a:t>2/18/2020</a:t>
             </a:fld>
             <a:endParaRPr lang="en-US"/>
           </a:p>
@@ -2466,10 +2458,9 @@
           <a:lstStyle/>
           <a:p>
             <a:r>
-              <a:rPr lang="en-US" smtClean="0"/>
+              <a:rPr lang="en-US"/>
               <a:t>Developed by TEALS in 2015  www.tealsk12.org</a:t>
             </a:r>
-            <a:endParaRPr lang="en-US"/>
           </a:p>
         </p:txBody>
       </p:sp>
@@ -2543,7 +2534,7 @@
           <a:p>
             <a:fld id="{DBD68779-2025-B44F-AD23-DF62F9874F1B}" type="datetime1">
               <a:rPr lang="en-US" smtClean="0"/>
-              <a:t>7/1/15</a:t>
+              <a:t>2/18/2020</a:t>
             </a:fld>
             <a:endParaRPr lang="en-US"/>
           </a:p>
@@ -2565,10 +2556,9 @@
           <a:lstStyle/>
           <a:p>
             <a:r>
-              <a:rPr lang="en-US" smtClean="0"/>
+              <a:rPr lang="en-US"/>
               <a:t>Developed by TEALS in 2015  www.tealsk12.org</a:t>
             </a:r>
-            <a:endParaRPr lang="en-US"/>
           </a:p>
         </p:txBody>
       </p:sp>
@@ -2650,10 +2640,9 @@
           </a:lstStyle>
           <a:p>
             <a:r>
-              <a:rPr lang="en-US" smtClean="0"/>
+              <a:rPr lang="en-US"/>
               <a:t>Click to edit Master title style</a:t>
             </a:r>
-            <a:endParaRPr lang="en-US"/>
           </a:p>
         </p:txBody>
       </p:sp>
@@ -2707,38 +2696,37 @@
           <a:p>
             <a:pPr lvl="0"/>
             <a:r>
-              <a:rPr lang="en-US" smtClean="0"/>
+              <a:rPr lang="en-US"/>
               <a:t>Click to edit Master text styles</a:t>
             </a:r>
           </a:p>
           <a:p>
             <a:pPr lvl="1"/>
             <a:r>
-              <a:rPr lang="en-US" smtClean="0"/>
+              <a:rPr lang="en-US"/>
               <a:t>Second level</a:t>
             </a:r>
           </a:p>
           <a:p>
             <a:pPr lvl="2"/>
             <a:r>
-              <a:rPr lang="en-US" smtClean="0"/>
+              <a:rPr lang="en-US"/>
               <a:t>Third level</a:t>
             </a:r>
           </a:p>
           <a:p>
             <a:pPr lvl="3"/>
             <a:r>
-              <a:rPr lang="en-US" smtClean="0"/>
+              <a:rPr lang="en-US"/>
               <a:t>Fourth level</a:t>
             </a:r>
           </a:p>
           <a:p>
             <a:pPr lvl="4"/>
             <a:r>
-              <a:rPr lang="en-US" smtClean="0"/>
+              <a:rPr lang="en-US"/>
               <a:t>Fifth level</a:t>
             </a:r>
-            <a:endParaRPr lang="en-US"/>
           </a:p>
         </p:txBody>
       </p:sp>
@@ -2801,7 +2789,7 @@
           <a:p>
             <a:pPr lvl="0"/>
             <a:r>
-              <a:rPr lang="en-US" smtClean="0"/>
+              <a:rPr lang="en-US"/>
               <a:t>Click to edit Master text styles</a:t>
             </a:r>
           </a:p>
@@ -2824,7 +2812,7 @@
           <a:p>
             <a:fld id="{1C533E1B-B859-DB4E-86F0-BE8C9C0ABFF7}" type="datetime1">
               <a:rPr lang="en-US" smtClean="0"/>
-              <a:t>7/1/15</a:t>
+              <a:t>2/18/2020</a:t>
             </a:fld>
             <a:endParaRPr lang="en-US"/>
           </a:p>
@@ -2846,10 +2834,9 @@
           <a:lstStyle/>
           <a:p>
             <a:r>
-              <a:rPr lang="en-US" smtClean="0"/>
+              <a:rPr lang="en-US"/>
               <a:t>Developed by TEALS in 2015  www.tealsk12.org</a:t>
             </a:r>
-            <a:endParaRPr lang="en-US"/>
           </a:p>
         </p:txBody>
       </p:sp>
@@ -2931,10 +2918,9 @@
           </a:lstStyle>
           <a:p>
             <a:r>
-              <a:rPr lang="en-US" smtClean="0"/>
+              <a:rPr lang="en-US"/>
               <a:t>Click to edit Master title style</a:t>
             </a:r>
-            <a:endParaRPr lang="en-US"/>
           </a:p>
         </p:txBody>
       </p:sp>
@@ -3058,7 +3044,7 @@
           <a:p>
             <a:pPr lvl="0"/>
             <a:r>
-              <a:rPr lang="en-US" smtClean="0"/>
+              <a:rPr lang="en-US"/>
               <a:t>Click to edit Master text styles</a:t>
             </a:r>
           </a:p>
@@ -3081,7 +3067,7 @@
           <a:p>
             <a:fld id="{AC1EAEA1-8470-6B4A-8D60-97578450ABB9}" type="datetime1">
               <a:rPr lang="en-US" smtClean="0"/>
-              <a:t>7/1/15</a:t>
+              <a:t>2/18/2020</a:t>
             </a:fld>
             <a:endParaRPr lang="en-US"/>
           </a:p>
@@ -3103,10 +3089,9 @@
           <a:lstStyle/>
           <a:p>
             <a:r>
-              <a:rPr lang="en-US" smtClean="0"/>
+              <a:rPr lang="en-US"/>
               <a:t>Developed by TEALS in 2015  www.tealsk12.org</a:t>
             </a:r>
-            <a:endParaRPr lang="en-US"/>
           </a:p>
         </p:txBody>
       </p:sp>
@@ -3194,10 +3179,9 @@
           <a:lstStyle/>
           <a:p>
             <a:r>
-              <a:rPr lang="en-US" smtClean="0"/>
+              <a:rPr lang="en-US"/>
               <a:t>Click to edit Master title style</a:t>
             </a:r>
-            <a:endParaRPr lang="en-US"/>
           </a:p>
         </p:txBody>
       </p:sp>
@@ -3228,38 +3212,37 @@
           <a:p>
             <a:pPr lvl="0"/>
             <a:r>
-              <a:rPr lang="en-US" smtClean="0"/>
+              <a:rPr lang="en-US"/>
               <a:t>Click to edit Master text styles</a:t>
             </a:r>
           </a:p>
           <a:p>
             <a:pPr lvl="1"/>
             <a:r>
-              <a:rPr lang="en-US" smtClean="0"/>
+              <a:rPr lang="en-US"/>
               <a:t>Second level</a:t>
             </a:r>
           </a:p>
           <a:p>
             <a:pPr lvl="2"/>
             <a:r>
-              <a:rPr lang="en-US" smtClean="0"/>
+              <a:rPr lang="en-US"/>
               <a:t>Third level</a:t>
             </a:r>
           </a:p>
           <a:p>
             <a:pPr lvl="3"/>
             <a:r>
-              <a:rPr lang="en-US" smtClean="0"/>
+              <a:rPr lang="en-US"/>
               <a:t>Fourth level</a:t>
             </a:r>
           </a:p>
           <a:p>
             <a:pPr lvl="4"/>
             <a:r>
-              <a:rPr lang="en-US" smtClean="0"/>
+              <a:rPr lang="en-US"/>
               <a:t>Fifth level</a:t>
             </a:r>
-            <a:endParaRPr lang="en-US"/>
           </a:p>
         </p:txBody>
       </p:sp>
@@ -3298,7 +3281,7 @@
           <a:p>
             <a:fld id="{EB2A284D-251E-7046-B0B7-6A85726BD855}" type="datetime1">
               <a:rPr lang="en-US" smtClean="0"/>
-              <a:t>7/1/15</a:t>
+              <a:t>2/18/2020</a:t>
             </a:fld>
             <a:endParaRPr lang="en-US"/>
           </a:p>
@@ -3338,10 +3321,9 @@
           </a:lstStyle>
           <a:p>
             <a:r>
-              <a:rPr lang="en-US" smtClean="0"/>
+              <a:rPr lang="en-US"/>
               <a:t>Developed by TEALS in 2015  www.tealsk12.org</a:t>
             </a:r>
-            <a:endParaRPr lang="en-US"/>
           </a:p>
         </p:txBody>
       </p:sp>
@@ -3696,22 +3678,17 @@
           <a:lstStyle/>
           <a:p>
             <a:r>
-              <a:rPr lang="en-US" b="1" dirty="0" smtClean="0"/>
+              <a:rPr lang="en-US" b="1" dirty="0"/>
               <a:t>Lesson 2.0 </a:t>
             </a:r>
             <a:r>
-              <a:rPr lang="en-US" dirty="0" smtClean="0">
+              <a:rPr lang="en-US" dirty="0">
                 <a:solidFill>
                   <a:srgbClr val="17B1AA"/>
                 </a:solidFill>
               </a:rPr>
               <a:t>Test Review and Reteach</a:t>
             </a:r>
-            <a:endParaRPr lang="en-US" dirty="0">
-              <a:solidFill>
-                <a:srgbClr val="17B1AA"/>
-              </a:solidFill>
-            </a:endParaRPr>
           </a:p>
         </p:txBody>
       </p:sp>
@@ -3740,34 +3717,29 @@
               </a:rPr>
               <a:t>Objectives </a:t>
             </a:r>
-            <a:endParaRPr lang="en-US" dirty="0" smtClean="0">
+          </a:p>
+          <a:p>
+            <a:pPr lvl="1"/>
+            <a:r>
+              <a:rPr lang="en-US" b="1" dirty="0"/>
+              <a:t>Re-learn or strengthen</a:t>
+            </a:r>
+            <a:r>
+              <a:rPr lang="en-US" dirty="0"/>
+              <a:t> content knowledge and skills from Unit 1.</a:t>
+            </a:r>
+            <a:endParaRPr lang="en-US" b="1" dirty="0"/>
+          </a:p>
+          <a:p>
+            <a:endParaRPr lang="en-US" dirty="0">
               <a:solidFill>
                 <a:srgbClr val="17B1AA"/>
               </a:solidFill>
             </a:endParaRPr>
           </a:p>
           <a:p>
-            <a:pPr lvl="1"/>
-            <a:r>
-              <a:rPr lang="en-US" b="1" dirty="0" smtClean="0"/>
-              <a:t>Re-learn or strengthen</a:t>
-            </a:r>
-            <a:r>
-              <a:rPr lang="en-US" dirty="0" smtClean="0"/>
-              <a:t> content knowledge and skills from Unit 1.</a:t>
-            </a:r>
-            <a:endParaRPr lang="en-US" b="1" dirty="0"/>
-          </a:p>
-          <a:p>
-            <a:endParaRPr lang="en-US" dirty="0" smtClean="0">
-              <a:solidFill>
-                <a:srgbClr val="17B1AA"/>
-              </a:solidFill>
-            </a:endParaRPr>
-          </a:p>
-          <a:p>
-            <a:r>
-              <a:rPr lang="en-US" dirty="0" smtClean="0">
+            <a:r>
+              <a:rPr lang="en-US" dirty="0">
                 <a:solidFill>
                   <a:srgbClr val="17B1AA"/>
                 </a:solidFill>
@@ -3778,11 +3750,11 @@
           <a:p>
             <a:pPr lvl="1"/>
             <a:r>
-              <a:rPr lang="en-US" b="1" dirty="0" smtClean="0"/>
+              <a:rPr lang="en-US" b="1" dirty="0"/>
               <a:t>Re-submit</a:t>
             </a:r>
             <a:r>
-              <a:rPr lang="en-US" dirty="0" smtClean="0"/>
+              <a:rPr lang="en-US" dirty="0"/>
               <a:t> test answers with updated corrections</a:t>
             </a:r>
             <a:endParaRPr lang="en-US" b="1" dirty="0"/>
@@ -3802,35 +3774,30 @@
               </a:rPr>
               <a:t>Homework </a:t>
             </a:r>
-            <a:endParaRPr lang="en-US" dirty="0" smtClean="0">
-              <a:solidFill>
-                <a:srgbClr val="17B1AA"/>
-              </a:solidFill>
-            </a:endParaRPr>
           </a:p>
           <a:p>
             <a:pPr lvl="1"/>
             <a:r>
-              <a:rPr lang="en-US" b="1" dirty="0" smtClean="0"/>
+              <a:rPr lang="en-US" b="1" dirty="0"/>
               <a:t>Read</a:t>
             </a:r>
             <a:r>
-              <a:rPr lang="en-US" dirty="0" smtClean="0"/>
+              <a:rPr lang="en-US" dirty="0"/>
               <a:t> HW 2.1 except for “Mixing Types and Casting”</a:t>
             </a:r>
           </a:p>
           <a:p>
             <a:pPr lvl="1"/>
             <a:r>
-              <a:rPr lang="en-US" b="1" dirty="0" smtClean="0"/>
+              <a:rPr lang="en-US" b="1" dirty="0"/>
               <a:t>Correct</a:t>
             </a:r>
             <a:r>
-              <a:rPr lang="en-US" dirty="0" smtClean="0"/>
+              <a:rPr lang="en-US" dirty="0"/>
               <a:t> any incorrect test answers by re-answering on a separate sheet </a:t>
             </a:r>
             <a:r>
-              <a:rPr lang="en-US" smtClean="0"/>
+              <a:rPr lang="en-US"/>
               <a:t>of paper</a:t>
             </a:r>
             <a:endParaRPr lang="en-US" b="1" dirty="0"/>
@@ -3856,10 +3823,9 @@
           <a:lstStyle/>
           <a:p>
             <a:r>
-              <a:rPr lang="en-US" smtClean="0"/>
+              <a:rPr lang="en-US"/>
               <a:t>Developed by TEALS in 2015  www.tealsk12.org</a:t>
             </a:r>
-            <a:endParaRPr lang="en-US"/>
           </a:p>
         </p:txBody>
       </p:sp>
@@ -3911,22 +3877,17 @@
           <a:lstStyle/>
           <a:p>
             <a:r>
-              <a:rPr lang="en-US" b="1" dirty="0" smtClean="0"/>
+              <a:rPr lang="en-US" b="1" dirty="0"/>
               <a:t>Lesson 2.9 </a:t>
             </a:r>
             <a:r>
-              <a:rPr lang="en-US" dirty="0" smtClean="0">
+              <a:rPr lang="en-US" dirty="0">
                 <a:solidFill>
                   <a:srgbClr val="17B1AA"/>
                 </a:solidFill>
               </a:rPr>
               <a:t>Programming Project</a:t>
             </a:r>
-            <a:endParaRPr lang="en-US" dirty="0">
-              <a:solidFill>
-                <a:srgbClr val="17B1AA"/>
-              </a:solidFill>
-            </a:endParaRPr>
           </a:p>
         </p:txBody>
       </p:sp>
@@ -3955,23 +3916,17 @@
               </a:rPr>
               <a:t>Objectives </a:t>
             </a:r>
-            <a:endParaRPr lang="en-US" dirty="0" smtClean="0">
-              <a:solidFill>
-                <a:srgbClr val="17B1AA"/>
-              </a:solidFill>
-            </a:endParaRPr>
           </a:p>
           <a:p>
             <a:pPr lvl="1"/>
             <a:r>
-              <a:rPr lang="en-US" b="1" dirty="0" smtClean="0"/>
+              <a:rPr lang="en-US" b="1" dirty="0"/>
               <a:t>Plan and construct</a:t>
             </a:r>
             <a:r>
-              <a:rPr lang="en-US" dirty="0" smtClean="0"/>
+              <a:rPr lang="en-US" dirty="0"/>
               <a:t> a structured program containing nested loops.</a:t>
             </a:r>
-            <a:endParaRPr lang="en-US" dirty="0"/>
           </a:p>
           <a:p>
             <a:pPr marL="0" indent="0">
@@ -3988,20 +3943,15 @@
               </a:rPr>
               <a:t>Assessments </a:t>
             </a:r>
-            <a:endParaRPr lang="en-US" dirty="0" smtClean="0">
-              <a:solidFill>
-                <a:srgbClr val="17B1AA"/>
-              </a:solidFill>
-            </a:endParaRPr>
           </a:p>
           <a:p>
             <a:pPr lvl="1"/>
             <a:r>
-              <a:rPr lang="en-US" b="1" dirty="0" smtClean="0"/>
+              <a:rPr lang="en-US" b="1" dirty="0"/>
               <a:t>Submit</a:t>
             </a:r>
             <a:r>
-              <a:rPr lang="en-US" dirty="0" smtClean="0"/>
+              <a:rPr lang="en-US" dirty="0"/>
               <a:t> a complete, functional program by the end of class.</a:t>
             </a:r>
           </a:p>
@@ -4009,11 +3959,11 @@
             <a:pPr marL="0" indent="0">
               <a:buNone/>
             </a:pPr>
-            <a:endParaRPr lang="en-US" dirty="0" smtClean="0"/>
-          </a:p>
-          <a:p>
-            <a:r>
-              <a:rPr lang="en-US" dirty="0" smtClean="0">
+            <a:endParaRPr lang="en-US" dirty="0"/>
+          </a:p>
+          <a:p>
+            <a:r>
+              <a:rPr lang="en-US" dirty="0">
                 <a:solidFill>
                   <a:srgbClr val="17B1AA"/>
                 </a:solidFill>
@@ -4024,18 +3974,17 @@
           <a:p>
             <a:pPr lvl="1"/>
             <a:r>
-              <a:rPr lang="en-US" b="1" dirty="0" smtClean="0"/>
+              <a:rPr lang="en-US" b="1" dirty="0"/>
               <a:t>Complete</a:t>
             </a:r>
             <a:r>
-              <a:rPr lang="en-US" dirty="0" smtClean="0"/>
+              <a:rPr lang="en-US" dirty="0"/>
               <a:t> practice questions with class constants.</a:t>
             </a:r>
+          </a:p>
+          <a:p>
             <a:endParaRPr lang="en-US" dirty="0"/>
           </a:p>
-          <a:p>
-            <a:endParaRPr lang="en-US" dirty="0"/>
-          </a:p>
         </p:txBody>
       </p:sp>
       <p:sp>
@@ -4054,10 +4003,9 @@
           <a:lstStyle/>
           <a:p>
             <a:r>
-              <a:rPr lang="en-US" smtClean="0"/>
+              <a:rPr lang="en-US"/>
               <a:t>Developed by TEALS in 2015  www.tealsk12.org</a:t>
             </a:r>
-            <a:endParaRPr lang="en-US"/>
           </a:p>
         </p:txBody>
       </p:sp>
@@ -4109,22 +4057,17 @@
           <a:lstStyle/>
           <a:p>
             <a:r>
-              <a:rPr lang="en-US" b="1" dirty="0" smtClean="0"/>
+              <a:rPr lang="en-US" b="1" dirty="0"/>
               <a:t>Lesson 2.10 </a:t>
             </a:r>
             <a:r>
-              <a:rPr lang="en-US" dirty="0" smtClean="0">
+              <a:rPr lang="en-US" dirty="0">
                 <a:solidFill>
                   <a:srgbClr val="17B1AA"/>
                 </a:solidFill>
               </a:rPr>
               <a:t>Finding and Fixing Errors</a:t>
             </a:r>
-            <a:endParaRPr lang="en-US" dirty="0">
-              <a:solidFill>
-                <a:srgbClr val="17B1AA"/>
-              </a:solidFill>
-            </a:endParaRPr>
           </a:p>
         </p:txBody>
       </p:sp>
@@ -4153,31 +4096,26 @@
               </a:rPr>
               <a:t>Objectives </a:t>
             </a:r>
-            <a:endParaRPr lang="en-US" dirty="0" smtClean="0">
-              <a:solidFill>
-                <a:srgbClr val="17B1AA"/>
-              </a:solidFill>
-            </a:endParaRPr>
           </a:p>
           <a:p>
             <a:pPr lvl="1"/>
             <a:r>
-              <a:rPr lang="en-US" b="1" dirty="0" smtClean="0"/>
+              <a:rPr lang="en-US" b="1" dirty="0"/>
               <a:t>Find</a:t>
             </a:r>
             <a:r>
-              <a:rPr lang="en-US" dirty="0" smtClean="0"/>
+              <a:rPr lang="en-US" dirty="0"/>
               <a:t> errors in returned homework assignments.</a:t>
             </a:r>
           </a:p>
           <a:p>
             <a:pPr lvl="1"/>
             <a:r>
-              <a:rPr lang="en-US" b="1" dirty="0" smtClean="0"/>
+              <a:rPr lang="en-US" b="1" dirty="0"/>
               <a:t>Correct</a:t>
             </a:r>
             <a:r>
-              <a:rPr lang="en-US" dirty="0" smtClean="0"/>
+              <a:rPr lang="en-US" dirty="0"/>
               <a:t> code</a:t>
             </a:r>
             <a:endParaRPr lang="en-US" b="1" dirty="0"/>
@@ -4197,11 +4135,6 @@
               </a:rPr>
               <a:t>Assessments </a:t>
             </a:r>
-            <a:endParaRPr lang="en-US" dirty="0" smtClean="0">
-              <a:solidFill>
-                <a:srgbClr val="17B1AA"/>
-              </a:solidFill>
-            </a:endParaRPr>
           </a:p>
           <a:p>
             <a:pPr lvl="1"/>
@@ -4211,13 +4144,8 @@
             </a:r>
             <a:r>
               <a:rPr lang="en-US" dirty="0"/>
-              <a:t> all homework assignments with corrected </a:t>
-            </a:r>
-            <a:r>
-              <a:rPr lang="en-US" dirty="0" smtClean="0"/>
-              <a:t>answers.</a:t>
-            </a:r>
-            <a:endParaRPr lang="en-US" dirty="0"/>
+              <a:t> all homework assignments with corrected answers.</a:t>
+            </a:r>
           </a:p>
           <a:p>
             <a:pPr marL="0" indent="0">
@@ -4234,11 +4162,6 @@
               </a:rPr>
               <a:t>Homework </a:t>
             </a:r>
-            <a:endParaRPr lang="en-US" dirty="0" smtClean="0">
-              <a:solidFill>
-                <a:srgbClr val="17B1AA"/>
-              </a:solidFill>
-            </a:endParaRPr>
           </a:p>
           <a:p>
             <a:pPr lvl="1"/>
@@ -4305,10 +4228,9 @@
           <a:lstStyle/>
           <a:p>
             <a:r>
-              <a:rPr lang="en-US" smtClean="0"/>
+              <a:rPr lang="en-US"/>
               <a:t>Developed by TEALS in 2015  www.tealsk12.org</a:t>
             </a:r>
-            <a:endParaRPr lang="en-US"/>
           </a:p>
         </p:txBody>
       </p:sp>
@@ -4358,22 +4280,17 @@
           <a:lstStyle/>
           <a:p>
             <a:r>
-              <a:rPr lang="en-US" b="1" dirty="0" smtClean="0"/>
+              <a:rPr lang="en-US" b="1" dirty="0"/>
               <a:t>Lesson 2.11 </a:t>
             </a:r>
             <a:r>
-              <a:rPr lang="en-US" dirty="0" smtClean="0">
+              <a:rPr lang="en-US" dirty="0">
                 <a:solidFill>
                   <a:srgbClr val="17B1AA"/>
                 </a:solidFill>
               </a:rPr>
               <a:t>Review</a:t>
             </a:r>
-            <a:endParaRPr lang="en-US" dirty="0">
-              <a:solidFill>
-                <a:srgbClr val="17B1AA"/>
-              </a:solidFill>
-            </a:endParaRPr>
           </a:p>
         </p:txBody>
       </p:sp>
@@ -4402,41 +4319,16 @@
               </a:rPr>
               <a:t>Objectives </a:t>
             </a:r>
-            <a:endParaRPr lang="en-US" dirty="0" smtClean="0">
-              <a:solidFill>
-                <a:srgbClr val="17B1AA"/>
-              </a:solidFill>
-            </a:endParaRPr>
           </a:p>
           <a:p>
             <a:pPr lvl="1"/>
             <a:r>
-              <a:rPr lang="en-US" b="1" dirty="0" smtClean="0"/>
+              <a:rPr lang="en-US" b="1" dirty="0"/>
               <a:t>Identify</a:t>
             </a:r>
             <a:r>
-              <a:rPr lang="en-US" dirty="0" smtClean="0"/>
-              <a:t> </a:t>
-            </a:r>
-            <a:r>
               <a:rPr lang="en-US" dirty="0"/>
-              <a:t>weaknesses in </a:t>
-            </a:r>
-            <a:r>
-              <a:rPr lang="en-US" dirty="0" smtClean="0"/>
-              <a:t>Unit </a:t>
-            </a:r>
-            <a:r>
-              <a:rPr lang="en-US" dirty="0"/>
-              <a:t>2</a:t>
-            </a:r>
-            <a:r>
-              <a:rPr lang="en-US" dirty="0" smtClean="0"/>
-              <a:t> </a:t>
-            </a:r>
-            <a:r>
-              <a:rPr lang="en-US" dirty="0"/>
-              <a:t>knowledge.</a:t>
+              <a:t> weaknesses in Unit 2 knowledge.</a:t>
             </a:r>
           </a:p>
           <a:p>
@@ -4454,25 +4346,16 @@
               </a:rPr>
               <a:t>Assessments </a:t>
             </a:r>
-            <a:endParaRPr lang="en-US" dirty="0" smtClean="0">
-              <a:solidFill>
-                <a:srgbClr val="17B1AA"/>
-              </a:solidFill>
-            </a:endParaRPr>
           </a:p>
           <a:p>
             <a:pPr lvl="1"/>
             <a:r>
-              <a:rPr lang="en-US" b="1" dirty="0" smtClean="0"/>
+              <a:rPr lang="en-US" b="1" dirty="0"/>
               <a:t>Create</a:t>
             </a:r>
             <a:r>
-              <a:rPr lang="en-US" dirty="0" smtClean="0"/>
-              <a:t> </a:t>
-            </a:r>
-            <a:r>
               <a:rPr lang="en-US" dirty="0"/>
-              <a:t>a personalized list of review topics to guide tonight’s study session.</a:t>
+              <a:t> a personalized list of review topics to guide tonight’s study session.</a:t>
             </a:r>
           </a:p>
           <a:p>
@@ -4490,25 +4373,16 @@
               </a:rPr>
               <a:t>Homework </a:t>
             </a:r>
-            <a:endParaRPr lang="en-US" dirty="0" smtClean="0">
-              <a:solidFill>
-                <a:srgbClr val="17B1AA"/>
-              </a:solidFill>
-            </a:endParaRPr>
           </a:p>
           <a:p>
             <a:pPr lvl="1"/>
             <a:r>
-              <a:rPr lang="en-US" b="1" dirty="0" smtClean="0"/>
+              <a:rPr lang="en-US" b="1" dirty="0"/>
               <a:t>Study</a:t>
             </a:r>
             <a:r>
-              <a:rPr lang="en-US" dirty="0" smtClean="0"/>
-              <a:t> </a:t>
-            </a:r>
-            <a:r>
               <a:rPr lang="en-US" dirty="0"/>
-              <a:t>for tomorrow’s test!</a:t>
+              <a:t> for tomorrow’s test!</a:t>
             </a:r>
           </a:p>
           <a:p>
@@ -4532,10 +4406,9 @@
           <a:lstStyle/>
           <a:p>
             <a:r>
-              <a:rPr lang="en-US" smtClean="0"/>
+              <a:rPr lang="en-US"/>
               <a:t>Developed by TEALS in 2015  www.tealsk12.org</a:t>
             </a:r>
-            <a:endParaRPr lang="en-US"/>
           </a:p>
         </p:txBody>
       </p:sp>
@@ -4587,22 +4460,17 @@
           <a:lstStyle/>
           <a:p>
             <a:r>
-              <a:rPr lang="en-US" b="1" dirty="0" smtClean="0"/>
+              <a:rPr lang="en-US" b="1" dirty="0"/>
               <a:t>Lesson 2.1 </a:t>
             </a:r>
             <a:r>
-              <a:rPr lang="en-US" dirty="0" smtClean="0">
+              <a:rPr lang="en-US" dirty="0">
                 <a:solidFill>
                   <a:srgbClr val="17B1AA"/>
                 </a:solidFill>
               </a:rPr>
               <a:t>Basic Data Concepts</a:t>
             </a:r>
-            <a:endParaRPr lang="en-US" dirty="0">
-              <a:solidFill>
-                <a:srgbClr val="17B1AA"/>
-              </a:solidFill>
-            </a:endParaRPr>
           </a:p>
         </p:txBody>
       </p:sp>
@@ -4631,56 +4499,51 @@
               </a:rPr>
               <a:t>Objectives </a:t>
             </a:r>
-            <a:endParaRPr lang="en-US" dirty="0" smtClean="0">
+          </a:p>
+          <a:p>
+            <a:pPr lvl="1"/>
+            <a:r>
+              <a:rPr lang="en-US" b="1" dirty="0"/>
+              <a:t>Identify and categorize</a:t>
+            </a:r>
+            <a:r>
+              <a:rPr lang="en-US" dirty="0"/>
+              <a:t> data types</a:t>
+            </a:r>
+          </a:p>
+          <a:p>
+            <a:pPr lvl="1"/>
+            <a:r>
+              <a:rPr lang="en-US" b="1" dirty="0"/>
+              <a:t>Identify</a:t>
+            </a:r>
+            <a:r>
+              <a:rPr lang="en-US" dirty="0"/>
+              <a:t> operators and operands</a:t>
+            </a:r>
+          </a:p>
+          <a:p>
+            <a:pPr lvl="1"/>
+            <a:r>
+              <a:rPr lang="en-US" b="1" dirty="0"/>
+              <a:t>Correctly apply</a:t>
+            </a:r>
+            <a:r>
+              <a:rPr lang="en-US" dirty="0"/>
+              <a:t> rules of precedence</a:t>
+            </a:r>
+            <a:endParaRPr lang="en-US" b="1" dirty="0"/>
+          </a:p>
+          <a:p>
+            <a:endParaRPr lang="en-US" dirty="0">
               <a:solidFill>
                 <a:srgbClr val="17B1AA"/>
               </a:solidFill>
             </a:endParaRPr>
           </a:p>
           <a:p>
-            <a:pPr lvl="1"/>
-            <a:r>
-              <a:rPr lang="en-US" b="1" dirty="0" smtClean="0"/>
-              <a:t>Identify and categorize</a:t>
-            </a:r>
-            <a:r>
-              <a:rPr lang="en-US" dirty="0" smtClean="0"/>
-              <a:t> data types</a:t>
-            </a:r>
-          </a:p>
-          <a:p>
-            <a:pPr lvl="1"/>
-            <a:r>
-              <a:rPr lang="en-US" b="1" dirty="0" smtClean="0"/>
-              <a:t>Identify</a:t>
-            </a:r>
-            <a:r>
-              <a:rPr lang="en-US" dirty="0" smtClean="0"/>
-              <a:t> operators and operands</a:t>
-            </a:r>
-          </a:p>
-          <a:p>
-            <a:pPr lvl="1"/>
-            <a:r>
-              <a:rPr lang="en-US" b="1" dirty="0" smtClean="0"/>
-              <a:t>Correctly apply</a:t>
-            </a:r>
-            <a:r>
-              <a:rPr lang="en-US" dirty="0" smtClean="0"/>
-              <a:t> rules of precedence</a:t>
-            </a:r>
-            <a:endParaRPr lang="en-US" b="1" dirty="0"/>
-          </a:p>
-          <a:p>
-            <a:endParaRPr lang="en-US" dirty="0" smtClean="0">
-              <a:solidFill>
-                <a:srgbClr val="17B1AA"/>
-              </a:solidFill>
-            </a:endParaRPr>
-          </a:p>
-          <a:p>
-            <a:r>
-              <a:rPr lang="en-US" dirty="0" smtClean="0">
+            <a:r>
+              <a:rPr lang="en-US" dirty="0">
                 <a:solidFill>
                   <a:srgbClr val="17B1AA"/>
                 </a:solidFill>
@@ -4691,22 +4554,22 @@
           <a:p>
             <a:pPr lvl="1"/>
             <a:r>
-              <a:rPr lang="en-US" b="1" dirty="0" smtClean="0"/>
+              <a:rPr lang="en-US" b="1" dirty="0"/>
               <a:t>Write</a:t>
             </a:r>
             <a:r>
-              <a:rPr lang="en-US" dirty="0" smtClean="0"/>
+              <a:rPr lang="en-US" dirty="0"/>
               <a:t> code that yields a given answer, using rules of precedence</a:t>
             </a:r>
           </a:p>
           <a:p>
             <a:pPr lvl="1"/>
             <a:r>
-              <a:rPr lang="en-US" b="1" dirty="0" smtClean="0"/>
+              <a:rPr lang="en-US" b="1" dirty="0"/>
               <a:t>Create</a:t>
             </a:r>
             <a:r>
-              <a:rPr lang="en-US" dirty="0" smtClean="0"/>
+              <a:rPr lang="en-US" dirty="0"/>
               <a:t> expressions and predict output using operator/operand expressions</a:t>
             </a:r>
             <a:endParaRPr lang="en-US" b="1" dirty="0"/>
@@ -4726,31 +4589,26 @@
               </a:rPr>
               <a:t>Homework </a:t>
             </a:r>
-            <a:endParaRPr lang="en-US" dirty="0" smtClean="0">
-              <a:solidFill>
-                <a:srgbClr val="17B1AA"/>
-              </a:solidFill>
-            </a:endParaRPr>
           </a:p>
           <a:p>
             <a:pPr lvl="1"/>
             <a:r>
-              <a:rPr lang="en-US" b="1" dirty="0" smtClean="0"/>
+              <a:rPr lang="en-US" b="1" dirty="0"/>
               <a:t>Complete</a:t>
             </a:r>
             <a:r>
-              <a:rPr lang="en-US" dirty="0" smtClean="0"/>
+              <a:rPr lang="en-US" dirty="0"/>
               <a:t> self-check questions 1-4</a:t>
             </a:r>
           </a:p>
           <a:p>
             <a:pPr lvl="1"/>
             <a:r>
-              <a:rPr lang="en-US" b="1" dirty="0" smtClean="0"/>
+              <a:rPr lang="en-US" b="1" dirty="0"/>
               <a:t>Read</a:t>
             </a:r>
             <a:r>
-              <a:rPr lang="en-US" dirty="0" smtClean="0"/>
+              <a:rPr lang="en-US" dirty="0"/>
               <a:t> HW 2.2 up to “String Concatenation”</a:t>
             </a:r>
             <a:endParaRPr lang="en-US" b="1" dirty="0"/>
@@ -4776,10 +4634,9 @@
           <a:lstStyle/>
           <a:p>
             <a:r>
-              <a:rPr lang="en-US" smtClean="0"/>
+              <a:rPr lang="en-US"/>
               <a:t>Developed by TEALS in 2015  www.tealsk12.org</a:t>
             </a:r>
-            <a:endParaRPr lang="en-US"/>
           </a:p>
         </p:txBody>
       </p:sp>
@@ -4831,22 +4688,17 @@
           <a:lstStyle/>
           <a:p>
             <a:r>
-              <a:rPr lang="en-US" b="1" dirty="0" smtClean="0"/>
+              <a:rPr lang="en-US" b="1" dirty="0"/>
               <a:t>Lesson 2.2 </a:t>
             </a:r>
             <a:r>
-              <a:rPr lang="en-US" dirty="0" smtClean="0">
+              <a:rPr lang="en-US" dirty="0">
                 <a:solidFill>
                   <a:srgbClr val="17B1AA"/>
                 </a:solidFill>
               </a:rPr>
               <a:t>Declaring and Assigning Variables</a:t>
             </a:r>
-            <a:endParaRPr lang="en-US" dirty="0">
-              <a:solidFill>
-                <a:srgbClr val="17B1AA"/>
-              </a:solidFill>
-            </a:endParaRPr>
           </a:p>
         </p:txBody>
       </p:sp>
@@ -4875,23 +4727,17 @@
               </a:rPr>
               <a:t>Objectives </a:t>
             </a:r>
-            <a:endParaRPr lang="en-US" dirty="0" smtClean="0">
-              <a:solidFill>
-                <a:srgbClr val="17B1AA"/>
-              </a:solidFill>
-            </a:endParaRPr>
           </a:p>
           <a:p>
             <a:pPr lvl="1"/>
             <a:r>
-              <a:rPr lang="en-US" b="1" dirty="0" smtClean="0"/>
+              <a:rPr lang="en-US" b="1" dirty="0"/>
               <a:t>Identify, declare, and assign</a:t>
             </a:r>
             <a:r>
-              <a:rPr lang="en-US" dirty="0" smtClean="0"/>
+              <a:rPr lang="en-US" dirty="0"/>
               <a:t> variables.</a:t>
             </a:r>
-            <a:endParaRPr lang="en-US" dirty="0"/>
           </a:p>
           <a:p>
             <a:pPr marL="0" indent="0">
@@ -4908,11 +4754,6 @@
               </a:rPr>
               <a:t>Assessments </a:t>
             </a:r>
-            <a:endParaRPr lang="en-US" dirty="0" smtClean="0">
-              <a:solidFill>
-                <a:srgbClr val="17B1AA"/>
-              </a:solidFill>
-            </a:endParaRPr>
           </a:p>
           <a:p>
             <a:pPr lvl="1"/>
@@ -4922,11 +4763,7 @@
             </a:r>
             <a:r>
               <a:rPr lang="en-US" dirty="0"/>
-              <a:t> </a:t>
-            </a:r>
-            <a:r>
-              <a:rPr lang="en-US" dirty="0" smtClean="0"/>
-              <a:t>a program that converts temperature from Fahrenheit to Celsius.</a:t>
+              <a:t> a program that converts temperature from Fahrenheit to Celsius.</a:t>
             </a:r>
           </a:p>
           <a:p>
@@ -4942,11 +4779,6 @@
               </a:rPr>
               <a:t>Homework </a:t>
             </a:r>
-            <a:endParaRPr lang="en-US" dirty="0" smtClean="0">
-              <a:solidFill>
-                <a:srgbClr val="17B1AA"/>
-              </a:solidFill>
-            </a:endParaRPr>
           </a:p>
           <a:p>
             <a:pPr lvl="1"/>
@@ -4956,21 +4788,17 @@
             </a:r>
             <a:r>
               <a:rPr lang="en-US" dirty="0"/>
-              <a:t> </a:t>
-            </a:r>
-            <a:r>
-              <a:rPr lang="en-US" dirty="0" smtClean="0"/>
-              <a:t>the rest of HW 2.2</a:t>
+              <a:t> the rest of HW 2.2</a:t>
             </a:r>
           </a:p>
           <a:p>
             <a:pPr lvl="1"/>
             <a:r>
-              <a:rPr lang="en-US" b="1" dirty="0" smtClean="0"/>
+              <a:rPr lang="en-US" b="1" dirty="0"/>
               <a:t>Complete</a:t>
             </a:r>
             <a:r>
-              <a:rPr lang="en-US" dirty="0" smtClean="0"/>
+              <a:rPr lang="en-US" dirty="0"/>
               <a:t> self-check questions 5, 6, 9, 12-15</a:t>
             </a:r>
             <a:endParaRPr lang="en-US" b="1" dirty="0"/>
@@ -4996,10 +4824,9 @@
           <a:lstStyle/>
           <a:p>
             <a:r>
-              <a:rPr lang="en-US" smtClean="0"/>
+              <a:rPr lang="en-US"/>
               <a:t>Developed by TEALS in 2015  www.tealsk12.org</a:t>
             </a:r>
-            <a:endParaRPr lang="en-US"/>
           </a:p>
         </p:txBody>
       </p:sp>
@@ -5051,22 +4878,17 @@
           <a:lstStyle/>
           <a:p>
             <a:r>
-              <a:rPr lang="en-US" b="1" dirty="0" smtClean="0"/>
+              <a:rPr lang="en-US" b="1" dirty="0"/>
               <a:t>Lesson 2.3 </a:t>
             </a:r>
             <a:r>
-              <a:rPr lang="en-US" dirty="0" smtClean="0">
+              <a:rPr lang="en-US" dirty="0">
                 <a:solidFill>
                   <a:srgbClr val="17B1AA"/>
                 </a:solidFill>
               </a:rPr>
               <a:t>String Concatenation &amp; Increment Decrement Operators</a:t>
             </a:r>
-            <a:endParaRPr lang="en-US" dirty="0">
-              <a:solidFill>
-                <a:srgbClr val="17B1AA"/>
-              </a:solidFill>
-            </a:endParaRPr>
           </a:p>
         </p:txBody>
       </p:sp>
@@ -5095,45 +4917,40 @@
               </a:rPr>
               <a:t>Objectives </a:t>
             </a:r>
-            <a:endParaRPr lang="en-US" dirty="0" smtClean="0">
+          </a:p>
+          <a:p>
+            <a:pPr lvl="1"/>
+            <a:r>
+              <a:rPr lang="en-US" b="1" dirty="0"/>
+              <a:t>Apply</a:t>
+            </a:r>
+            <a:r>
+              <a:rPr lang="en-US" dirty="0"/>
+              <a:t> the rules of string concatenation.</a:t>
+            </a:r>
+          </a:p>
+          <a:p>
+            <a:pPr lvl="1"/>
+            <a:r>
+              <a:rPr lang="en-US" b="1" dirty="0"/>
+              <a:t>Correctly interpret</a:t>
+            </a:r>
+            <a:r>
+              <a:rPr lang="en-US" dirty="0"/>
+              <a:t> incrementing and decrementing statements.</a:t>
+            </a:r>
+            <a:endParaRPr lang="en-US" b="1" dirty="0"/>
+          </a:p>
+          <a:p>
+            <a:endParaRPr lang="en-US" dirty="0">
               <a:solidFill>
                 <a:srgbClr val="17B1AA"/>
               </a:solidFill>
             </a:endParaRPr>
           </a:p>
           <a:p>
-            <a:pPr lvl="1"/>
-            <a:r>
-              <a:rPr lang="en-US" b="1" dirty="0" smtClean="0"/>
-              <a:t>Apply</a:t>
-            </a:r>
-            <a:r>
-              <a:rPr lang="en-US" dirty="0" smtClean="0"/>
-              <a:t> the rules of string concatenation.</a:t>
-            </a:r>
-          </a:p>
-          <a:p>
-            <a:pPr lvl="1"/>
-            <a:r>
-              <a:rPr lang="en-US" b="1" dirty="0" smtClean="0"/>
-              <a:t>Correctly interpret</a:t>
-            </a:r>
-            <a:r>
-              <a:rPr lang="en-US" dirty="0" smtClean="0"/>
-              <a:t> incrementing and decrementing statements.</a:t>
-            </a:r>
-            <a:endParaRPr lang="en-US" b="1" dirty="0"/>
-          </a:p>
-          <a:p>
-            <a:endParaRPr lang="en-US" dirty="0" smtClean="0">
-              <a:solidFill>
-                <a:srgbClr val="17B1AA"/>
-              </a:solidFill>
-            </a:endParaRPr>
-          </a:p>
-          <a:p>
-            <a:r>
-              <a:rPr lang="en-US" dirty="0" smtClean="0">
+            <a:r>
+              <a:rPr lang="en-US" dirty="0">
                 <a:solidFill>
                   <a:srgbClr val="17B1AA"/>
                 </a:solidFill>
@@ -5144,15 +4961,15 @@
           <a:p>
             <a:pPr lvl="1"/>
             <a:r>
-              <a:rPr lang="en-US" b="1" dirty="0" smtClean="0"/>
+              <a:rPr lang="en-US" b="1" dirty="0"/>
               <a:t>Evaluate</a:t>
             </a:r>
             <a:r>
-              <a:rPr lang="en-US" dirty="0" smtClean="0"/>
+              <a:rPr lang="en-US" dirty="0"/>
               <a:t> statements and predict output during a game of </a:t>
             </a:r>
             <a:r>
-              <a:rPr lang="en-US" dirty="0" err="1" smtClean="0"/>
+              <a:rPr lang="en-US" dirty="0" err="1"/>
               <a:t>grudgeball</a:t>
             </a:r>
             <a:endParaRPr lang="en-US" dirty="0"/>
@@ -5172,11 +4989,6 @@
               </a:rPr>
               <a:t>Homework </a:t>
             </a:r>
-            <a:endParaRPr lang="en-US" dirty="0" smtClean="0">
-              <a:solidFill>
-                <a:srgbClr val="17B1AA"/>
-              </a:solidFill>
-            </a:endParaRPr>
           </a:p>
           <a:p>
             <a:pPr lvl="1"/>
@@ -5186,21 +4998,17 @@
             </a:r>
             <a:r>
               <a:rPr lang="en-US" dirty="0"/>
-              <a:t> </a:t>
-            </a:r>
-            <a:r>
-              <a:rPr lang="en-US" dirty="0" smtClean="0"/>
-              <a:t>remainder of HW 2.2</a:t>
+              <a:t> remainder of HW 2.2</a:t>
             </a:r>
           </a:p>
           <a:p>
             <a:pPr lvl="1"/>
             <a:r>
-              <a:rPr lang="en-US" b="1" dirty="0" smtClean="0"/>
+              <a:rPr lang="en-US" b="1" dirty="0"/>
               <a:t>Complete</a:t>
             </a:r>
             <a:r>
-              <a:rPr lang="en-US" dirty="0" smtClean="0"/>
+              <a:rPr lang="en-US" dirty="0"/>
               <a:t> self-check question 4</a:t>
             </a:r>
             <a:endParaRPr lang="en-US" b="1" dirty="0"/>
@@ -5226,10 +5034,9 @@
           <a:lstStyle/>
           <a:p>
             <a:r>
-              <a:rPr lang="en-US" smtClean="0"/>
+              <a:rPr lang="en-US"/>
               <a:t>Developed by TEALS in 2015  www.tealsk12.org</a:t>
             </a:r>
-            <a:endParaRPr lang="en-US"/>
           </a:p>
         </p:txBody>
       </p:sp>
@@ -5281,22 +5088,17 @@
           <a:lstStyle/>
           <a:p>
             <a:r>
-              <a:rPr lang="en-US" b="1" dirty="0" smtClean="0"/>
+              <a:rPr lang="en-US" b="1" dirty="0"/>
               <a:t>Lesson 2.4 </a:t>
             </a:r>
             <a:r>
-              <a:rPr lang="en-US" dirty="0" smtClean="0">
+              <a:rPr lang="en-US" dirty="0">
                 <a:solidFill>
                   <a:srgbClr val="17B1AA"/>
                 </a:solidFill>
               </a:rPr>
               <a:t>Mixed Types and Casting</a:t>
             </a:r>
-            <a:endParaRPr lang="en-US" dirty="0">
-              <a:solidFill>
-                <a:srgbClr val="17B1AA"/>
-              </a:solidFill>
-            </a:endParaRPr>
           </a:p>
         </p:txBody>
       </p:sp>
@@ -5325,42 +5127,37 @@
               </a:rPr>
               <a:t>Objectives </a:t>
             </a:r>
-            <a:endParaRPr lang="en-US" dirty="0" smtClean="0">
-              <a:solidFill>
-                <a:srgbClr val="17B1AA"/>
-              </a:solidFill>
-            </a:endParaRPr>
           </a:p>
           <a:p>
             <a:pPr lvl="1"/>
             <a:r>
-              <a:rPr lang="en-US" b="1" dirty="0" smtClean="0"/>
+              <a:rPr lang="en-US" b="1" dirty="0"/>
               <a:t>Describe</a:t>
             </a:r>
             <a:r>
-              <a:rPr lang="en-US" dirty="0" smtClean="0"/>
+              <a:rPr lang="en-US" dirty="0"/>
               <a:t> which types automatically convert into others when appearing together.</a:t>
             </a:r>
           </a:p>
           <a:p>
             <a:pPr lvl="1"/>
             <a:r>
-              <a:rPr lang="en-US" b="1" dirty="0" smtClean="0"/>
+              <a:rPr lang="en-US" b="1" dirty="0"/>
               <a:t>Predict</a:t>
             </a:r>
             <a:r>
-              <a:rPr lang="en-US" dirty="0" smtClean="0"/>
+              <a:rPr lang="en-US" dirty="0"/>
               <a:t> how an expression with mixed types will evaluate.</a:t>
             </a:r>
           </a:p>
           <a:p>
             <a:pPr lvl="1"/>
             <a:r>
-              <a:rPr lang="en-US" b="1" dirty="0" smtClean="0"/>
+              <a:rPr lang="en-US" b="1" dirty="0"/>
               <a:t>Convert</a:t>
             </a:r>
             <a:r>
-              <a:rPr lang="en-US" dirty="0" smtClean="0"/>
+              <a:rPr lang="en-US" dirty="0"/>
               <a:t> types by casting.</a:t>
             </a:r>
             <a:endParaRPr lang="en-US" b="1" dirty="0"/>
@@ -5380,42 +5177,37 @@
               </a:rPr>
               <a:t>Assessments </a:t>
             </a:r>
-            <a:endParaRPr lang="en-US" dirty="0" smtClean="0">
-              <a:solidFill>
-                <a:srgbClr val="17B1AA"/>
-              </a:solidFill>
-            </a:endParaRPr>
           </a:p>
           <a:p>
             <a:pPr lvl="1"/>
             <a:r>
-              <a:rPr lang="en-US" b="1" dirty="0" smtClean="0"/>
+              <a:rPr lang="en-US" b="1" dirty="0"/>
               <a:t>Use</a:t>
             </a:r>
             <a:r>
-              <a:rPr lang="en-US" dirty="0" smtClean="0"/>
+              <a:rPr lang="en-US" dirty="0"/>
               <a:t> “zombie rules” of precedence to correctly write code that yields a given answer.</a:t>
             </a:r>
           </a:p>
           <a:p>
             <a:pPr lvl="1"/>
             <a:r>
-              <a:rPr lang="en-US" b="1" dirty="0" smtClean="0"/>
+              <a:rPr lang="en-US" b="1" dirty="0"/>
               <a:t>Create</a:t>
             </a:r>
             <a:r>
-              <a:rPr lang="en-US" dirty="0" smtClean="0"/>
+              <a:rPr lang="en-US" dirty="0"/>
               <a:t> your own expressions</a:t>
             </a:r>
           </a:p>
           <a:p>
             <a:pPr lvl="1"/>
             <a:r>
-              <a:rPr lang="en-US" b="1" dirty="0" smtClean="0"/>
+              <a:rPr lang="en-US" b="1" dirty="0"/>
               <a:t>Predict</a:t>
             </a:r>
             <a:r>
-              <a:rPr lang="en-US" dirty="0" smtClean="0"/>
+              <a:rPr lang="en-US" dirty="0"/>
               <a:t> output by completing and trading worksheets</a:t>
             </a:r>
             <a:endParaRPr lang="en-US" b="1" dirty="0"/>
@@ -5435,11 +5227,6 @@
               </a:rPr>
               <a:t>Homework </a:t>
             </a:r>
-            <a:endParaRPr lang="en-US" dirty="0" smtClean="0">
-              <a:solidFill>
-                <a:srgbClr val="17B1AA"/>
-              </a:solidFill>
-            </a:endParaRPr>
           </a:p>
           <a:p>
             <a:pPr lvl="1"/>
@@ -5449,32 +5236,28 @@
             </a:r>
             <a:r>
               <a:rPr lang="en-US" dirty="0"/>
-              <a:t> HW </a:t>
-            </a:r>
-            <a:r>
-              <a:rPr lang="en-US" dirty="0" smtClean="0"/>
-              <a:t>2.3 up to “Nested for Loops”</a:t>
+              <a:t> HW 2.3 up to “Nested for Loops”</a:t>
             </a:r>
           </a:p>
           <a:p>
             <a:pPr lvl="1"/>
             <a:r>
-              <a:rPr lang="en-US" b="1" dirty="0" smtClean="0"/>
+              <a:rPr lang="en-US" b="1" dirty="0"/>
               <a:t>Complete</a:t>
             </a:r>
             <a:r>
-              <a:rPr lang="en-US" dirty="0" smtClean="0"/>
+              <a:rPr lang="en-US" dirty="0"/>
               <a:t> self-check question 18</a:t>
             </a:r>
           </a:p>
           <a:p>
             <a:pPr lvl="1"/>
             <a:r>
-              <a:rPr lang="en-US" b="1" dirty="0" smtClean="0"/>
+              <a:rPr lang="en-US" b="1" dirty="0"/>
               <a:t>Finish</a:t>
             </a:r>
             <a:r>
-              <a:rPr lang="en-US" dirty="0" smtClean="0"/>
+              <a:rPr lang="en-US" dirty="0"/>
               <a:t> the worksheet if not completed in class</a:t>
             </a:r>
             <a:endParaRPr lang="en-US" b="1" dirty="0"/>
@@ -5500,10 +5283,9 @@
           <a:lstStyle/>
           <a:p>
             <a:r>
-              <a:rPr lang="en-US" smtClean="0"/>
+              <a:rPr lang="en-US"/>
               <a:t>Developed by TEALS in 2015  www.tealsk12.org</a:t>
             </a:r>
-            <a:endParaRPr lang="en-US"/>
           </a:p>
         </p:txBody>
       </p:sp>
@@ -5555,22 +5337,17 @@
           <a:lstStyle/>
           <a:p>
             <a:r>
-              <a:rPr lang="en-US" b="1" dirty="0" smtClean="0"/>
+              <a:rPr lang="en-US" b="1" dirty="0"/>
               <a:t>Lesson 2.5 </a:t>
             </a:r>
             <a:r>
-              <a:rPr lang="en-US" dirty="0" smtClean="0">
+              <a:rPr lang="en-US" dirty="0">
                 <a:solidFill>
                   <a:srgbClr val="17B1AA"/>
                 </a:solidFill>
               </a:rPr>
               <a:t>for Loops</a:t>
             </a:r>
-            <a:endParaRPr lang="en-US" dirty="0">
-              <a:solidFill>
-                <a:srgbClr val="17B1AA"/>
-              </a:solidFill>
-            </a:endParaRPr>
           </a:p>
         </p:txBody>
       </p:sp>
@@ -5599,31 +5376,26 @@
               </a:rPr>
               <a:t>Objectives </a:t>
             </a:r>
-            <a:endParaRPr lang="en-US" dirty="0" smtClean="0">
-              <a:solidFill>
-                <a:srgbClr val="17B1AA"/>
-              </a:solidFill>
-            </a:endParaRPr>
           </a:p>
           <a:p>
             <a:pPr lvl="1"/>
             <a:r>
-              <a:rPr lang="en-US" b="1" dirty="0" smtClean="0"/>
+              <a:rPr lang="en-US" b="1" dirty="0"/>
               <a:t>Trace</a:t>
             </a:r>
             <a:r>
-              <a:rPr lang="en-US" dirty="0" smtClean="0"/>
+              <a:rPr lang="en-US" dirty="0"/>
               <a:t> loops to predict program behavior.</a:t>
             </a:r>
           </a:p>
           <a:p>
             <a:pPr lvl="1"/>
             <a:r>
-              <a:rPr lang="en-US" b="1" dirty="0" smtClean="0"/>
+              <a:rPr lang="en-US" b="1" dirty="0"/>
               <a:t>Construct</a:t>
             </a:r>
             <a:r>
-              <a:rPr lang="en-US" dirty="0" smtClean="0"/>
+              <a:rPr lang="en-US" dirty="0"/>
               <a:t> loops to execute simple tasks.</a:t>
             </a:r>
             <a:endParaRPr lang="en-US" b="1" dirty="0"/>
@@ -5643,23 +5415,17 @@
               </a:rPr>
               <a:t>Assessments </a:t>
             </a:r>
-            <a:endParaRPr lang="en-US" dirty="0" smtClean="0">
-              <a:solidFill>
-                <a:srgbClr val="17B1AA"/>
-              </a:solidFill>
-            </a:endParaRPr>
           </a:p>
           <a:p>
             <a:pPr lvl="1"/>
             <a:r>
-              <a:rPr lang="en-US" b="1" dirty="0" smtClean="0"/>
+              <a:rPr lang="en-US" b="1" dirty="0"/>
               <a:t>Trace and construct</a:t>
             </a:r>
             <a:r>
-              <a:rPr lang="en-US" dirty="0" smtClean="0"/>
-              <a:t> loops in Practice-It problems</a:t>
-            </a:r>
-            <a:endParaRPr lang="en-US" dirty="0"/>
+              <a:rPr lang="en-US" dirty="0"/>
+              <a:t> loops in Practice problems</a:t>
+            </a:r>
           </a:p>
           <a:p>
             <a:pPr marL="0" indent="0">
@@ -5676,11 +5442,6 @@
               </a:rPr>
               <a:t>Homework </a:t>
             </a:r>
-            <a:endParaRPr lang="en-US" dirty="0" smtClean="0">
-              <a:solidFill>
-                <a:srgbClr val="17B1AA"/>
-              </a:solidFill>
-            </a:endParaRPr>
           </a:p>
           <a:p>
             <a:pPr lvl="1"/>
@@ -5690,13 +5451,8 @@
             </a:r>
             <a:r>
               <a:rPr lang="en-US" dirty="0"/>
-              <a:t> </a:t>
-            </a:r>
-            <a:r>
-              <a:rPr lang="en-US" dirty="0" smtClean="0"/>
-              <a:t>HW 2.3 “Nested for Loops</a:t>
-            </a:r>
-            <a:endParaRPr lang="en-US" dirty="0"/>
+              <a:t> HW 2.3 “Nested for Loops</a:t>
+            </a:r>
           </a:p>
           <a:p>
             <a:pPr lvl="1"/>
@@ -5706,17 +5462,12 @@
             </a:r>
             <a:r>
               <a:rPr lang="en-US" dirty="0"/>
-              <a:t> </a:t>
-            </a:r>
-            <a:r>
-              <a:rPr lang="en-US" dirty="0" smtClean="0"/>
-              <a:t>self-check questions 19-21</a:t>
-            </a:r>
+              <a:t> self-check questions 19-21</a:t>
+            </a:r>
+          </a:p>
+          <a:p>
             <a:endParaRPr lang="en-US" dirty="0"/>
           </a:p>
-          <a:p>
-            <a:endParaRPr lang="en-US" dirty="0"/>
-          </a:p>
         </p:txBody>
       </p:sp>
       <p:sp>
@@ -5735,10 +5486,9 @@
           <a:lstStyle/>
           <a:p>
             <a:r>
-              <a:rPr lang="en-US" smtClean="0"/>
+              <a:rPr lang="en-US"/>
               <a:t>Developed by TEALS in 2015  www.tealsk12.org</a:t>
             </a:r>
-            <a:endParaRPr lang="en-US"/>
           </a:p>
         </p:txBody>
       </p:sp>
@@ -5790,30 +5540,17 @@
           <a:lstStyle/>
           <a:p>
             <a:r>
-              <a:rPr lang="en-US" b="1" dirty="0" smtClean="0"/>
-              <a:t>Lesson </a:t>
-            </a:r>
-            <a:r>
               <a:rPr lang="en-US" b="1" dirty="0"/>
-              <a:t>2</a:t>
-            </a:r>
-            <a:r>
-              <a:rPr lang="en-US" b="1" dirty="0" smtClean="0"/>
-              <a:t>.6 </a:t>
-            </a:r>
-            <a:r>
-              <a:rPr lang="en-US" dirty="0" smtClean="0">
+              <a:t>Lesson 2.6 </a:t>
+            </a:r>
+            <a:r>
+              <a:rPr lang="en-US" dirty="0">
                 <a:solidFill>
                   <a:srgbClr val="17B1AA"/>
                 </a:solidFill>
               </a:rPr>
               <a:t>Nested for Loops</a:t>
             </a:r>
-            <a:endParaRPr lang="en-US" dirty="0">
-              <a:solidFill>
-                <a:srgbClr val="17B1AA"/>
-              </a:solidFill>
-            </a:endParaRPr>
           </a:p>
         </p:txBody>
       </p:sp>
@@ -5842,45 +5579,40 @@
               </a:rPr>
               <a:t>Objectives </a:t>
             </a:r>
-            <a:endParaRPr lang="en-US" dirty="0" smtClean="0">
+          </a:p>
+          <a:p>
+            <a:pPr lvl="1"/>
+            <a:r>
+              <a:rPr lang="en-US" b="1" dirty="0"/>
+              <a:t>Trace</a:t>
+            </a:r>
+            <a:r>
+              <a:rPr lang="en-US" dirty="0"/>
+              <a:t> nested loops to predict program behavior.</a:t>
+            </a:r>
+          </a:p>
+          <a:p>
+            <a:pPr lvl="1"/>
+            <a:r>
+              <a:rPr lang="en-US" b="1" dirty="0"/>
+              <a:t>Construct</a:t>
+            </a:r>
+            <a:r>
+              <a:rPr lang="en-US" dirty="0"/>
+              <a:t> loops to execute simple tasks.</a:t>
+            </a:r>
+            <a:endParaRPr lang="en-US" b="1" dirty="0"/>
+          </a:p>
+          <a:p>
+            <a:endParaRPr lang="en-US" dirty="0">
               <a:solidFill>
                 <a:srgbClr val="17B1AA"/>
               </a:solidFill>
             </a:endParaRPr>
           </a:p>
           <a:p>
-            <a:pPr lvl="1"/>
-            <a:r>
-              <a:rPr lang="en-US" b="1" dirty="0" smtClean="0"/>
-              <a:t>Trace</a:t>
-            </a:r>
-            <a:r>
-              <a:rPr lang="en-US" dirty="0" smtClean="0"/>
-              <a:t> nested loops to predict program behavior.</a:t>
-            </a:r>
-          </a:p>
-          <a:p>
-            <a:pPr lvl="1"/>
-            <a:r>
-              <a:rPr lang="en-US" b="1" dirty="0" smtClean="0"/>
-              <a:t>Construct</a:t>
-            </a:r>
-            <a:r>
-              <a:rPr lang="en-US" dirty="0" smtClean="0"/>
-              <a:t> loops to execute simple tasks.</a:t>
-            </a:r>
-            <a:endParaRPr lang="en-US" b="1" dirty="0"/>
-          </a:p>
-          <a:p>
-            <a:endParaRPr lang="en-US" dirty="0" smtClean="0">
-              <a:solidFill>
-                <a:srgbClr val="17B1AA"/>
-              </a:solidFill>
-            </a:endParaRPr>
-          </a:p>
-          <a:p>
-            <a:r>
-              <a:rPr lang="en-US" dirty="0" smtClean="0">
+            <a:r>
+              <a:rPr lang="en-US" dirty="0">
                 <a:solidFill>
                   <a:srgbClr val="17B1AA"/>
                 </a:solidFill>
@@ -5891,14 +5623,13 @@
           <a:p>
             <a:pPr lvl="1"/>
             <a:r>
-              <a:rPr lang="en-US" b="1" dirty="0" smtClean="0"/>
+              <a:rPr lang="en-US" b="1" dirty="0"/>
               <a:t>Trace and construct</a:t>
             </a:r>
             <a:r>
-              <a:rPr lang="en-US" dirty="0" smtClean="0"/>
-              <a:t> nested loops in Practice-It problems.</a:t>
-            </a:r>
-            <a:endParaRPr lang="en-US" dirty="0"/>
+              <a:rPr lang="en-US" dirty="0"/>
+              <a:t> nested loops in Practice problems.</a:t>
+            </a:r>
           </a:p>
           <a:p>
             <a:pPr marL="0" indent="0">
@@ -5915,39 +5646,34 @@
               </a:rPr>
               <a:t>Homework </a:t>
             </a:r>
-            <a:endParaRPr lang="en-US" dirty="0" smtClean="0">
-              <a:solidFill>
-                <a:srgbClr val="17B1AA"/>
-              </a:solidFill>
-            </a:endParaRPr>
           </a:p>
           <a:p>
             <a:pPr lvl="1"/>
             <a:r>
-              <a:rPr lang="en-US" b="1" dirty="0" smtClean="0"/>
+              <a:rPr lang="en-US" b="1" dirty="0"/>
               <a:t>Read</a:t>
             </a:r>
             <a:r>
-              <a:rPr lang="en-US" dirty="0" smtClean="0"/>
+              <a:rPr lang="en-US" dirty="0"/>
               <a:t> HW 2.4 “Scope” and “</a:t>
             </a:r>
             <a:r>
-              <a:rPr lang="en-US" dirty="0" err="1" smtClean="0"/>
+              <a:rPr lang="en-US" dirty="0" err="1"/>
               <a:t>Pseudocode</a:t>
             </a:r>
             <a:r>
-              <a:rPr lang="en-US" dirty="0" smtClean="0"/>
+              <a:rPr lang="en-US" dirty="0"/>
               <a:t>”</a:t>
             </a:r>
           </a:p>
           <a:p>
             <a:pPr lvl="1"/>
             <a:r>
-              <a:rPr lang="en-US" b="1" dirty="0" smtClean="0"/>
+              <a:rPr lang="en-US" b="1" dirty="0"/>
               <a:t>Complete</a:t>
             </a:r>
             <a:r>
-              <a:rPr lang="en-US" dirty="0" smtClean="0"/>
+              <a:rPr lang="en-US" dirty="0"/>
               <a:t> self-check questions 26-27 and exercise 4</a:t>
             </a:r>
             <a:endParaRPr lang="en-US" b="1" dirty="0"/>
@@ -5973,10 +5699,9 @@
           <a:lstStyle/>
           <a:p>
             <a:r>
-              <a:rPr lang="en-US" smtClean="0"/>
+              <a:rPr lang="en-US"/>
               <a:t>Developed by TEALS in 2015  www.tealsk12.org</a:t>
             </a:r>
-            <a:endParaRPr lang="en-US"/>
           </a:p>
         </p:txBody>
       </p:sp>
@@ -6026,11 +5751,11 @@
           <a:lstStyle/>
           <a:p>
             <a:r>
-              <a:rPr lang="en-US" b="1" dirty="0" smtClean="0"/>
+              <a:rPr lang="en-US" b="1" dirty="0"/>
               <a:t>Lesson 2.7 </a:t>
             </a:r>
             <a:r>
-              <a:rPr lang="en-US" dirty="0" smtClean="0">
+              <a:rPr lang="en-US" dirty="0">
                 <a:solidFill>
                   <a:srgbClr val="17B1AA"/>
                 </a:solidFill>
@@ -6038,7 +5763,7 @@
               <a:t>Scope &amp; </a:t>
             </a:r>
             <a:r>
-              <a:rPr lang="en-US" dirty="0" err="1" smtClean="0">
+              <a:rPr lang="en-US" dirty="0" err="1">
                 <a:solidFill>
                   <a:srgbClr val="17B1AA"/>
                 </a:solidFill>
@@ -6078,31 +5803,26 @@
               </a:rPr>
               <a:t>Objectives </a:t>
             </a:r>
-            <a:endParaRPr lang="en-US" dirty="0" smtClean="0">
-              <a:solidFill>
-                <a:srgbClr val="17B1AA"/>
-              </a:solidFill>
-            </a:endParaRPr>
           </a:p>
           <a:p>
             <a:pPr lvl="1"/>
             <a:r>
-              <a:rPr lang="en-US" b="1" dirty="0" smtClean="0"/>
+              <a:rPr lang="en-US" b="1" dirty="0"/>
               <a:t>Identify</a:t>
             </a:r>
             <a:r>
-              <a:rPr lang="en-US" dirty="0" smtClean="0"/>
+              <a:rPr lang="en-US" dirty="0"/>
               <a:t> the scope of a variable.</a:t>
             </a:r>
           </a:p>
           <a:p>
             <a:pPr lvl="1"/>
             <a:r>
-              <a:rPr lang="en-US" b="1" dirty="0" smtClean="0"/>
+              <a:rPr lang="en-US" b="1" dirty="0"/>
               <a:t>Identify</a:t>
             </a:r>
             <a:r>
-              <a:rPr lang="en-US" dirty="0" smtClean="0"/>
+              <a:rPr lang="en-US" dirty="0"/>
               <a:t> common scope errors.</a:t>
             </a:r>
             <a:endParaRPr lang="en-US" b="1" dirty="0"/>
@@ -6122,23 +5842,17 @@
               </a:rPr>
               <a:t>Assessments </a:t>
             </a:r>
-            <a:endParaRPr lang="en-US" dirty="0" smtClean="0">
-              <a:solidFill>
-                <a:srgbClr val="17B1AA"/>
-              </a:solidFill>
-            </a:endParaRPr>
           </a:p>
           <a:p>
             <a:pPr lvl="1"/>
             <a:r>
-              <a:rPr lang="en-US" b="1" dirty="0" smtClean="0"/>
+              <a:rPr lang="en-US" b="1" dirty="0"/>
               <a:t>Complete</a:t>
             </a:r>
             <a:r>
-              <a:rPr lang="en-US" dirty="0" smtClean="0"/>
+              <a:rPr lang="en-US" dirty="0"/>
               <a:t> a worksheet</a:t>
             </a:r>
-            <a:endParaRPr lang="en-US" dirty="0"/>
           </a:p>
           <a:p>
             <a:pPr marL="0" indent="0">
@@ -6155,50 +5869,45 @@
               </a:rPr>
               <a:t>Homework </a:t>
             </a:r>
-            <a:endParaRPr lang="en-US" dirty="0" smtClean="0">
-              <a:solidFill>
-                <a:srgbClr val="17B1AA"/>
-              </a:solidFill>
-            </a:endParaRPr>
           </a:p>
           <a:p>
             <a:pPr lvl="1"/>
             <a:r>
-              <a:rPr lang="en-US" b="1" dirty="0" smtClean="0"/>
+              <a:rPr lang="en-US" b="1" dirty="0"/>
               <a:t>Read</a:t>
             </a:r>
             <a:r>
-              <a:rPr lang="en-US" dirty="0" smtClean="0"/>
+              <a:rPr lang="en-US" dirty="0"/>
               <a:t> HW 2.4 “</a:t>
             </a:r>
             <a:r>
-              <a:rPr lang="en-US" dirty="0" err="1" smtClean="0"/>
+              <a:rPr lang="en-US" dirty="0" err="1"/>
               <a:t>Pseudocode</a:t>
             </a:r>
             <a:r>
-              <a:rPr lang="en-US" dirty="0" smtClean="0"/>
+              <a:rPr lang="en-US" dirty="0"/>
               <a:t>”</a:t>
             </a:r>
           </a:p>
           <a:p>
             <a:pPr lvl="1"/>
             <a:r>
-              <a:rPr lang="en-US" b="1" dirty="0" smtClean="0"/>
+              <a:rPr lang="en-US" b="1" dirty="0"/>
               <a:t>Complete</a:t>
             </a:r>
             <a:r>
-              <a:rPr lang="en-US" dirty="0" smtClean="0"/>
+              <a:rPr lang="en-US" dirty="0"/>
               <a:t> self-check questions 31-33</a:t>
             </a:r>
           </a:p>
           <a:p>
             <a:pPr lvl="1"/>
             <a:r>
-              <a:rPr lang="en-US" b="1" dirty="0" smtClean="0"/>
+              <a:rPr lang="en-US" b="1" dirty="0"/>
               <a:t>Check class notes</a:t>
             </a:r>
             <a:r>
-              <a:rPr lang="en-US" dirty="0" smtClean="0"/>
+              <a:rPr lang="en-US" dirty="0"/>
               <a:t> for completion, adding daily summaries if needed</a:t>
             </a:r>
             <a:endParaRPr lang="en-US" b="1" dirty="0"/>
@@ -6224,10 +5933,9 @@
           <a:lstStyle/>
           <a:p>
             <a:r>
-              <a:rPr lang="en-US" smtClean="0"/>
+              <a:rPr lang="en-US"/>
               <a:t>Developed by TEALS in 2015  www.tealsk12.org</a:t>
             </a:r>
-            <a:endParaRPr lang="en-US"/>
           </a:p>
         </p:txBody>
       </p:sp>
@@ -6277,22 +5985,17 @@
           <a:lstStyle/>
           <a:p>
             <a:r>
-              <a:rPr lang="en-US" b="1" dirty="0" smtClean="0"/>
+              <a:rPr lang="en-US" b="1" dirty="0"/>
               <a:t>Lesson 2.8 </a:t>
             </a:r>
             <a:r>
-              <a:rPr lang="en-US" dirty="0" smtClean="0">
+              <a:rPr lang="en-US" dirty="0">
                 <a:solidFill>
                   <a:srgbClr val="17B1AA"/>
                 </a:solidFill>
               </a:rPr>
               <a:t>Programming Project</a:t>
             </a:r>
-            <a:endParaRPr lang="en-US" dirty="0">
-              <a:solidFill>
-                <a:srgbClr val="17B1AA"/>
-              </a:solidFill>
-            </a:endParaRPr>
           </a:p>
         </p:txBody>
       </p:sp>
@@ -6321,23 +6024,17 @@
               </a:rPr>
               <a:t>Objectives </a:t>
             </a:r>
-            <a:endParaRPr lang="en-US" dirty="0" smtClean="0">
-              <a:solidFill>
-                <a:srgbClr val="17B1AA"/>
-              </a:solidFill>
-            </a:endParaRPr>
           </a:p>
           <a:p>
             <a:pPr lvl="1"/>
             <a:r>
-              <a:rPr lang="en-US" b="1" dirty="0" smtClean="0"/>
+              <a:rPr lang="en-US" b="1" dirty="0"/>
               <a:t>Plan and construct</a:t>
             </a:r>
             <a:r>
-              <a:rPr lang="en-US" dirty="0" smtClean="0"/>
+              <a:rPr lang="en-US" dirty="0"/>
               <a:t> a structured program containing nested loops.</a:t>
             </a:r>
-            <a:endParaRPr lang="en-US" dirty="0"/>
           </a:p>
           <a:p>
             <a:pPr marL="0" indent="0">
@@ -6354,23 +6051,17 @@
               </a:rPr>
               <a:t>Assessments </a:t>
             </a:r>
-            <a:endParaRPr lang="en-US" dirty="0" smtClean="0">
-              <a:solidFill>
-                <a:srgbClr val="17B1AA"/>
-              </a:solidFill>
-            </a:endParaRPr>
           </a:p>
           <a:p>
             <a:pPr lvl="1"/>
             <a:r>
-              <a:rPr lang="en-US" b="1" dirty="0" smtClean="0"/>
+              <a:rPr lang="en-US" b="1" dirty="0"/>
               <a:t>Submit</a:t>
             </a:r>
             <a:r>
-              <a:rPr lang="en-US" dirty="0" smtClean="0"/>
+              <a:rPr lang="en-US" dirty="0"/>
               <a:t> a complete, functional program by the end of next class.</a:t>
             </a:r>
-            <a:endParaRPr lang="en-US" dirty="0"/>
           </a:p>
           <a:p>
             <a:pPr marL="0" indent="0">
@@ -6387,27 +6078,21 @@
               </a:rPr>
               <a:t>Homework </a:t>
             </a:r>
-            <a:endParaRPr lang="en-US" dirty="0" smtClean="0">
-              <a:solidFill>
-                <a:srgbClr val="17B1AA"/>
-              </a:solidFill>
-            </a:endParaRPr>
           </a:p>
           <a:p>
             <a:pPr lvl="1"/>
             <a:r>
-              <a:rPr lang="en-US" b="1" dirty="0" smtClean="0"/>
+              <a:rPr lang="en-US" b="1" dirty="0"/>
               <a:t>Outline</a:t>
             </a:r>
             <a:r>
-              <a:rPr lang="en-US" dirty="0" smtClean="0"/>
+              <a:rPr lang="en-US" dirty="0"/>
               <a:t> Chapter 2, omitting HW 2.5</a:t>
             </a:r>
+          </a:p>
+          <a:p>
             <a:endParaRPr lang="en-US" dirty="0"/>
           </a:p>
-          <a:p>
-            <a:endParaRPr lang="en-US" dirty="0"/>
-          </a:p>
         </p:txBody>
       </p:sp>
       <p:sp>
@@ -6426,10 +6111,9 @@
           <a:lstStyle/>
           <a:p>
             <a:r>
-              <a:rPr lang="en-US" smtClean="0"/>
+              <a:rPr lang="en-US"/>
               <a:t>Developed by TEALS in 2015  www.tealsk12.org</a:t>
             </a:r>
-            <a:endParaRPr lang="en-US"/>
           </a:p>
         </p:txBody>
       </p:sp>
@@ -7407,6 +7091,21 @@
 </file>
 
 <file path=customXml/item1.xml><?xml version="1.0" encoding="utf-8"?>
+<p:properties xmlns:p="http://schemas.microsoft.com/office/2006/metadata/properties" xmlns:xsi="http://www.w3.org/2001/XMLSchema-instance" xmlns:pc="http://schemas.microsoft.com/office/infopath/2007/PartnerControls">
+  <documentManagement/>
+</p:properties>
+</file>
+
+<file path=customXml/item2.xml><?xml version="1.0" encoding="utf-8"?>
+<?mso-contentType ?>
+<FormTemplates xmlns="http://schemas.microsoft.com/sharepoint/v3/contenttype/forms">
+  <Display>DocumentLibraryForm</Display>
+  <Edit>DocumentLibraryForm</Edit>
+  <New>DocumentLibraryForm</New>
+</FormTemplates>
+</file>
+
+<file path=customXml/item3.xml><?xml version="1.0" encoding="utf-8"?>
 <ct:contentTypeSchema xmlns:ct="http://schemas.microsoft.com/office/2006/metadata/contentType" xmlns:ma="http://schemas.microsoft.com/office/2006/metadata/properties/metaAttributes" ct:_="" ma:_="" ma:contentTypeName="Document" ma:contentTypeID="0x01010011E83E049C87AC4AB56F27089B4ACA55" ma:contentTypeVersion="12" ma:contentTypeDescription="Create a new document." ma:contentTypeScope="" ma:versionID="1178fe99ddca204d3fc8224f4ed0acf8">
   <xsd:schema xmlns:xsd="http://www.w3.org/2001/XMLSchema" xmlns:xs="http://www.w3.org/2001/XMLSchema" xmlns:p="http://schemas.microsoft.com/office/2006/metadata/properties" xmlns:ns2="be898649-fe57-4b08-9fd4-31fc752880e3" xmlns:ns3="6f430b7c-f2e9-4385-9cb2-4dd06cc2317e" targetNamespace="http://schemas.microsoft.com/office/2006/metadata/properties" ma:root="true" ma:fieldsID="05a700af6660b82c6e85ae510b7169e9" ns2:_="" ns3:_="">
     <xsd:import namespace="be898649-fe57-4b08-9fd4-31fc752880e3"/>
@@ -7623,29 +7322,38 @@
 </ct:contentTypeSchema>
 </file>
 
-<file path=customXml/item2.xml><?xml version="1.0" encoding="utf-8"?>
-<?mso-contentType ?>
-<FormTemplates xmlns="http://schemas.microsoft.com/sharepoint/v3/contenttype/forms">
-  <Display>DocumentLibraryForm</Display>
-  <Edit>DocumentLibraryForm</Edit>
-  <New>DocumentLibraryForm</New>
-</FormTemplates>
-</file>
-
-<file path=customXml/item3.xml><?xml version="1.0" encoding="utf-8"?>
-<p:properties xmlns:p="http://schemas.microsoft.com/office/2006/metadata/properties" xmlns:xsi="http://www.w3.org/2001/XMLSchema-instance" xmlns:pc="http://schemas.microsoft.com/office/infopath/2007/PartnerControls">
-  <documentManagement/>
-</p:properties>
-</file>
-
 <file path=customXml/itemProps1.xml><?xml version="1.0" encoding="utf-8"?>
-<ds:datastoreItem xmlns:ds="http://schemas.openxmlformats.org/officeDocument/2006/customXml" ds:itemID="{C56BA06B-D132-4865-B765-B877E5551818}"/>
+<ds:datastoreItem xmlns:ds="http://schemas.openxmlformats.org/officeDocument/2006/customXml" ds:itemID="{8C02E9DD-2988-46AC-840B-87053A8C92A5}">
+  <ds:schemaRefs>
+    <ds:schemaRef ds:uri="http://schemas.microsoft.com/office/2006/metadata/properties"/>
+    <ds:schemaRef ds:uri="http://schemas.microsoft.com/office/infopath/2007/PartnerControls"/>
+  </ds:schemaRefs>
+</ds:datastoreItem>
 </file>
 
 <file path=customXml/itemProps2.xml><?xml version="1.0" encoding="utf-8"?>
-<ds:datastoreItem xmlns:ds="http://schemas.openxmlformats.org/officeDocument/2006/customXml" ds:itemID="{CB12F83C-062E-4D83-A20D-F8FCDC582243}"/>
+<ds:datastoreItem xmlns:ds="http://schemas.openxmlformats.org/officeDocument/2006/customXml" ds:itemID="{CB12F83C-062E-4D83-A20D-F8FCDC582243}">
+  <ds:schemaRefs>
+    <ds:schemaRef ds:uri="http://schemas.microsoft.com/sharepoint/v3/contenttype/forms"/>
+  </ds:schemaRefs>
+</ds:datastoreItem>
 </file>
 
 <file path=customXml/itemProps3.xml><?xml version="1.0" encoding="utf-8"?>
-<ds:datastoreItem xmlns:ds="http://schemas.openxmlformats.org/officeDocument/2006/customXml" ds:itemID="{8C02E9DD-2988-46AC-840B-87053A8C92A5}"/>
+<ds:datastoreItem xmlns:ds="http://schemas.openxmlformats.org/officeDocument/2006/customXml" ds:itemID="{C56BA06B-D132-4865-B765-B877E5551818}">
+  <ds:schemaRefs>
+    <ds:schemaRef ds:uri="http://schemas.microsoft.com/office/2006/metadata/contentType"/>
+    <ds:schemaRef ds:uri="http://schemas.microsoft.com/office/2006/metadata/properties/metaAttributes"/>
+    <ds:schemaRef ds:uri="http://www.w3.org/2001/XMLSchema"/>
+    <ds:schemaRef ds:uri="http://schemas.microsoft.com/office/2006/metadata/properties"/>
+    <ds:schemaRef ds:uri="be898649-fe57-4b08-9fd4-31fc752880e3"/>
+    <ds:schemaRef ds:uri="6f430b7c-f2e9-4385-9cb2-4dd06cc2317e"/>
+    <ds:schemaRef ds:uri="http://schemas.microsoft.com/office/2006/documentManagement/types"/>
+    <ds:schemaRef ds:uri="http://schemas.microsoft.com/office/infopath/2007/PartnerControls"/>
+    <ds:schemaRef ds:uri="http://schemas.openxmlformats.org/package/2006/metadata/core-properties"/>
+    <ds:schemaRef ds:uri="http://purl.org/dc/elements/1.1/"/>
+    <ds:schemaRef ds:uri="http://purl.org/dc/terms/"/>
+    <ds:schemaRef ds:uri="http://schemas.microsoft.com/internal/obd"/>
+  </ds:schemaRefs>
+</ds:datastoreItem>
 </file>